--- a/gr2_lhj/user_w_hj_.pptx
+++ b/gr2_lhj/user_w_hj_.pptx
@@ -5,11 +5,13 @@
     <p:sldMasterId id="2147483648" r:id="rId1"/>
   </p:sldMasterIdLst>
   <p:notesMasterIdLst>
-    <p:notesMasterId r:id="rId4"/>
+    <p:notesMasterId r:id="rId6"/>
   </p:notesMasterIdLst>
   <p:sldIdLst>
     <p:sldId id="256" r:id="rId2"/>
     <p:sldId id="257" r:id="rId3"/>
+    <p:sldId id="258" r:id="rId4"/>
+    <p:sldId id="259" r:id="rId5"/>
   </p:sldIdLst>
   <p:sldSz cx="9906000" cy="6858000" type="A4"/>
   <p:notesSz cx="9144000" cy="6858000"/>
@@ -462,6 +464,260 @@
 </file>
 
 <file path=ppt/notesSlides/notesSlide1.xml><?xml version="1.0" encoding="utf-8"?>
+<p:notes xmlns:a="http://schemas.openxmlformats.org/drawingml/2006/main" xmlns:r="http://schemas.openxmlformats.org/officeDocument/2006/relationships" xmlns:p="http://schemas.openxmlformats.org/presentationml/2006/main" showMasterSp="0" showMasterPhAnim="0">
+  <p:cSld>
+    <p:spTree>
+      <p:nvGrpSpPr>
+        <p:cNvPr id="1" name="Shape 87"/>
+        <p:cNvGrpSpPr/>
+        <p:nvPr/>
+      </p:nvGrpSpPr>
+      <p:grpSpPr>
+        <a:xfrm>
+          <a:off x="0" y="0"/>
+          <a:ext cx="0" cy="0"/>
+          <a:chOff x="0" y="0"/>
+          <a:chExt cx="0" cy="0"/>
+        </a:xfrm>
+      </p:grpSpPr>
+      <p:sp>
+        <p:nvSpPr>
+          <p:cNvPr id="88" name="Google Shape;88;g7c553259d1_0_3:notes"/>
+          <p:cNvSpPr txBox="1">
+            <a:spLocks noGrp="1"/>
+          </p:cNvSpPr>
+          <p:nvPr>
+            <p:ph type="body" idx="1"/>
+          </p:nvPr>
+        </p:nvSpPr>
+        <p:spPr>
+          <a:xfrm>
+            <a:off x="914400" y="3257550"/>
+            <a:ext cx="7315200" cy="3086100"/>
+          </a:xfrm>
+          <a:prstGeom prst="rect">
+            <a:avLst/>
+          </a:prstGeom>
+          <a:noFill/>
+          <a:ln>
+            <a:noFill/>
+          </a:ln>
+        </p:spPr>
+        <p:txBody>
+          <a:bodyPr spcFirstLastPara="1" wrap="square" lIns="91425" tIns="91425" rIns="91425" bIns="91425" anchor="t" anchorCtr="0">
+            <a:noAutofit/>
+          </a:bodyPr>
+          <a:lstStyle/>
+          <a:p>
+            <a:pPr marL="0" lvl="0" indent="0" algn="l" rtl="0">
+              <a:lnSpc>
+                <a:spcPct val="100000"/>
+              </a:lnSpc>
+              <a:spcBef>
+                <a:spcPts val="0"/>
+              </a:spcBef>
+              <a:spcAft>
+                <a:spcPts val="0"/>
+              </a:spcAft>
+              <a:buSzPts val="1100"/>
+              <a:buNone/>
+            </a:pPr>
+            <a:endParaRPr/>
+          </a:p>
+        </p:txBody>
+      </p:sp>
+      <p:sp>
+        <p:nvSpPr>
+          <p:cNvPr id="89" name="Google Shape;89;g7c553259d1_0_3:notes"/>
+          <p:cNvSpPr>
+            <a:spLocks noGrp="1" noRot="1" noChangeAspect="1"/>
+          </p:cNvSpPr>
+          <p:nvPr>
+            <p:ph type="sldImg" idx="2"/>
+          </p:nvPr>
+        </p:nvSpPr>
+        <p:spPr>
+          <a:xfrm>
+            <a:off x="2714625" y="514350"/>
+            <a:ext cx="3716338" cy="2571750"/>
+          </a:xfrm>
+          <a:custGeom>
+            <a:avLst/>
+            <a:gdLst/>
+            <a:ahLst/>
+            <a:cxnLst/>
+            <a:rect l="l" t="t" r="r" b="b"/>
+            <a:pathLst>
+              <a:path w="120000" h="120000" extrusionOk="0">
+                <a:moveTo>
+                  <a:pt x="0" y="0"/>
+                </a:moveTo>
+                <a:lnTo>
+                  <a:pt x="120000" y="0"/>
+                </a:lnTo>
+                <a:lnTo>
+                  <a:pt x="120000" y="120000"/>
+                </a:lnTo>
+                <a:lnTo>
+                  <a:pt x="0" y="120000"/>
+                </a:lnTo>
+                <a:close/>
+              </a:path>
+            </a:pathLst>
+          </a:custGeom>
+          <a:noFill/>
+          <a:ln w="9525" cap="flat" cmpd="sng">
+            <a:solidFill>
+              <a:srgbClr val="000000"/>
+            </a:solidFill>
+            <a:prstDash val="solid"/>
+            <a:round/>
+            <a:headEnd type="none" w="sm" len="sm"/>
+            <a:tailEnd type="none" w="sm" len="sm"/>
+          </a:ln>
+        </p:spPr>
+      </p:sp>
+    </p:spTree>
+    <p:extLst>
+      <p:ext uri="{BB962C8B-B14F-4D97-AF65-F5344CB8AC3E}">
+        <p14:creationId xmlns:p14="http://schemas.microsoft.com/office/powerpoint/2010/main" val="904104145"/>
+      </p:ext>
+    </p:extLst>
+  </p:cSld>
+  <p:clrMapOvr>
+    <a:masterClrMapping/>
+  </p:clrMapOvr>
+</p:notes>
+</file>
+
+<file path=ppt/notesSlides/notesSlide2.xml><?xml version="1.0" encoding="utf-8"?>
+<p:notes xmlns:a="http://schemas.openxmlformats.org/drawingml/2006/main" xmlns:r="http://schemas.openxmlformats.org/officeDocument/2006/relationships" xmlns:p="http://schemas.openxmlformats.org/presentationml/2006/main" showMasterSp="0" showMasterPhAnim="0">
+  <p:cSld>
+    <p:spTree>
+      <p:nvGrpSpPr>
+        <p:cNvPr id="1" name="Shape 87"/>
+        <p:cNvGrpSpPr/>
+        <p:nvPr/>
+      </p:nvGrpSpPr>
+      <p:grpSpPr>
+        <a:xfrm>
+          <a:off x="0" y="0"/>
+          <a:ext cx="0" cy="0"/>
+          <a:chOff x="0" y="0"/>
+          <a:chExt cx="0" cy="0"/>
+        </a:xfrm>
+      </p:grpSpPr>
+      <p:sp>
+        <p:nvSpPr>
+          <p:cNvPr id="88" name="Google Shape;88;g7c553259d1_0_3:notes"/>
+          <p:cNvSpPr txBox="1">
+            <a:spLocks noGrp="1"/>
+          </p:cNvSpPr>
+          <p:nvPr>
+            <p:ph type="body" idx="1"/>
+          </p:nvPr>
+        </p:nvSpPr>
+        <p:spPr>
+          <a:xfrm>
+            <a:off x="914400" y="3257550"/>
+            <a:ext cx="7315200" cy="3086100"/>
+          </a:xfrm>
+          <a:prstGeom prst="rect">
+            <a:avLst/>
+          </a:prstGeom>
+          <a:noFill/>
+          <a:ln>
+            <a:noFill/>
+          </a:ln>
+        </p:spPr>
+        <p:txBody>
+          <a:bodyPr spcFirstLastPara="1" wrap="square" lIns="91425" tIns="91425" rIns="91425" bIns="91425" anchor="t" anchorCtr="0">
+            <a:noAutofit/>
+          </a:bodyPr>
+          <a:lstStyle/>
+          <a:p>
+            <a:pPr marL="0" lvl="0" indent="0" algn="l" rtl="0">
+              <a:lnSpc>
+                <a:spcPct val="100000"/>
+              </a:lnSpc>
+              <a:spcBef>
+                <a:spcPts val="0"/>
+              </a:spcBef>
+              <a:spcAft>
+                <a:spcPts val="0"/>
+              </a:spcAft>
+              <a:buSzPts val="1100"/>
+              <a:buNone/>
+            </a:pPr>
+            <a:endParaRPr/>
+          </a:p>
+        </p:txBody>
+      </p:sp>
+      <p:sp>
+        <p:nvSpPr>
+          <p:cNvPr id="89" name="Google Shape;89;g7c553259d1_0_3:notes"/>
+          <p:cNvSpPr>
+            <a:spLocks noGrp="1" noRot="1" noChangeAspect="1"/>
+          </p:cNvSpPr>
+          <p:nvPr>
+            <p:ph type="sldImg" idx="2"/>
+          </p:nvPr>
+        </p:nvSpPr>
+        <p:spPr>
+          <a:xfrm>
+            <a:off x="2714625" y="514350"/>
+            <a:ext cx="3716338" cy="2571750"/>
+          </a:xfrm>
+          <a:custGeom>
+            <a:avLst/>
+            <a:gdLst/>
+            <a:ahLst/>
+            <a:cxnLst/>
+            <a:rect l="l" t="t" r="r" b="b"/>
+            <a:pathLst>
+              <a:path w="120000" h="120000" extrusionOk="0">
+                <a:moveTo>
+                  <a:pt x="0" y="0"/>
+                </a:moveTo>
+                <a:lnTo>
+                  <a:pt x="120000" y="0"/>
+                </a:lnTo>
+                <a:lnTo>
+                  <a:pt x="120000" y="120000"/>
+                </a:lnTo>
+                <a:lnTo>
+                  <a:pt x="0" y="120000"/>
+                </a:lnTo>
+                <a:close/>
+              </a:path>
+            </a:pathLst>
+          </a:custGeom>
+          <a:noFill/>
+          <a:ln w="9525" cap="flat" cmpd="sng">
+            <a:solidFill>
+              <a:srgbClr val="000000"/>
+            </a:solidFill>
+            <a:prstDash val="solid"/>
+            <a:round/>
+            <a:headEnd type="none" w="sm" len="sm"/>
+            <a:tailEnd type="none" w="sm" len="sm"/>
+          </a:ln>
+        </p:spPr>
+      </p:sp>
+    </p:spTree>
+    <p:extLst>
+      <p:ext uri="{BB962C8B-B14F-4D97-AF65-F5344CB8AC3E}">
+        <p14:creationId xmlns:p14="http://schemas.microsoft.com/office/powerpoint/2010/main" val="904104145"/>
+      </p:ext>
+    </p:extLst>
+  </p:cSld>
+  <p:clrMapOvr>
+    <a:masterClrMapping/>
+  </p:clrMapOvr>
+</p:notes>
+</file>
+
+<file path=ppt/notesSlides/notesSlide3.xml><?xml version="1.0" encoding="utf-8"?>
 <p:notes xmlns:a="http://schemas.openxmlformats.org/drawingml/2006/main" xmlns:r="http://schemas.openxmlformats.org/officeDocument/2006/relationships" xmlns:p="http://schemas.openxmlformats.org/presentationml/2006/main" showMasterSp="0" showMasterPhAnim="0">
   <p:cSld>
     <p:spTree>
@@ -4386,14 +4642,14 @@
           <p:nvPr>
             <p:extLst>
               <p:ext uri="{D42A27DB-BD31-4B8C-83A1-F6EECF244321}">
-                <p14:modId xmlns:p14="http://schemas.microsoft.com/office/powerpoint/2010/main" val="2621392907"/>
+                <p14:modId xmlns:p14="http://schemas.microsoft.com/office/powerpoint/2010/main" val="437366081"/>
               </p:ext>
             </p:extLst>
           </p:nvPr>
         </p:nvGraphicFramePr>
         <p:xfrm>
           <a:off x="7185248" y="836712"/>
-          <a:ext cx="2398768" cy="2545110"/>
+          <a:ext cx="2398768" cy="2126362"/>
         </p:xfrm>
         <a:graphic>
           <a:graphicData uri="http://schemas.openxmlformats.org/drawingml/2006/table">
@@ -4565,7 +4821,7 @@
                   </a:tcPr>
                 </a:tc>
               </a:tr>
-              <a:tr h="1173965">
+              <a:tr h="328022">
                 <a:tc>
                   <a:txBody>
                     <a:bodyPr/>
@@ -4669,52 +4925,8 @@
                         <a:tabLst/>
                       </a:pPr>
                       <a:r>
-                        <a:rPr lang="ko-KR" altLang="en-US" sz="1500" b="1" u="none" strike="noStrike" cap="none" dirty="0" smtClean="0"/>
-                        <a:t>여행지 정보</a:t>
-                      </a:r>
-                      <a:endParaRPr lang="en-US" altLang="ko-KR" sz="1500" b="1" u="none" strike="noStrike" cap="none" dirty="0" smtClean="0"/>
-                    </a:p>
-                    <a:p>
-                      <a:pPr marL="133350" marR="0" lvl="0" indent="0" algn="l" rtl="0">
-                        <a:lnSpc>
-                          <a:spcPct val="100000"/>
-                        </a:lnSpc>
-                        <a:spcBef>
-                          <a:spcPts val="0"/>
-                        </a:spcBef>
-                        <a:spcAft>
-                          <a:spcPts val="0"/>
-                        </a:spcAft>
-                        <a:buClr>
-                          <a:srgbClr val="000000"/>
-                        </a:buClr>
-                        <a:buSzPts val="1500"/>
-                        <a:buFont typeface="Arial"/>
-                        <a:buNone/>
-                      </a:pPr>
-                      <a:r>
                         <a:rPr lang="ko-KR" altLang="en-US" sz="1300" b="0" u="none" strike="noStrike" cap="none" dirty="0" smtClean="0"/>
-                        <a:t>현재 시기</a:t>
-                      </a:r>
-                      <a:r>
-                        <a:rPr lang="en-US" altLang="ko-KR" sz="1300" b="0" u="none" strike="noStrike" cap="none" dirty="0" smtClean="0"/>
-                        <a:t>,</a:t>
-                      </a:r>
-                      <a:r>
-                        <a:rPr lang="en-US" altLang="ko-KR" sz="1300" b="0" u="none" strike="noStrike" cap="none" baseline="0" dirty="0" smtClean="0"/>
-                        <a:t> </a:t>
-                      </a:r>
-                      <a:r>
-                        <a:rPr lang="ko-KR" altLang="en-US" sz="1300" b="0" u="none" strike="noStrike" cap="none" baseline="0" dirty="0" smtClean="0"/>
-                        <a:t>다른 사람들의 여행 기록을 토대로 추천 여행지를 제공하며</a:t>
-                      </a:r>
-                      <a:r>
-                        <a:rPr lang="en-US" altLang="ko-KR" sz="1300" b="0" u="none" strike="noStrike" cap="none" baseline="0" dirty="0" smtClean="0"/>
-                        <a:t>, </a:t>
-                      </a:r>
-                      <a:r>
-                        <a:rPr lang="ko-KR" altLang="en-US" sz="1300" b="0" u="none" strike="noStrike" cap="none" baseline="0" dirty="0" smtClean="0"/>
-                        <a:t>여행지에 대한 정보도 확인 가능</a:t>
+                        <a:t>현재 진행 상황 나타냄</a:t>
                       </a:r>
                       <a:endParaRPr sz="1300" b="0" u="none" strike="noStrike" cap="none" dirty="0"/>
                     </a:p>
@@ -4865,14 +5077,41 @@
                         <a:buNone/>
                       </a:pPr>
                       <a:r>
-                        <a:rPr lang="ko-KR" altLang="en-US" sz="1500" b="1" u="none" strike="noStrike" cap="none" dirty="0" err="1" smtClean="0"/>
-                        <a:t>메이트</a:t>
+                        <a:rPr lang="ko-KR" altLang="en-US" sz="1300" b="0" u="none" strike="noStrike" cap="none" dirty="0" smtClean="0"/>
+                        <a:t>프로젝트를 만들기 위한 기본 정보를 수집</a:t>
+                      </a:r>
+                      <a:endParaRPr lang="en-US" altLang="ko-KR" sz="1300" b="0" u="none" strike="noStrike" cap="none" dirty="0" smtClean="0"/>
+                    </a:p>
+                    <a:p>
+                      <a:pPr marL="133350" marR="0" lvl="0" indent="0" algn="l" rtl="0">
+                        <a:lnSpc>
+                          <a:spcPct val="100000"/>
+                        </a:lnSpc>
+                        <a:spcBef>
+                          <a:spcPts val="0"/>
+                        </a:spcBef>
+                        <a:spcAft>
+                          <a:spcPts val="0"/>
+                        </a:spcAft>
+                        <a:buClr>
+                          <a:srgbClr val="000000"/>
+                        </a:buClr>
+                        <a:buSzPts val="1500"/>
+                        <a:buFont typeface="Arial"/>
+                        <a:buNone/>
+                      </a:pPr>
+                      <a:r>
+                        <a:rPr lang="en-US" sz="1300" b="0" u="none" strike="noStrike" cap="none" dirty="0" smtClean="0"/>
+                        <a:t>(</a:t>
                       </a:r>
                       <a:r>
-                        <a:rPr lang="ko-KR" altLang="en-US" sz="1500" b="1" u="none" strike="noStrike" cap="none" dirty="0" smtClean="0"/>
-                        <a:t> 찾기</a:t>
+                        <a:rPr lang="ko-KR" altLang="en-US" sz="1300" b="0" u="none" strike="noStrike" cap="none" dirty="0" smtClean="0"/>
+                        <a:t>프로젝트 제목</a:t>
                       </a:r>
-                      <a:endParaRPr lang="en-US" altLang="ko-KR" sz="1500" b="1" u="none" strike="noStrike" cap="none" dirty="0" smtClean="0"/>
+                      <a:r>
+                        <a:rPr lang="en-US" altLang="ko-KR" sz="1300" b="0" u="none" strike="noStrike" cap="none" dirty="0" smtClean="0"/>
+                        <a:t>,</a:t>
+                      </a:r>
                     </a:p>
                     <a:p>
                       <a:pPr marL="133350" marR="0" lvl="0" indent="0" algn="l" rtl="0">
@@ -4894,21 +5133,93 @@
                       </a:pPr>
                       <a:r>
                         <a:rPr lang="ko-KR" altLang="en-US" sz="1300" b="0" u="none" strike="noStrike" cap="none" dirty="0" smtClean="0"/>
-                        <a:t>여행지</a:t>
+                        <a:t>목표 금액</a:t>
                       </a:r>
                       <a:r>
-                        <a:rPr lang="ko-KR" altLang="en-US" sz="1300" b="0" u="none" strike="noStrike" cap="none" baseline="0" dirty="0" smtClean="0"/>
-                        <a:t> 정보를 열람하지 않고 바로 여행 </a:t>
+                        <a:rPr lang="en-US" altLang="ko-KR" sz="1300" b="0" u="none" strike="noStrike" cap="none" dirty="0" smtClean="0"/>
+                        <a:t>,</a:t>
+                      </a:r>
+                    </a:p>
+                    <a:p>
+                      <a:pPr marL="133350" marR="0" lvl="0" indent="0" algn="l" rtl="0">
+                        <a:lnSpc>
+                          <a:spcPct val="100000"/>
+                        </a:lnSpc>
+                        <a:spcBef>
+                          <a:spcPts val="0"/>
+                        </a:spcBef>
+                        <a:spcAft>
+                          <a:spcPts val="0"/>
+                        </a:spcAft>
+                        <a:buClr>
+                          <a:srgbClr val="000000"/>
+                        </a:buClr>
+                        <a:buSzPts val="1500"/>
+                        <a:buFont typeface="Arial"/>
+                        <a:buNone/>
+                      </a:pPr>
+                      <a:r>
+                        <a:rPr lang="ko-KR" altLang="en-US" sz="1300" b="0" u="none" strike="noStrike" cap="none" dirty="0" smtClean="0"/>
+                        <a:t>프로젝트 진행 기간</a:t>
                       </a:r>
                       <a:r>
-                        <a:rPr lang="ko-KR" altLang="en-US" sz="1300" b="0" u="none" strike="noStrike" cap="none" baseline="0" dirty="0" err="1" smtClean="0"/>
-                        <a:t>메이트를</a:t>
+                        <a:rPr lang="en-US" altLang="ko-KR" sz="1300" b="0" u="none" strike="noStrike" cap="none" dirty="0" smtClean="0"/>
+                        <a:t>,</a:t>
+                      </a:r>
+                    </a:p>
+                    <a:p>
+                      <a:pPr marL="133350" marR="0" lvl="0" indent="0" algn="l" rtl="0">
+                        <a:lnSpc>
+                          <a:spcPct val="100000"/>
+                        </a:lnSpc>
+                        <a:spcBef>
+                          <a:spcPts val="0"/>
+                        </a:spcBef>
+                        <a:spcAft>
+                          <a:spcPts val="0"/>
+                        </a:spcAft>
+                        <a:buClr>
+                          <a:srgbClr val="000000"/>
+                        </a:buClr>
+                        <a:buSzPts val="1500"/>
+                        <a:buFont typeface="Arial"/>
+                        <a:buNone/>
+                      </a:pPr>
+                      <a:r>
+                        <a:rPr lang="ko-KR" altLang="en-US" sz="1300" b="0" u="none" strike="noStrike" cap="none" dirty="0" smtClean="0"/>
+                        <a:t>프로젝트 대표 이미지</a:t>
                       </a:r>
                       <a:r>
-                        <a:rPr lang="ko-KR" altLang="en-US" sz="1300" b="0" u="none" strike="noStrike" cap="none" baseline="0" dirty="0" smtClean="0"/>
-                        <a:t> 찾기</a:t>
+                        <a:rPr lang="en-US" altLang="ko-KR" sz="1300" b="0" u="none" strike="noStrike" cap="none" dirty="0" smtClean="0"/>
+                        <a:t>,</a:t>
                       </a:r>
-                      <a:endParaRPr sz="1300" b="0" u="none" strike="noStrike" cap="none" dirty="0"/>
+                    </a:p>
+                    <a:p>
+                      <a:pPr marL="133350" marR="0" lvl="0" indent="0" algn="l" rtl="0">
+                        <a:lnSpc>
+                          <a:spcPct val="100000"/>
+                        </a:lnSpc>
+                        <a:spcBef>
+                          <a:spcPts val="0"/>
+                        </a:spcBef>
+                        <a:spcAft>
+                          <a:spcPts val="0"/>
+                        </a:spcAft>
+                        <a:buClr>
+                          <a:srgbClr val="000000"/>
+                        </a:buClr>
+                        <a:buSzPts val="1500"/>
+                        <a:buFont typeface="Arial"/>
+                        <a:buNone/>
+                      </a:pPr>
+                      <a:r>
+                        <a:rPr lang="ko-KR" altLang="en-US" sz="1300" b="0" u="none" strike="noStrike" cap="none" dirty="0" smtClean="0"/>
+                        <a:t>프로젝트 키워드</a:t>
+                      </a:r>
+                      <a:r>
+                        <a:rPr lang="en-US" altLang="ko-KR" sz="1300" b="0" u="none" strike="noStrike" cap="none" dirty="0" smtClean="0"/>
+                        <a:t>)</a:t>
+                      </a:r>
                     </a:p>
                   </a:txBody>
                   <a:tcPr marL="74304" marR="74304" marT="45725" marB="45725">
@@ -4966,7 +5277,7 @@
         </p:nvCxnSpPr>
         <p:spPr>
           <a:xfrm>
-            <a:off x="1352600" y="1772816"/>
+            <a:off x="2432720" y="1628800"/>
             <a:ext cx="0" cy="4824536"/>
           </a:xfrm>
           <a:prstGeom prst="line">
@@ -4988,10 +5299,5716 @@
           </a:fontRef>
         </p:style>
       </p:cxnSp>
+      <p:sp>
+        <p:nvSpPr>
+          <p:cNvPr id="2" name="TextBox 1"/>
+          <p:cNvSpPr txBox="1"/>
+          <p:nvPr/>
+        </p:nvSpPr>
+        <p:spPr>
+          <a:xfrm>
+            <a:off x="827512" y="1766410"/>
+            <a:ext cx="1080120" cy="246221"/>
+          </a:xfrm>
+          <a:prstGeom prst="rect">
+            <a:avLst/>
+          </a:prstGeom>
+          <a:noFill/>
+        </p:spPr>
+        <p:txBody>
+          <a:bodyPr wrap="square" rtlCol="0">
+            <a:spAutoFit/>
+          </a:bodyPr>
+          <a:lstStyle/>
+          <a:p>
+            <a:r>
+              <a:rPr lang="ko-KR" altLang="en-US" sz="1000" dirty="0" err="1" smtClean="0"/>
+              <a:t>프로젝트만들기</a:t>
+            </a:r>
+            <a:endParaRPr lang="ko-KR" altLang="en-US" sz="1000" dirty="0"/>
+          </a:p>
+        </p:txBody>
+      </p:sp>
+      <p:sp>
+        <p:nvSpPr>
+          <p:cNvPr id="3" name="TextBox 2"/>
+          <p:cNvSpPr txBox="1"/>
+          <p:nvPr/>
+        </p:nvSpPr>
+        <p:spPr>
+          <a:xfrm>
+            <a:off x="1064568" y="2130189"/>
+            <a:ext cx="936104" cy="261610"/>
+          </a:xfrm>
+          <a:prstGeom prst="rect">
+            <a:avLst/>
+          </a:prstGeom>
+          <a:noFill/>
+        </p:spPr>
+        <p:txBody>
+          <a:bodyPr wrap="square" rtlCol="0">
+            <a:spAutoFit/>
+          </a:bodyPr>
+          <a:lstStyle/>
+          <a:p>
+            <a:r>
+              <a:rPr lang="en-US" altLang="ko-KR" sz="1100" dirty="0" smtClean="0">
+                <a:solidFill>
+                  <a:srgbClr val="FF0000"/>
+                </a:solidFill>
+              </a:rPr>
+              <a:t>1. </a:t>
+            </a:r>
+            <a:r>
+              <a:rPr lang="ko-KR" altLang="en-US" sz="1100" dirty="0" smtClean="0">
+                <a:solidFill>
+                  <a:srgbClr val="FF0000"/>
+                </a:solidFill>
+              </a:rPr>
+              <a:t>기본정보</a:t>
+            </a:r>
+            <a:endParaRPr lang="ko-KR" altLang="en-US" sz="1100" dirty="0">
+              <a:solidFill>
+                <a:srgbClr val="FF0000"/>
+              </a:solidFill>
+            </a:endParaRPr>
+          </a:p>
+        </p:txBody>
+      </p:sp>
+      <p:sp>
+        <p:nvSpPr>
+          <p:cNvPr id="9" name="TextBox 8"/>
+          <p:cNvSpPr txBox="1"/>
+          <p:nvPr/>
+        </p:nvSpPr>
+        <p:spPr>
+          <a:xfrm>
+            <a:off x="1064568" y="2391799"/>
+            <a:ext cx="936104" cy="261610"/>
+          </a:xfrm>
+          <a:prstGeom prst="rect">
+            <a:avLst/>
+          </a:prstGeom>
+          <a:noFill/>
+        </p:spPr>
+        <p:txBody>
+          <a:bodyPr wrap="square" rtlCol="0">
+            <a:spAutoFit/>
+          </a:bodyPr>
+          <a:lstStyle/>
+          <a:p>
+            <a:r>
+              <a:rPr lang="en-US" altLang="ko-KR" sz="1100" dirty="0" smtClean="0"/>
+              <a:t>2. </a:t>
+            </a:r>
+            <a:r>
+              <a:rPr lang="ko-KR" altLang="en-US" sz="1100" dirty="0" smtClean="0"/>
+              <a:t>스토리</a:t>
+            </a:r>
+            <a:endParaRPr lang="ko-KR" altLang="en-US" sz="1100" dirty="0"/>
+          </a:p>
+        </p:txBody>
+      </p:sp>
+      <p:sp>
+        <p:nvSpPr>
+          <p:cNvPr id="10" name="TextBox 9"/>
+          <p:cNvSpPr txBox="1"/>
+          <p:nvPr/>
+        </p:nvSpPr>
+        <p:spPr>
+          <a:xfrm>
+            <a:off x="1064568" y="2645242"/>
+            <a:ext cx="936104" cy="261610"/>
+          </a:xfrm>
+          <a:prstGeom prst="rect">
+            <a:avLst/>
+          </a:prstGeom>
+          <a:noFill/>
+        </p:spPr>
+        <p:txBody>
+          <a:bodyPr wrap="square" rtlCol="0">
+            <a:spAutoFit/>
+          </a:bodyPr>
+          <a:lstStyle/>
+          <a:p>
+            <a:r>
+              <a:rPr lang="en-US" altLang="ko-KR" sz="1100" dirty="0" smtClean="0"/>
+              <a:t>3. </a:t>
+            </a:r>
+            <a:r>
+              <a:rPr lang="ko-KR" altLang="en-US" sz="1100" dirty="0" err="1" smtClean="0"/>
+              <a:t>리워</a:t>
+            </a:r>
+            <a:r>
+              <a:rPr lang="ko-KR" altLang="en-US" sz="1100" dirty="0" err="1"/>
+              <a:t>드</a:t>
+            </a:r>
+            <a:endParaRPr lang="ko-KR" altLang="en-US" sz="1100" dirty="0"/>
+          </a:p>
+        </p:txBody>
+      </p:sp>
+      <p:sp>
+        <p:nvSpPr>
+          <p:cNvPr id="11" name="TextBox 10"/>
+          <p:cNvSpPr txBox="1"/>
+          <p:nvPr/>
+        </p:nvSpPr>
+        <p:spPr>
+          <a:xfrm>
+            <a:off x="1062336" y="2924437"/>
+            <a:ext cx="1586408" cy="261610"/>
+          </a:xfrm>
+          <a:prstGeom prst="rect">
+            <a:avLst/>
+          </a:prstGeom>
+          <a:noFill/>
+        </p:spPr>
+        <p:txBody>
+          <a:bodyPr wrap="square" rtlCol="0">
+            <a:spAutoFit/>
+          </a:bodyPr>
+          <a:lstStyle/>
+          <a:p>
+            <a:r>
+              <a:rPr lang="en-US" altLang="ko-KR" sz="1100" dirty="0"/>
+              <a:t>4</a:t>
+            </a:r>
+            <a:r>
+              <a:rPr lang="en-US" altLang="ko-KR" sz="1100" dirty="0" smtClean="0"/>
+              <a:t>. </a:t>
+            </a:r>
+            <a:r>
+              <a:rPr lang="ko-KR" altLang="en-US" sz="1100" dirty="0" smtClean="0"/>
+              <a:t>제작자</a:t>
+            </a:r>
+            <a:r>
+              <a:rPr lang="en-US" altLang="ko-KR" sz="1100" dirty="0" smtClean="0"/>
+              <a:t>/</a:t>
+            </a:r>
+            <a:r>
+              <a:rPr lang="ko-KR" altLang="en-US" sz="1100" dirty="0" smtClean="0"/>
+              <a:t>부가정보</a:t>
+            </a:r>
+            <a:endParaRPr lang="ko-KR" altLang="en-US" sz="1100" dirty="0"/>
+          </a:p>
+        </p:txBody>
+      </p:sp>
+      <p:sp>
+        <p:nvSpPr>
+          <p:cNvPr id="4" name="직사각형 3"/>
+          <p:cNvSpPr/>
+          <p:nvPr/>
+        </p:nvSpPr>
+        <p:spPr>
+          <a:xfrm>
+            <a:off x="827512" y="1766410"/>
+            <a:ext cx="1533200" cy="1419637"/>
+          </a:xfrm>
+          <a:prstGeom prst="rect">
+            <a:avLst/>
+          </a:prstGeom>
+          <a:noFill/>
+          <a:ln>
+            <a:solidFill>
+              <a:schemeClr val="tx1"/>
+            </a:solidFill>
+          </a:ln>
+        </p:spPr>
+        <p:style>
+          <a:lnRef idx="2">
+            <a:schemeClr val="accent1">
+              <a:shade val="50000"/>
+            </a:schemeClr>
+          </a:lnRef>
+          <a:fillRef idx="1">
+            <a:schemeClr val="accent1"/>
+          </a:fillRef>
+          <a:effectRef idx="0">
+            <a:schemeClr val="accent1"/>
+          </a:effectRef>
+          <a:fontRef idx="minor">
+            <a:schemeClr val="lt1"/>
+          </a:fontRef>
+        </p:style>
+        <p:txBody>
+          <a:bodyPr rtlCol="0" anchor="ctr"/>
+          <a:lstStyle/>
+          <a:p>
+            <a:pPr algn="ctr"/>
+            <a:endParaRPr lang="ko-KR" altLang="en-US"/>
+          </a:p>
+        </p:txBody>
+      </p:sp>
+      <p:sp>
+        <p:nvSpPr>
+          <p:cNvPr id="6" name="직사각형 5"/>
+          <p:cNvSpPr/>
+          <p:nvPr/>
+        </p:nvSpPr>
+        <p:spPr>
+          <a:xfrm>
+            <a:off x="711988" y="1520570"/>
+            <a:ext cx="234824" cy="216024"/>
+          </a:xfrm>
+          <a:prstGeom prst="rect">
+            <a:avLst/>
+          </a:prstGeom>
+          <a:solidFill>
+            <a:srgbClr val="FF0000"/>
+          </a:solidFill>
+          <a:ln>
+            <a:solidFill>
+              <a:schemeClr val="tx1"/>
+            </a:solidFill>
+          </a:ln>
+        </p:spPr>
+        <p:style>
+          <a:lnRef idx="2">
+            <a:schemeClr val="accent1">
+              <a:shade val="50000"/>
+            </a:schemeClr>
+          </a:lnRef>
+          <a:fillRef idx="1">
+            <a:schemeClr val="accent1"/>
+          </a:fillRef>
+          <a:effectRef idx="0">
+            <a:schemeClr val="accent1"/>
+          </a:effectRef>
+          <a:fontRef idx="minor">
+            <a:schemeClr val="lt1"/>
+          </a:fontRef>
+        </p:style>
+        <p:txBody>
+          <a:bodyPr rtlCol="0" anchor="ctr"/>
+          <a:lstStyle/>
+          <a:p>
+            <a:pPr algn="ctr"/>
+            <a:r>
+              <a:rPr lang="en-US" altLang="ko-KR" sz="1200" dirty="0" smtClean="0">
+                <a:solidFill>
+                  <a:schemeClr val="tx1"/>
+                </a:solidFill>
+              </a:rPr>
+              <a:t>1</a:t>
+            </a:r>
+            <a:endParaRPr lang="ko-KR" altLang="en-US" sz="1200" dirty="0">
+              <a:solidFill>
+                <a:schemeClr val="tx1"/>
+              </a:solidFill>
+            </a:endParaRPr>
+          </a:p>
+        </p:txBody>
+      </p:sp>
+      <p:sp>
+        <p:nvSpPr>
+          <p:cNvPr id="7" name="TextBox 6"/>
+          <p:cNvSpPr txBox="1"/>
+          <p:nvPr/>
+        </p:nvSpPr>
+        <p:spPr>
+          <a:xfrm>
+            <a:off x="2936776" y="1704854"/>
+            <a:ext cx="3384376" cy="276999"/>
+          </a:xfrm>
+          <a:prstGeom prst="rect">
+            <a:avLst/>
+          </a:prstGeom>
+          <a:noFill/>
+        </p:spPr>
+        <p:txBody>
+          <a:bodyPr wrap="square" rtlCol="0">
+            <a:spAutoFit/>
+          </a:bodyPr>
+          <a:lstStyle/>
+          <a:p>
+            <a:r>
+              <a:rPr lang="ko-KR" altLang="en-US" sz="1200" dirty="0" smtClean="0"/>
+              <a:t>프로젝트의 제목을 적어주세요</a:t>
+            </a:r>
+            <a:endParaRPr lang="ko-KR" altLang="en-US" sz="1200" dirty="0"/>
+          </a:p>
+        </p:txBody>
+      </p:sp>
+      <p:sp>
+        <p:nvSpPr>
+          <p:cNvPr id="8" name="직사각형 7"/>
+          <p:cNvSpPr/>
+          <p:nvPr/>
+        </p:nvSpPr>
+        <p:spPr>
+          <a:xfrm>
+            <a:off x="3008784" y="1981853"/>
+            <a:ext cx="2880320" cy="317612"/>
+          </a:xfrm>
+          <a:prstGeom prst="rect">
+            <a:avLst/>
+          </a:prstGeom>
+          <a:noFill/>
+          <a:ln>
+            <a:solidFill>
+              <a:schemeClr val="tx1"/>
+            </a:solidFill>
+          </a:ln>
+        </p:spPr>
+        <p:style>
+          <a:lnRef idx="2">
+            <a:schemeClr val="accent1">
+              <a:shade val="50000"/>
+            </a:schemeClr>
+          </a:lnRef>
+          <a:fillRef idx="1">
+            <a:schemeClr val="accent1"/>
+          </a:fillRef>
+          <a:effectRef idx="0">
+            <a:schemeClr val="accent1"/>
+          </a:effectRef>
+          <a:fontRef idx="minor">
+            <a:schemeClr val="lt1"/>
+          </a:fontRef>
+        </p:style>
+        <p:txBody>
+          <a:bodyPr rtlCol="0" anchor="ctr"/>
+          <a:lstStyle/>
+          <a:p>
+            <a:pPr algn="ctr"/>
+            <a:endParaRPr lang="ko-KR" altLang="en-US"/>
+          </a:p>
+        </p:txBody>
+      </p:sp>
+      <p:sp>
+        <p:nvSpPr>
+          <p:cNvPr id="16" name="TextBox 15"/>
+          <p:cNvSpPr txBox="1"/>
+          <p:nvPr/>
+        </p:nvSpPr>
+        <p:spPr>
+          <a:xfrm>
+            <a:off x="2957446" y="2391799"/>
+            <a:ext cx="3384376" cy="276999"/>
+          </a:xfrm>
+          <a:prstGeom prst="rect">
+            <a:avLst/>
+          </a:prstGeom>
+          <a:noFill/>
+        </p:spPr>
+        <p:txBody>
+          <a:bodyPr wrap="square" rtlCol="0">
+            <a:spAutoFit/>
+          </a:bodyPr>
+          <a:lstStyle/>
+          <a:p>
+            <a:r>
+              <a:rPr lang="ko-KR" altLang="en-US" sz="1200" dirty="0" smtClean="0"/>
+              <a:t>목표 금액을 적어주세요</a:t>
+            </a:r>
+            <a:endParaRPr lang="ko-KR" altLang="en-US" sz="1200" dirty="0"/>
+          </a:p>
+        </p:txBody>
+      </p:sp>
+      <p:sp>
+        <p:nvSpPr>
+          <p:cNvPr id="17" name="직사각형 16"/>
+          <p:cNvSpPr/>
+          <p:nvPr/>
+        </p:nvSpPr>
+        <p:spPr>
+          <a:xfrm>
+            <a:off x="3008784" y="2751348"/>
+            <a:ext cx="2880320" cy="317612"/>
+          </a:xfrm>
+          <a:prstGeom prst="rect">
+            <a:avLst/>
+          </a:prstGeom>
+          <a:noFill/>
+          <a:ln>
+            <a:solidFill>
+              <a:schemeClr val="tx1"/>
+            </a:solidFill>
+          </a:ln>
+        </p:spPr>
+        <p:style>
+          <a:lnRef idx="2">
+            <a:schemeClr val="accent1">
+              <a:shade val="50000"/>
+            </a:schemeClr>
+          </a:lnRef>
+          <a:fillRef idx="1">
+            <a:schemeClr val="accent1"/>
+          </a:fillRef>
+          <a:effectRef idx="0">
+            <a:schemeClr val="accent1"/>
+          </a:effectRef>
+          <a:fontRef idx="minor">
+            <a:schemeClr val="lt1"/>
+          </a:fontRef>
+        </p:style>
+        <p:txBody>
+          <a:bodyPr rtlCol="0" anchor="ctr"/>
+          <a:lstStyle/>
+          <a:p>
+            <a:pPr algn="ctr"/>
+            <a:endParaRPr lang="ko-KR" altLang="en-US"/>
+          </a:p>
+        </p:txBody>
+      </p:sp>
+      <p:sp>
+        <p:nvSpPr>
+          <p:cNvPr id="18" name="TextBox 17"/>
+          <p:cNvSpPr txBox="1"/>
+          <p:nvPr/>
+        </p:nvSpPr>
+        <p:spPr>
+          <a:xfrm>
+            <a:off x="3008784" y="3224009"/>
+            <a:ext cx="3384376" cy="276999"/>
+          </a:xfrm>
+          <a:prstGeom prst="rect">
+            <a:avLst/>
+          </a:prstGeom>
+          <a:noFill/>
+        </p:spPr>
+        <p:txBody>
+          <a:bodyPr wrap="square" rtlCol="0">
+            <a:spAutoFit/>
+          </a:bodyPr>
+          <a:lstStyle/>
+          <a:p>
+            <a:r>
+              <a:rPr lang="ko-KR" altLang="en-US" sz="1200" dirty="0" smtClean="0"/>
+              <a:t>프로젝트의 진행 기간을 적어주세요</a:t>
+            </a:r>
+            <a:endParaRPr lang="ko-KR" altLang="en-US" sz="1200" dirty="0"/>
+          </a:p>
+        </p:txBody>
+      </p:sp>
+      <p:sp>
+        <p:nvSpPr>
+          <p:cNvPr id="20" name="직사각형 19"/>
+          <p:cNvSpPr/>
+          <p:nvPr/>
+        </p:nvSpPr>
+        <p:spPr>
+          <a:xfrm>
+            <a:off x="3008784" y="3573016"/>
+            <a:ext cx="1008112" cy="317612"/>
+          </a:xfrm>
+          <a:prstGeom prst="rect">
+            <a:avLst/>
+          </a:prstGeom>
+          <a:noFill/>
+          <a:ln>
+            <a:solidFill>
+              <a:schemeClr val="tx1"/>
+            </a:solidFill>
+          </a:ln>
+        </p:spPr>
+        <p:style>
+          <a:lnRef idx="2">
+            <a:schemeClr val="accent1">
+              <a:shade val="50000"/>
+            </a:schemeClr>
+          </a:lnRef>
+          <a:fillRef idx="1">
+            <a:schemeClr val="accent1"/>
+          </a:fillRef>
+          <a:effectRef idx="0">
+            <a:schemeClr val="accent1"/>
+          </a:effectRef>
+          <a:fontRef idx="minor">
+            <a:schemeClr val="lt1"/>
+          </a:fontRef>
+        </p:style>
+        <p:txBody>
+          <a:bodyPr rtlCol="0" anchor="ctr"/>
+          <a:lstStyle/>
+          <a:p>
+            <a:pPr algn="ctr"/>
+            <a:endParaRPr lang="ko-KR" altLang="en-US"/>
+          </a:p>
+        </p:txBody>
+      </p:sp>
+      <p:sp>
+        <p:nvSpPr>
+          <p:cNvPr id="21" name="TextBox 20"/>
+          <p:cNvSpPr txBox="1"/>
+          <p:nvPr/>
+        </p:nvSpPr>
+        <p:spPr>
+          <a:xfrm>
+            <a:off x="4093096" y="3593322"/>
+            <a:ext cx="711696" cy="276999"/>
+          </a:xfrm>
+          <a:prstGeom prst="rect">
+            <a:avLst/>
+          </a:prstGeom>
+          <a:noFill/>
+        </p:spPr>
+        <p:txBody>
+          <a:bodyPr wrap="square" rtlCol="0">
+            <a:spAutoFit/>
+          </a:bodyPr>
+          <a:lstStyle/>
+          <a:p>
+            <a:r>
+              <a:rPr lang="ko-KR" altLang="en-US" sz="1200" dirty="0" smtClean="0"/>
+              <a:t>일 남음</a:t>
+            </a:r>
+            <a:endParaRPr lang="ko-KR" altLang="en-US" sz="1200" dirty="0"/>
+          </a:p>
+        </p:txBody>
+      </p:sp>
+      <p:pic>
+        <p:nvPicPr>
+          <p:cNvPr id="1026" name="Picture 2" descr="C:\Users\ezen-033\Desktop\캡처.PNG"/>
+          <p:cNvPicPr>
+            <a:picLocks noChangeAspect="1" noChangeArrowheads="1"/>
+          </p:cNvPicPr>
+          <p:nvPr/>
+        </p:nvPicPr>
+        <p:blipFill>
+          <a:blip r:embed="rId3">
+            <a:extLst>
+              <a:ext uri="{28A0092B-C50C-407E-A947-70E740481C1C}">
+                <a14:useLocalDpi xmlns:a14="http://schemas.microsoft.com/office/drawing/2010/main" val="0"/>
+              </a:ext>
+            </a:extLst>
+          </a:blip>
+          <a:srcRect/>
+          <a:stretch>
+            <a:fillRect/>
+          </a:stretch>
+        </p:blipFill>
+        <p:spPr bwMode="auto">
+          <a:xfrm>
+            <a:off x="4809565" y="3571165"/>
+            <a:ext cx="1438275" cy="361950"/>
+          </a:xfrm>
+          <a:prstGeom prst="rect">
+            <a:avLst/>
+          </a:prstGeom>
+          <a:noFill/>
+          <a:extLst>
+            <a:ext uri="{909E8E84-426E-40DD-AFC4-6F175D3DCCD1}">
+              <a14:hiddenFill xmlns:a14="http://schemas.microsoft.com/office/drawing/2010/main">
+                <a:solidFill>
+                  <a:srgbClr val="FFFFFF"/>
+                </a:solidFill>
+              </a14:hiddenFill>
+            </a:ext>
+          </a:extLst>
+        </p:spPr>
+      </p:pic>
+      <p:sp>
+        <p:nvSpPr>
+          <p:cNvPr id="23" name="TextBox 22"/>
+          <p:cNvSpPr txBox="1"/>
+          <p:nvPr/>
+        </p:nvSpPr>
+        <p:spPr>
+          <a:xfrm>
+            <a:off x="3008784" y="4041068"/>
+            <a:ext cx="3384376" cy="276999"/>
+          </a:xfrm>
+          <a:prstGeom prst="rect">
+            <a:avLst/>
+          </a:prstGeom>
+          <a:noFill/>
+        </p:spPr>
+        <p:txBody>
+          <a:bodyPr wrap="square" rtlCol="0">
+            <a:spAutoFit/>
+          </a:bodyPr>
+          <a:lstStyle/>
+          <a:p>
+            <a:r>
+              <a:rPr lang="ko-KR" altLang="en-US" sz="1200" dirty="0" smtClean="0"/>
+              <a:t>프로젝트 대표 이미지를 등록해주세요</a:t>
+            </a:r>
+            <a:r>
+              <a:rPr lang="en-US" altLang="ko-KR" sz="1200" dirty="0" smtClean="0"/>
+              <a:t>.</a:t>
+            </a:r>
+            <a:endParaRPr lang="ko-KR" altLang="en-US" sz="1200" dirty="0"/>
+          </a:p>
+        </p:txBody>
+      </p:sp>
+      <p:sp>
+        <p:nvSpPr>
+          <p:cNvPr id="24" name="직사각형 23"/>
+          <p:cNvSpPr/>
+          <p:nvPr/>
+        </p:nvSpPr>
+        <p:spPr>
+          <a:xfrm>
+            <a:off x="3008784" y="4365104"/>
+            <a:ext cx="2664296" cy="792088"/>
+          </a:xfrm>
+          <a:prstGeom prst="rect">
+            <a:avLst/>
+          </a:prstGeom>
+          <a:noFill/>
+          <a:ln>
+            <a:solidFill>
+              <a:schemeClr val="tx1"/>
+            </a:solidFill>
+          </a:ln>
+        </p:spPr>
+        <p:style>
+          <a:lnRef idx="2">
+            <a:schemeClr val="accent1">
+              <a:shade val="50000"/>
+            </a:schemeClr>
+          </a:lnRef>
+          <a:fillRef idx="1">
+            <a:schemeClr val="accent1"/>
+          </a:fillRef>
+          <a:effectRef idx="0">
+            <a:schemeClr val="accent1"/>
+          </a:effectRef>
+          <a:fontRef idx="minor">
+            <a:schemeClr val="lt1"/>
+          </a:fontRef>
+        </p:style>
+        <p:txBody>
+          <a:bodyPr rtlCol="0" anchor="ctr"/>
+          <a:lstStyle/>
+          <a:p>
+            <a:pPr algn="ctr"/>
+            <a:endParaRPr lang="ko-KR" altLang="en-US"/>
+          </a:p>
+        </p:txBody>
+      </p:sp>
+      <p:sp>
+        <p:nvSpPr>
+          <p:cNvPr id="25" name="TextBox 24"/>
+          <p:cNvSpPr txBox="1"/>
+          <p:nvPr/>
+        </p:nvSpPr>
+        <p:spPr>
+          <a:xfrm>
+            <a:off x="3008784" y="5301208"/>
+            <a:ext cx="3384376" cy="276999"/>
+          </a:xfrm>
+          <a:prstGeom prst="rect">
+            <a:avLst/>
+          </a:prstGeom>
+          <a:noFill/>
+        </p:spPr>
+        <p:txBody>
+          <a:bodyPr wrap="square" rtlCol="0">
+            <a:spAutoFit/>
+          </a:bodyPr>
+          <a:lstStyle/>
+          <a:p>
+            <a:r>
+              <a:rPr lang="ko-KR" altLang="en-US" sz="1200" dirty="0" smtClean="0"/>
+              <a:t>프로젝트 키워드를 적어주세요</a:t>
+            </a:r>
+            <a:endParaRPr lang="ko-KR" altLang="en-US" sz="1200" dirty="0"/>
+          </a:p>
+        </p:txBody>
+      </p:sp>
+      <p:sp>
+        <p:nvSpPr>
+          <p:cNvPr id="26" name="직사각형 25"/>
+          <p:cNvSpPr/>
+          <p:nvPr/>
+        </p:nvSpPr>
+        <p:spPr>
+          <a:xfrm>
+            <a:off x="3008784" y="5661248"/>
+            <a:ext cx="2880320" cy="288032"/>
+          </a:xfrm>
+          <a:prstGeom prst="rect">
+            <a:avLst/>
+          </a:prstGeom>
+          <a:noFill/>
+          <a:ln>
+            <a:solidFill>
+              <a:schemeClr val="tx1"/>
+            </a:solidFill>
+          </a:ln>
+        </p:spPr>
+        <p:style>
+          <a:lnRef idx="2">
+            <a:schemeClr val="accent1">
+              <a:shade val="50000"/>
+            </a:schemeClr>
+          </a:lnRef>
+          <a:fillRef idx="1">
+            <a:schemeClr val="accent1"/>
+          </a:fillRef>
+          <a:effectRef idx="0">
+            <a:schemeClr val="accent1"/>
+          </a:effectRef>
+          <a:fontRef idx="minor">
+            <a:schemeClr val="lt1"/>
+          </a:fontRef>
+        </p:style>
+        <p:txBody>
+          <a:bodyPr rtlCol="0" anchor="ctr"/>
+          <a:lstStyle/>
+          <a:p>
+            <a:pPr algn="ctr"/>
+            <a:r>
+              <a:rPr lang="ko-KR" altLang="en-US" sz="1100" dirty="0" smtClean="0">
+                <a:solidFill>
+                  <a:schemeClr val="tx1"/>
+                </a:solidFill>
+              </a:rPr>
+              <a:t>키워드 입력 후 </a:t>
+            </a:r>
+            <a:r>
+              <a:rPr lang="ko-KR" altLang="en-US" sz="1100" dirty="0" err="1" smtClean="0">
+                <a:solidFill>
+                  <a:schemeClr val="tx1"/>
+                </a:solidFill>
+              </a:rPr>
+              <a:t>엔터를</a:t>
+            </a:r>
+            <a:r>
+              <a:rPr lang="ko-KR" altLang="en-US" sz="1100" dirty="0" smtClean="0">
+                <a:solidFill>
+                  <a:schemeClr val="tx1"/>
+                </a:solidFill>
+              </a:rPr>
+              <a:t> 눌러주세요</a:t>
+            </a:r>
+            <a:endParaRPr lang="ko-KR" altLang="en-US" sz="1100" dirty="0">
+              <a:solidFill>
+                <a:schemeClr val="tx1"/>
+              </a:solidFill>
+            </a:endParaRPr>
+          </a:p>
+        </p:txBody>
+      </p:sp>
+      <p:sp>
+        <p:nvSpPr>
+          <p:cNvPr id="27" name="직사각형 26"/>
+          <p:cNvSpPr/>
+          <p:nvPr/>
+        </p:nvSpPr>
+        <p:spPr>
+          <a:xfrm>
+            <a:off x="3944888" y="6172726"/>
+            <a:ext cx="792088" cy="288032"/>
+          </a:xfrm>
+          <a:prstGeom prst="rect">
+            <a:avLst/>
+          </a:prstGeom>
+          <a:noFill/>
+          <a:ln>
+            <a:solidFill>
+              <a:schemeClr val="tx1"/>
+            </a:solidFill>
+          </a:ln>
+        </p:spPr>
+        <p:style>
+          <a:lnRef idx="2">
+            <a:schemeClr val="accent1">
+              <a:shade val="50000"/>
+            </a:schemeClr>
+          </a:lnRef>
+          <a:fillRef idx="1">
+            <a:schemeClr val="accent1"/>
+          </a:fillRef>
+          <a:effectRef idx="0">
+            <a:schemeClr val="accent1"/>
+          </a:effectRef>
+          <a:fontRef idx="minor">
+            <a:schemeClr val="lt1"/>
+          </a:fontRef>
+        </p:style>
+        <p:txBody>
+          <a:bodyPr rtlCol="0" anchor="ctr"/>
+          <a:lstStyle/>
+          <a:p>
+            <a:pPr algn="ctr"/>
+            <a:r>
+              <a:rPr lang="ko-KR" altLang="en-US" sz="1100" smtClean="0">
+                <a:solidFill>
+                  <a:schemeClr val="tx1"/>
+                </a:solidFill>
+              </a:rPr>
+              <a:t>다음단계</a:t>
+            </a:r>
+            <a:endParaRPr lang="ko-KR" altLang="en-US" sz="1100" dirty="0">
+              <a:solidFill>
+                <a:schemeClr val="tx1"/>
+              </a:solidFill>
+            </a:endParaRPr>
+          </a:p>
+        </p:txBody>
+      </p:sp>
+      <p:sp>
+        <p:nvSpPr>
+          <p:cNvPr id="28" name="직사각형 27"/>
+          <p:cNvSpPr/>
+          <p:nvPr/>
+        </p:nvSpPr>
+        <p:spPr>
+          <a:xfrm>
+            <a:off x="2840034" y="1520570"/>
+            <a:ext cx="234824" cy="216024"/>
+          </a:xfrm>
+          <a:prstGeom prst="rect">
+            <a:avLst/>
+          </a:prstGeom>
+          <a:solidFill>
+            <a:srgbClr val="FF0000"/>
+          </a:solidFill>
+          <a:ln>
+            <a:solidFill>
+              <a:schemeClr val="tx1"/>
+            </a:solidFill>
+          </a:ln>
+        </p:spPr>
+        <p:style>
+          <a:lnRef idx="2">
+            <a:schemeClr val="accent1">
+              <a:shade val="50000"/>
+            </a:schemeClr>
+          </a:lnRef>
+          <a:fillRef idx="1">
+            <a:schemeClr val="accent1"/>
+          </a:fillRef>
+          <a:effectRef idx="0">
+            <a:schemeClr val="accent1"/>
+          </a:effectRef>
+          <a:fontRef idx="minor">
+            <a:schemeClr val="lt1"/>
+          </a:fontRef>
+        </p:style>
+        <p:txBody>
+          <a:bodyPr rtlCol="0" anchor="ctr"/>
+          <a:lstStyle/>
+          <a:p>
+            <a:pPr algn="ctr"/>
+            <a:r>
+              <a:rPr lang="en-US" altLang="ko-KR" sz="1200" dirty="0">
+                <a:solidFill>
+                  <a:schemeClr val="tx1"/>
+                </a:solidFill>
+              </a:rPr>
+              <a:t>2</a:t>
+            </a:r>
+            <a:endParaRPr lang="ko-KR" altLang="en-US" sz="1200" dirty="0">
+              <a:solidFill>
+                <a:schemeClr val="tx1"/>
+              </a:solidFill>
+            </a:endParaRPr>
+          </a:p>
+        </p:txBody>
+      </p:sp>
+      <p:sp>
+        <p:nvSpPr>
+          <p:cNvPr id="12" name="직사각형 11"/>
+          <p:cNvSpPr/>
+          <p:nvPr/>
+        </p:nvSpPr>
+        <p:spPr>
+          <a:xfrm>
+            <a:off x="648072" y="1412776"/>
+            <a:ext cx="6105128" cy="5184576"/>
+          </a:xfrm>
+          <a:prstGeom prst="rect">
+            <a:avLst/>
+          </a:prstGeom>
+          <a:noFill/>
+          <a:ln>
+            <a:solidFill>
+              <a:schemeClr val="tx1"/>
+            </a:solidFill>
+          </a:ln>
+        </p:spPr>
+        <p:style>
+          <a:lnRef idx="2">
+            <a:schemeClr val="accent1">
+              <a:shade val="50000"/>
+            </a:schemeClr>
+          </a:lnRef>
+          <a:fillRef idx="1">
+            <a:schemeClr val="accent1"/>
+          </a:fillRef>
+          <a:effectRef idx="0">
+            <a:schemeClr val="accent1"/>
+          </a:effectRef>
+          <a:fontRef idx="minor">
+            <a:schemeClr val="lt1"/>
+          </a:fontRef>
+        </p:style>
+        <p:txBody>
+          <a:bodyPr rtlCol="0" anchor="ctr"/>
+          <a:lstStyle/>
+          <a:p>
+            <a:pPr algn="ctr"/>
+            <a:endParaRPr lang="ko-KR" altLang="en-US"/>
+          </a:p>
+        </p:txBody>
+      </p:sp>
     </p:spTree>
     <p:extLst>
       <p:ext uri="{BB962C8B-B14F-4D97-AF65-F5344CB8AC3E}">
         <p14:creationId xmlns:p14="http://schemas.microsoft.com/office/powerpoint/2010/main" val="2744399893"/>
+      </p:ext>
+    </p:extLst>
+  </p:cSld>
+  <p:clrMapOvr>
+    <a:masterClrMapping/>
+  </p:clrMapOvr>
+  <p:timing>
+    <p:tnLst>
+      <p:par>
+        <p:cTn id="1" dur="indefinite" restart="never" nodeType="tmRoot"/>
+      </p:par>
+    </p:tnLst>
+  </p:timing>
+</p:sld>
+</file>
+
+<file path=ppt/slides/slide3.xml><?xml version="1.0" encoding="utf-8"?>
+<p:sld xmlns:a="http://schemas.openxmlformats.org/drawingml/2006/main" xmlns:r="http://schemas.openxmlformats.org/officeDocument/2006/relationships" xmlns:p="http://schemas.openxmlformats.org/presentationml/2006/main">
+  <p:cSld>
+    <p:spTree>
+      <p:nvGrpSpPr>
+        <p:cNvPr id="1" name="Shape 90"/>
+        <p:cNvGrpSpPr/>
+        <p:nvPr/>
+      </p:nvGrpSpPr>
+      <p:grpSpPr>
+        <a:xfrm>
+          <a:off x="0" y="0"/>
+          <a:ext cx="0" cy="0"/>
+          <a:chOff x="0" y="0"/>
+          <a:chExt cx="0" cy="0"/>
+        </a:xfrm>
+      </p:grpSpPr>
+      <p:graphicFrame>
+        <p:nvGraphicFramePr>
+          <p:cNvPr id="92" name="Google Shape;92;g7c553259d1_0_3"/>
+          <p:cNvGraphicFramePr/>
+          <p:nvPr>
+            <p:extLst>
+              <p:ext uri="{D42A27DB-BD31-4B8C-83A1-F6EECF244321}">
+                <p14:modId xmlns:p14="http://schemas.microsoft.com/office/powerpoint/2010/main" val="2538024975"/>
+              </p:ext>
+            </p:extLst>
+          </p:nvPr>
+        </p:nvGraphicFramePr>
+        <p:xfrm>
+          <a:off x="106928" y="115759"/>
+          <a:ext cx="3001131" cy="1188750"/>
+        </p:xfrm>
+        <a:graphic>
+          <a:graphicData uri="http://schemas.openxmlformats.org/drawingml/2006/table">
+            <a:tbl>
+              <a:tblPr firstRow="1" bandRow="1">
+                <a:noFill/>
+              </a:tblPr>
+              <a:tblGrid>
+                <a:gridCol w="1258583"/>
+                <a:gridCol w="1742548"/>
+              </a:tblGrid>
+              <a:tr h="271225">
+                <a:tc>
+                  <a:txBody>
+                    <a:bodyPr/>
+                    <a:lstStyle/>
+                    <a:p>
+                      <a:pPr marL="0" marR="0" lvl="0" indent="0" algn="ctr" rtl="0">
+                        <a:lnSpc>
+                          <a:spcPct val="100000"/>
+                        </a:lnSpc>
+                        <a:spcBef>
+                          <a:spcPts val="0"/>
+                        </a:spcBef>
+                        <a:spcAft>
+                          <a:spcPts val="0"/>
+                        </a:spcAft>
+                        <a:buClr>
+                          <a:srgbClr val="000000"/>
+                        </a:buClr>
+                        <a:buSzPts val="1500"/>
+                        <a:buFont typeface="Arial"/>
+                        <a:buNone/>
+                      </a:pPr>
+                      <a:r>
+                        <a:rPr lang="ko-KR" sz="1500" b="0" u="none" strike="noStrike" cap="none" dirty="0">
+                          <a:solidFill>
+                            <a:schemeClr val="dk1"/>
+                          </a:solidFill>
+                        </a:rPr>
+                        <a:t>화면코드</a:t>
+                      </a:r>
+                      <a:endParaRPr sz="1500" b="0" u="none" strike="noStrike" cap="none" dirty="0">
+                        <a:solidFill>
+                          <a:schemeClr val="dk1"/>
+                        </a:solidFill>
+                      </a:endParaRPr>
+                    </a:p>
+                  </a:txBody>
+                  <a:tcPr marL="74304" marR="74304" marT="45725" marB="45725" anchor="ctr">
+                    <a:lnL w="12700" cap="flat" cmpd="sng">
+                      <a:solidFill>
+                        <a:schemeClr val="dk1"/>
+                      </a:solidFill>
+                      <a:prstDash val="solid"/>
+                      <a:round/>
+                      <a:headEnd type="none" w="sm" len="sm"/>
+                      <a:tailEnd type="none" w="sm" len="sm"/>
+                    </a:lnL>
+                    <a:lnR w="12700" cap="flat" cmpd="sng">
+                      <a:solidFill>
+                        <a:schemeClr val="dk1"/>
+                      </a:solidFill>
+                      <a:prstDash val="solid"/>
+                      <a:round/>
+                      <a:headEnd type="none" w="sm" len="sm"/>
+                      <a:tailEnd type="none" w="sm" len="sm"/>
+                    </a:lnR>
+                    <a:lnT w="12700" cap="flat" cmpd="sng">
+                      <a:solidFill>
+                        <a:schemeClr val="dk1"/>
+                      </a:solidFill>
+                      <a:prstDash val="solid"/>
+                      <a:round/>
+                      <a:headEnd type="none" w="sm" len="sm"/>
+                      <a:tailEnd type="none" w="sm" len="sm"/>
+                    </a:lnT>
+                    <a:lnB w="12700" cap="flat" cmpd="sng">
+                      <a:solidFill>
+                        <a:schemeClr val="dk1"/>
+                      </a:solidFill>
+                      <a:prstDash val="solid"/>
+                      <a:round/>
+                      <a:headEnd type="none" w="sm" len="sm"/>
+                      <a:tailEnd type="none" w="sm" len="sm"/>
+                    </a:lnB>
+                    <a:solidFill>
+                      <a:srgbClr val="D8D8D8"/>
+                    </a:solidFill>
+                  </a:tcPr>
+                </a:tc>
+                <a:tc>
+                  <a:txBody>
+                    <a:bodyPr/>
+                    <a:lstStyle/>
+                    <a:p>
+                      <a:pPr marL="0" marR="0" lvl="0" indent="0" algn="ctr" rtl="0">
+                        <a:lnSpc>
+                          <a:spcPct val="100000"/>
+                        </a:lnSpc>
+                        <a:spcBef>
+                          <a:spcPts val="0"/>
+                        </a:spcBef>
+                        <a:spcAft>
+                          <a:spcPts val="0"/>
+                        </a:spcAft>
+                        <a:buClr>
+                          <a:srgbClr val="000000"/>
+                        </a:buClr>
+                        <a:buSzPts val="1500"/>
+                        <a:buFont typeface="Arial"/>
+                        <a:buNone/>
+                      </a:pPr>
+                      <a:r>
+                        <a:rPr lang="en-US" altLang="ko-KR" sz="1500" b="0" u="none" strike="noStrike" cap="none" baseline="0" dirty="0" smtClean="0">
+                          <a:solidFill>
+                            <a:schemeClr val="dk1"/>
+                          </a:solidFill>
+                        </a:rPr>
+                        <a:t> HJ - </a:t>
+                      </a:r>
+                      <a:r>
+                        <a:rPr lang="en-US" sz="1500" b="0" u="none" strike="noStrike" cap="none" dirty="0" smtClean="0">
+                          <a:solidFill>
+                            <a:schemeClr val="dk1"/>
+                          </a:solidFill>
+                        </a:rPr>
+                        <a:t>P</a:t>
+                      </a:r>
+                      <a:r>
+                        <a:rPr lang="en-US" sz="1500" b="0" u="none" strike="noStrike" cap="none" baseline="0" dirty="0" smtClean="0">
+                          <a:solidFill>
+                            <a:schemeClr val="dk1"/>
+                          </a:solidFill>
+                        </a:rPr>
+                        <a:t> - 001</a:t>
+                      </a:r>
+                      <a:endParaRPr sz="1500" b="0" u="none" strike="noStrike" cap="none" dirty="0">
+                        <a:solidFill>
+                          <a:schemeClr val="dk1"/>
+                        </a:solidFill>
+                      </a:endParaRPr>
+                    </a:p>
+                  </a:txBody>
+                  <a:tcPr marL="74304" marR="74304" marT="45725" marB="45725" anchor="ctr">
+                    <a:lnL w="12700" cap="flat" cmpd="sng">
+                      <a:solidFill>
+                        <a:schemeClr val="dk1"/>
+                      </a:solidFill>
+                      <a:prstDash val="solid"/>
+                      <a:round/>
+                      <a:headEnd type="none" w="sm" len="sm"/>
+                      <a:tailEnd type="none" w="sm" len="sm"/>
+                    </a:lnL>
+                    <a:lnR w="12700" cap="flat" cmpd="sng">
+                      <a:solidFill>
+                        <a:schemeClr val="dk1"/>
+                      </a:solidFill>
+                      <a:prstDash val="solid"/>
+                      <a:round/>
+                      <a:headEnd type="none" w="sm" len="sm"/>
+                      <a:tailEnd type="none" w="sm" len="sm"/>
+                    </a:lnR>
+                    <a:lnT w="12700" cap="flat" cmpd="sng">
+                      <a:solidFill>
+                        <a:schemeClr val="dk1"/>
+                      </a:solidFill>
+                      <a:prstDash val="solid"/>
+                      <a:round/>
+                      <a:headEnd type="none" w="sm" len="sm"/>
+                      <a:tailEnd type="none" w="sm" len="sm"/>
+                    </a:lnT>
+                    <a:lnB w="12700" cap="flat" cmpd="sng">
+                      <a:solidFill>
+                        <a:schemeClr val="dk1"/>
+                      </a:solidFill>
+                      <a:prstDash val="solid"/>
+                      <a:round/>
+                      <a:headEnd type="none" w="sm" len="sm"/>
+                      <a:tailEnd type="none" w="sm" len="sm"/>
+                    </a:lnB>
+                    <a:solidFill>
+                      <a:schemeClr val="lt1"/>
+                    </a:solidFill>
+                  </a:tcPr>
+                </a:tc>
+              </a:tr>
+              <a:tr h="271225">
+                <a:tc rowSpan="2">
+                  <a:txBody>
+                    <a:bodyPr/>
+                    <a:lstStyle/>
+                    <a:p>
+                      <a:pPr marL="0" marR="0" lvl="0" indent="0" algn="ctr" rtl="0">
+                        <a:lnSpc>
+                          <a:spcPct val="100000"/>
+                        </a:lnSpc>
+                        <a:spcBef>
+                          <a:spcPts val="0"/>
+                        </a:spcBef>
+                        <a:spcAft>
+                          <a:spcPts val="0"/>
+                        </a:spcAft>
+                        <a:buClr>
+                          <a:srgbClr val="000000"/>
+                        </a:buClr>
+                        <a:buSzPts val="1500"/>
+                        <a:buFont typeface="Arial"/>
+                        <a:buNone/>
+                      </a:pPr>
+                      <a:r>
+                        <a:rPr lang="ko-KR" sz="1500" b="0" u="none" strike="noStrike" cap="none">
+                          <a:solidFill>
+                            <a:schemeClr val="dk1"/>
+                          </a:solidFill>
+                        </a:rPr>
+                        <a:t>화면명</a:t>
+                      </a:r>
+                      <a:endParaRPr sz="1500" b="0" u="none" strike="noStrike" cap="none">
+                        <a:solidFill>
+                          <a:schemeClr val="dk1"/>
+                        </a:solidFill>
+                      </a:endParaRPr>
+                    </a:p>
+                  </a:txBody>
+                  <a:tcPr marL="74304" marR="74304" marT="45725" marB="45725" anchor="ctr">
+                    <a:lnL w="12700" cap="flat" cmpd="sng">
+                      <a:solidFill>
+                        <a:schemeClr val="dk1"/>
+                      </a:solidFill>
+                      <a:prstDash val="solid"/>
+                      <a:round/>
+                      <a:headEnd type="none" w="sm" len="sm"/>
+                      <a:tailEnd type="none" w="sm" len="sm"/>
+                    </a:lnL>
+                    <a:lnR w="12700" cap="flat" cmpd="sng">
+                      <a:solidFill>
+                        <a:schemeClr val="dk1"/>
+                      </a:solidFill>
+                      <a:prstDash val="solid"/>
+                      <a:round/>
+                      <a:headEnd type="none" w="sm" len="sm"/>
+                      <a:tailEnd type="none" w="sm" len="sm"/>
+                    </a:lnR>
+                    <a:lnT w="12700" cap="flat" cmpd="sng">
+                      <a:solidFill>
+                        <a:schemeClr val="dk1"/>
+                      </a:solidFill>
+                      <a:prstDash val="solid"/>
+                      <a:round/>
+                      <a:headEnd type="none" w="sm" len="sm"/>
+                      <a:tailEnd type="none" w="sm" len="sm"/>
+                    </a:lnT>
+                    <a:lnB w="12700" cap="flat" cmpd="sng">
+                      <a:solidFill>
+                        <a:schemeClr val="dk1"/>
+                      </a:solidFill>
+                      <a:prstDash val="solid"/>
+                      <a:round/>
+                      <a:headEnd type="none" w="sm" len="sm"/>
+                      <a:tailEnd type="none" w="sm" len="sm"/>
+                    </a:lnB>
+                    <a:solidFill>
+                      <a:srgbClr val="D8D8D8"/>
+                    </a:solidFill>
+                  </a:tcPr>
+                </a:tc>
+                <a:tc>
+                  <a:txBody>
+                    <a:bodyPr/>
+                    <a:lstStyle/>
+                    <a:p>
+                      <a:pPr marL="0" marR="0" lvl="0" indent="0" algn="ctr" rtl="0">
+                        <a:lnSpc>
+                          <a:spcPct val="100000"/>
+                        </a:lnSpc>
+                        <a:spcBef>
+                          <a:spcPts val="0"/>
+                        </a:spcBef>
+                        <a:spcAft>
+                          <a:spcPts val="0"/>
+                        </a:spcAft>
+                        <a:buClr>
+                          <a:srgbClr val="000000"/>
+                        </a:buClr>
+                        <a:buSzPts val="1500"/>
+                        <a:buFont typeface="Arial"/>
+                        <a:buNone/>
+                      </a:pPr>
+                      <a:r>
+                        <a:rPr lang="ko-KR" altLang="en-US" sz="1500" b="0" u="none" strike="noStrike" cap="none" dirty="0" err="1" smtClean="0">
+                          <a:solidFill>
+                            <a:schemeClr val="dk1"/>
+                          </a:solidFill>
+                        </a:rPr>
+                        <a:t>메인화면</a:t>
+                      </a:r>
+                      <a:r>
+                        <a:rPr lang="en-US" altLang="ko-KR" sz="1500" b="0" u="none" strike="noStrike" cap="none" dirty="0" smtClean="0">
+                          <a:solidFill>
+                            <a:schemeClr val="dk1"/>
+                          </a:solidFill>
+                        </a:rPr>
+                        <a:t>(</a:t>
+                      </a:r>
+                      <a:r>
+                        <a:rPr lang="ko-KR" altLang="en-US" sz="1500" b="0" u="none" strike="noStrike" cap="none" dirty="0" smtClean="0">
+                          <a:solidFill>
+                            <a:schemeClr val="dk1"/>
+                          </a:solidFill>
+                        </a:rPr>
+                        <a:t>로그인 전</a:t>
+                      </a:r>
+                      <a:r>
+                        <a:rPr lang="en-US" altLang="ko-KR" sz="1500" b="0" u="none" strike="noStrike" cap="none" dirty="0" smtClean="0">
+                          <a:solidFill>
+                            <a:schemeClr val="dk1"/>
+                          </a:solidFill>
+                        </a:rPr>
+                        <a:t>)</a:t>
+                      </a:r>
+                      <a:endParaRPr sz="1500" b="0" u="none" strike="noStrike" cap="none" dirty="0">
+                        <a:solidFill>
+                          <a:schemeClr val="dk1"/>
+                        </a:solidFill>
+                      </a:endParaRPr>
+                    </a:p>
+                  </a:txBody>
+                  <a:tcPr marL="74304" marR="74304" marT="45725" marB="45725" anchor="ctr">
+                    <a:lnL w="12700" cap="flat" cmpd="sng">
+                      <a:solidFill>
+                        <a:schemeClr val="dk1"/>
+                      </a:solidFill>
+                      <a:prstDash val="solid"/>
+                      <a:round/>
+                      <a:headEnd type="none" w="sm" len="sm"/>
+                      <a:tailEnd type="none" w="sm" len="sm"/>
+                    </a:lnL>
+                    <a:lnR w="12700" cap="flat" cmpd="sng">
+                      <a:solidFill>
+                        <a:schemeClr val="dk1"/>
+                      </a:solidFill>
+                      <a:prstDash val="solid"/>
+                      <a:round/>
+                      <a:headEnd type="none" w="sm" len="sm"/>
+                      <a:tailEnd type="none" w="sm" len="sm"/>
+                    </a:lnR>
+                    <a:lnT w="12700" cap="flat" cmpd="sng">
+                      <a:solidFill>
+                        <a:schemeClr val="dk1"/>
+                      </a:solidFill>
+                      <a:prstDash val="solid"/>
+                      <a:round/>
+                      <a:headEnd type="none" w="sm" len="sm"/>
+                      <a:tailEnd type="none" w="sm" len="sm"/>
+                    </a:lnT>
+                    <a:lnB w="12700" cap="flat" cmpd="sng">
+                      <a:solidFill>
+                        <a:schemeClr val="dk1"/>
+                      </a:solidFill>
+                      <a:prstDash val="solid"/>
+                      <a:round/>
+                      <a:headEnd type="none" w="sm" len="sm"/>
+                      <a:tailEnd type="none" w="sm" len="sm"/>
+                    </a:lnB>
+                    <a:solidFill>
+                      <a:schemeClr val="lt1"/>
+                    </a:solidFill>
+                  </a:tcPr>
+                </a:tc>
+              </a:tr>
+              <a:tr h="271225">
+                <a:tc vMerge="1">
+                  <a:txBody>
+                    <a:bodyPr/>
+                    <a:lstStyle/>
+                    <a:p>
+                      <a:endParaRPr lang="ko-KR"/>
+                    </a:p>
+                  </a:txBody>
+                  <a:tcPr/>
+                </a:tc>
+                <a:tc>
+                  <a:txBody>
+                    <a:bodyPr/>
+                    <a:lstStyle/>
+                    <a:p>
+                      <a:pPr marL="0" marR="0" lvl="0" indent="0" algn="ctr" rtl="0">
+                        <a:lnSpc>
+                          <a:spcPct val="100000"/>
+                        </a:lnSpc>
+                        <a:spcBef>
+                          <a:spcPts val="0"/>
+                        </a:spcBef>
+                        <a:spcAft>
+                          <a:spcPts val="0"/>
+                        </a:spcAft>
+                        <a:buClr>
+                          <a:srgbClr val="000000"/>
+                        </a:buClr>
+                        <a:buSzPts val="1500"/>
+                        <a:buFont typeface="Arial"/>
+                        <a:buNone/>
+                      </a:pPr>
+                      <a:r>
+                        <a:rPr lang="ko-KR" altLang="en-US" sz="1500" b="0" u="none" strike="noStrike" cap="none" dirty="0" smtClean="0">
+                          <a:solidFill>
+                            <a:schemeClr val="dk1"/>
+                          </a:solidFill>
+                        </a:rPr>
+                        <a:t>데스크톱</a:t>
+                      </a:r>
+                      <a:endParaRPr sz="1500" b="0" u="none" strike="noStrike" cap="none" dirty="0">
+                        <a:solidFill>
+                          <a:schemeClr val="dk1"/>
+                        </a:solidFill>
+                      </a:endParaRPr>
+                    </a:p>
+                  </a:txBody>
+                  <a:tcPr marL="74304" marR="74304" marT="45725" marB="45725" anchor="ctr">
+                    <a:lnL w="12700" cap="flat" cmpd="sng">
+                      <a:solidFill>
+                        <a:schemeClr val="dk1"/>
+                      </a:solidFill>
+                      <a:prstDash val="solid"/>
+                      <a:round/>
+                      <a:headEnd type="none" w="sm" len="sm"/>
+                      <a:tailEnd type="none" w="sm" len="sm"/>
+                    </a:lnL>
+                    <a:lnR w="12700" cap="flat" cmpd="sng">
+                      <a:solidFill>
+                        <a:schemeClr val="dk1"/>
+                      </a:solidFill>
+                      <a:prstDash val="solid"/>
+                      <a:round/>
+                      <a:headEnd type="none" w="sm" len="sm"/>
+                      <a:tailEnd type="none" w="sm" len="sm"/>
+                    </a:lnR>
+                    <a:lnT w="12700" cap="flat" cmpd="sng">
+                      <a:solidFill>
+                        <a:schemeClr val="dk1"/>
+                      </a:solidFill>
+                      <a:prstDash val="solid"/>
+                      <a:round/>
+                      <a:headEnd type="none" w="sm" len="sm"/>
+                      <a:tailEnd type="none" w="sm" len="sm"/>
+                    </a:lnT>
+                    <a:lnB w="12700" cap="flat" cmpd="sng">
+                      <a:solidFill>
+                        <a:schemeClr val="dk1"/>
+                      </a:solidFill>
+                      <a:prstDash val="solid"/>
+                      <a:round/>
+                      <a:headEnd type="none" w="sm" len="sm"/>
+                      <a:tailEnd type="none" w="sm" len="sm"/>
+                    </a:lnB>
+                    <a:solidFill>
+                      <a:schemeClr val="lt1"/>
+                    </a:solidFill>
+                  </a:tcPr>
+                </a:tc>
+              </a:tr>
+            </a:tbl>
+          </a:graphicData>
+        </a:graphic>
+      </p:graphicFrame>
+      <p:graphicFrame>
+        <p:nvGraphicFramePr>
+          <p:cNvPr id="93" name="Google Shape;93;g7c553259d1_0_3"/>
+          <p:cNvGraphicFramePr/>
+          <p:nvPr/>
+        </p:nvGraphicFramePr>
+        <p:xfrm>
+          <a:off x="7563600" y="197403"/>
+          <a:ext cx="2287594" cy="320050"/>
+        </p:xfrm>
+        <a:graphic>
+          <a:graphicData uri="http://schemas.openxmlformats.org/drawingml/2006/table">
+            <a:tbl>
+              <a:tblPr firstRow="1" bandRow="1">
+                <a:noFill/>
+              </a:tblPr>
+              <a:tblGrid>
+                <a:gridCol w="1143797"/>
+                <a:gridCol w="1143797"/>
+              </a:tblGrid>
+              <a:tr h="265075">
+                <a:tc>
+                  <a:txBody>
+                    <a:bodyPr/>
+                    <a:lstStyle/>
+                    <a:p>
+                      <a:pPr marL="0" marR="0" lvl="0" indent="0" algn="ctr" rtl="0">
+                        <a:lnSpc>
+                          <a:spcPct val="100000"/>
+                        </a:lnSpc>
+                        <a:spcBef>
+                          <a:spcPts val="0"/>
+                        </a:spcBef>
+                        <a:spcAft>
+                          <a:spcPts val="0"/>
+                        </a:spcAft>
+                        <a:buClr>
+                          <a:srgbClr val="000000"/>
+                        </a:buClr>
+                        <a:buSzPts val="1500"/>
+                        <a:buFont typeface="Arial"/>
+                        <a:buNone/>
+                      </a:pPr>
+                      <a:r>
+                        <a:rPr lang="ko-KR" sz="1500" b="0" u="none" strike="noStrike" cap="none">
+                          <a:solidFill>
+                            <a:schemeClr val="dk1"/>
+                          </a:solidFill>
+                        </a:rPr>
+                        <a:t>화면 번호</a:t>
+                      </a:r>
+                      <a:endParaRPr sz="1500" b="0" u="none" strike="noStrike" cap="none">
+                        <a:solidFill>
+                          <a:schemeClr val="dk1"/>
+                        </a:solidFill>
+                      </a:endParaRPr>
+                    </a:p>
+                  </a:txBody>
+                  <a:tcPr marL="74304" marR="74304" marT="45725" marB="45725" anchor="ctr">
+                    <a:lnL w="12700" cap="flat" cmpd="sng">
+                      <a:solidFill>
+                        <a:schemeClr val="dk1"/>
+                      </a:solidFill>
+                      <a:prstDash val="solid"/>
+                      <a:round/>
+                      <a:headEnd type="none" w="sm" len="sm"/>
+                      <a:tailEnd type="none" w="sm" len="sm"/>
+                    </a:lnL>
+                    <a:lnR w="12700" cap="flat" cmpd="sng">
+                      <a:solidFill>
+                        <a:schemeClr val="dk1"/>
+                      </a:solidFill>
+                      <a:prstDash val="solid"/>
+                      <a:round/>
+                      <a:headEnd type="none" w="sm" len="sm"/>
+                      <a:tailEnd type="none" w="sm" len="sm"/>
+                    </a:lnR>
+                    <a:lnT w="12700" cap="flat" cmpd="sng">
+                      <a:solidFill>
+                        <a:schemeClr val="dk1"/>
+                      </a:solidFill>
+                      <a:prstDash val="solid"/>
+                      <a:round/>
+                      <a:headEnd type="none" w="sm" len="sm"/>
+                      <a:tailEnd type="none" w="sm" len="sm"/>
+                    </a:lnT>
+                    <a:lnB w="12700" cap="flat" cmpd="sng">
+                      <a:solidFill>
+                        <a:schemeClr val="dk1"/>
+                      </a:solidFill>
+                      <a:prstDash val="solid"/>
+                      <a:round/>
+                      <a:headEnd type="none" w="sm" len="sm"/>
+                      <a:tailEnd type="none" w="sm" len="sm"/>
+                    </a:lnB>
+                    <a:solidFill>
+                      <a:srgbClr val="D8D8D8"/>
+                    </a:solidFill>
+                  </a:tcPr>
+                </a:tc>
+                <a:tc>
+                  <a:txBody>
+                    <a:bodyPr/>
+                    <a:lstStyle/>
+                    <a:p>
+                      <a:pPr marL="0" marR="0" lvl="0" indent="0" algn="ctr" rtl="0">
+                        <a:lnSpc>
+                          <a:spcPct val="100000"/>
+                        </a:lnSpc>
+                        <a:spcBef>
+                          <a:spcPts val="0"/>
+                        </a:spcBef>
+                        <a:spcAft>
+                          <a:spcPts val="0"/>
+                        </a:spcAft>
+                        <a:buClr>
+                          <a:srgbClr val="000000"/>
+                        </a:buClr>
+                        <a:buSzPts val="1500"/>
+                        <a:buFont typeface="Arial"/>
+                        <a:buNone/>
+                      </a:pPr>
+                      <a:endParaRPr sz="1500" b="0" u="none" strike="noStrike" cap="none">
+                        <a:solidFill>
+                          <a:schemeClr val="dk1"/>
+                        </a:solidFill>
+                      </a:endParaRPr>
+                    </a:p>
+                  </a:txBody>
+                  <a:tcPr marL="74304" marR="74304" marT="45725" marB="45725" anchor="ctr">
+                    <a:lnL w="12700" cap="flat" cmpd="sng">
+                      <a:solidFill>
+                        <a:schemeClr val="dk1"/>
+                      </a:solidFill>
+                      <a:prstDash val="solid"/>
+                      <a:round/>
+                      <a:headEnd type="none" w="sm" len="sm"/>
+                      <a:tailEnd type="none" w="sm" len="sm"/>
+                    </a:lnL>
+                    <a:lnR w="12700" cap="flat" cmpd="sng">
+                      <a:solidFill>
+                        <a:schemeClr val="dk1"/>
+                      </a:solidFill>
+                      <a:prstDash val="solid"/>
+                      <a:round/>
+                      <a:headEnd type="none" w="sm" len="sm"/>
+                      <a:tailEnd type="none" w="sm" len="sm"/>
+                    </a:lnR>
+                    <a:lnT w="12700" cap="flat" cmpd="sng">
+                      <a:solidFill>
+                        <a:schemeClr val="dk1"/>
+                      </a:solidFill>
+                      <a:prstDash val="solid"/>
+                      <a:round/>
+                      <a:headEnd type="none" w="sm" len="sm"/>
+                      <a:tailEnd type="none" w="sm" len="sm"/>
+                    </a:lnT>
+                    <a:lnB w="12700" cap="flat" cmpd="sng">
+                      <a:solidFill>
+                        <a:schemeClr val="dk1"/>
+                      </a:solidFill>
+                      <a:prstDash val="solid"/>
+                      <a:round/>
+                      <a:headEnd type="none" w="sm" len="sm"/>
+                      <a:tailEnd type="none" w="sm" len="sm"/>
+                    </a:lnB>
+                    <a:solidFill>
+                      <a:schemeClr val="lt1"/>
+                    </a:solidFill>
+                  </a:tcPr>
+                </a:tc>
+              </a:tr>
+            </a:tbl>
+          </a:graphicData>
+        </a:graphic>
+      </p:graphicFrame>
+      <p:graphicFrame>
+        <p:nvGraphicFramePr>
+          <p:cNvPr id="94" name="Google Shape;94;g7c553259d1_0_3"/>
+          <p:cNvGraphicFramePr/>
+          <p:nvPr/>
+        </p:nvGraphicFramePr>
+        <p:xfrm>
+          <a:off x="5037570" y="197403"/>
+          <a:ext cx="2287594" cy="320050"/>
+        </p:xfrm>
+        <a:graphic>
+          <a:graphicData uri="http://schemas.openxmlformats.org/drawingml/2006/table">
+            <a:tbl>
+              <a:tblPr firstRow="1" bandRow="1">
+                <a:noFill/>
+              </a:tblPr>
+              <a:tblGrid>
+                <a:gridCol w="1143797"/>
+                <a:gridCol w="1143797"/>
+              </a:tblGrid>
+              <a:tr h="265075">
+                <a:tc>
+                  <a:txBody>
+                    <a:bodyPr/>
+                    <a:lstStyle/>
+                    <a:p>
+                      <a:pPr marL="0" marR="0" lvl="0" indent="0" algn="ctr" rtl="0">
+                        <a:lnSpc>
+                          <a:spcPct val="100000"/>
+                        </a:lnSpc>
+                        <a:spcBef>
+                          <a:spcPts val="0"/>
+                        </a:spcBef>
+                        <a:spcAft>
+                          <a:spcPts val="0"/>
+                        </a:spcAft>
+                        <a:buClr>
+                          <a:srgbClr val="000000"/>
+                        </a:buClr>
+                        <a:buSzPts val="1500"/>
+                        <a:buFont typeface="Arial"/>
+                        <a:buNone/>
+                      </a:pPr>
+                      <a:r>
+                        <a:rPr lang="ko-KR" sz="1500" b="0" u="none" strike="noStrike" cap="none">
+                          <a:solidFill>
+                            <a:schemeClr val="dk1"/>
+                          </a:solidFill>
+                        </a:rPr>
+                        <a:t>프로젝트</a:t>
+                      </a:r>
+                      <a:endParaRPr sz="1500" b="0" u="none" strike="noStrike" cap="none">
+                        <a:solidFill>
+                          <a:schemeClr val="dk1"/>
+                        </a:solidFill>
+                      </a:endParaRPr>
+                    </a:p>
+                  </a:txBody>
+                  <a:tcPr marL="74304" marR="74304" marT="45725" marB="45725" anchor="ctr">
+                    <a:lnL w="12700" cap="flat" cmpd="sng">
+                      <a:solidFill>
+                        <a:schemeClr val="dk1"/>
+                      </a:solidFill>
+                      <a:prstDash val="solid"/>
+                      <a:round/>
+                      <a:headEnd type="none" w="sm" len="sm"/>
+                      <a:tailEnd type="none" w="sm" len="sm"/>
+                    </a:lnL>
+                    <a:lnR w="12700" cap="flat" cmpd="sng">
+                      <a:solidFill>
+                        <a:schemeClr val="dk1"/>
+                      </a:solidFill>
+                      <a:prstDash val="solid"/>
+                      <a:round/>
+                      <a:headEnd type="none" w="sm" len="sm"/>
+                      <a:tailEnd type="none" w="sm" len="sm"/>
+                    </a:lnR>
+                    <a:lnT w="12700" cap="flat" cmpd="sng">
+                      <a:solidFill>
+                        <a:schemeClr val="dk1"/>
+                      </a:solidFill>
+                      <a:prstDash val="solid"/>
+                      <a:round/>
+                      <a:headEnd type="none" w="sm" len="sm"/>
+                      <a:tailEnd type="none" w="sm" len="sm"/>
+                    </a:lnT>
+                    <a:lnB w="12700" cap="flat" cmpd="sng">
+                      <a:solidFill>
+                        <a:schemeClr val="dk1"/>
+                      </a:solidFill>
+                      <a:prstDash val="solid"/>
+                      <a:round/>
+                      <a:headEnd type="none" w="sm" len="sm"/>
+                      <a:tailEnd type="none" w="sm" len="sm"/>
+                    </a:lnB>
+                    <a:solidFill>
+                      <a:srgbClr val="D8D8D8"/>
+                    </a:solidFill>
+                  </a:tcPr>
+                </a:tc>
+                <a:tc>
+                  <a:txBody>
+                    <a:bodyPr/>
+                    <a:lstStyle/>
+                    <a:p>
+                      <a:pPr marL="0" marR="0" lvl="0" indent="0" algn="ctr" rtl="0">
+                        <a:lnSpc>
+                          <a:spcPct val="100000"/>
+                        </a:lnSpc>
+                        <a:spcBef>
+                          <a:spcPts val="0"/>
+                        </a:spcBef>
+                        <a:spcAft>
+                          <a:spcPts val="0"/>
+                        </a:spcAft>
+                        <a:buClr>
+                          <a:srgbClr val="000000"/>
+                        </a:buClr>
+                        <a:buSzPts val="1500"/>
+                        <a:buFont typeface="Arial"/>
+                        <a:buNone/>
+                      </a:pPr>
+                      <a:endParaRPr sz="1500" b="0" u="none" strike="noStrike" cap="none">
+                        <a:solidFill>
+                          <a:schemeClr val="dk1"/>
+                        </a:solidFill>
+                      </a:endParaRPr>
+                    </a:p>
+                  </a:txBody>
+                  <a:tcPr marL="74304" marR="74304" marT="45725" marB="45725" anchor="ctr">
+                    <a:lnL w="12700" cap="flat" cmpd="sng">
+                      <a:solidFill>
+                        <a:schemeClr val="dk1"/>
+                      </a:solidFill>
+                      <a:prstDash val="solid"/>
+                      <a:round/>
+                      <a:headEnd type="none" w="sm" len="sm"/>
+                      <a:tailEnd type="none" w="sm" len="sm"/>
+                    </a:lnL>
+                    <a:lnR w="12700" cap="flat" cmpd="sng">
+                      <a:solidFill>
+                        <a:schemeClr val="dk1"/>
+                      </a:solidFill>
+                      <a:prstDash val="solid"/>
+                      <a:round/>
+                      <a:headEnd type="none" w="sm" len="sm"/>
+                      <a:tailEnd type="none" w="sm" len="sm"/>
+                    </a:lnR>
+                    <a:lnT w="12700" cap="flat" cmpd="sng">
+                      <a:solidFill>
+                        <a:schemeClr val="dk1"/>
+                      </a:solidFill>
+                      <a:prstDash val="solid"/>
+                      <a:round/>
+                      <a:headEnd type="none" w="sm" len="sm"/>
+                      <a:tailEnd type="none" w="sm" len="sm"/>
+                    </a:lnT>
+                    <a:lnB w="12700" cap="flat" cmpd="sng">
+                      <a:solidFill>
+                        <a:schemeClr val="dk1"/>
+                      </a:solidFill>
+                      <a:prstDash val="solid"/>
+                      <a:round/>
+                      <a:headEnd type="none" w="sm" len="sm"/>
+                      <a:tailEnd type="none" w="sm" len="sm"/>
+                    </a:lnB>
+                    <a:solidFill>
+                      <a:schemeClr val="lt1"/>
+                    </a:solidFill>
+                  </a:tcPr>
+                </a:tc>
+              </a:tr>
+            </a:tbl>
+          </a:graphicData>
+        </a:graphic>
+      </p:graphicFrame>
+      <p:graphicFrame>
+        <p:nvGraphicFramePr>
+          <p:cNvPr id="96" name="Google Shape;96;g7c553259d1_0_3"/>
+          <p:cNvGraphicFramePr/>
+          <p:nvPr>
+            <p:extLst>
+              <p:ext uri="{D42A27DB-BD31-4B8C-83A1-F6EECF244321}">
+                <p14:modId xmlns:p14="http://schemas.microsoft.com/office/powerpoint/2010/main" val="53328839"/>
+              </p:ext>
+            </p:extLst>
+          </p:nvPr>
+        </p:nvGraphicFramePr>
+        <p:xfrm>
+          <a:off x="7185248" y="836712"/>
+          <a:ext cx="2398768" cy="1730122"/>
+        </p:xfrm>
+        <a:graphic>
+          <a:graphicData uri="http://schemas.openxmlformats.org/drawingml/2006/table">
+            <a:tbl>
+              <a:tblPr firstRow="1" bandRow="1">
+                <a:noFill/>
+              </a:tblPr>
+              <a:tblGrid>
+                <a:gridCol w="235426"/>
+                <a:gridCol w="2163342"/>
+              </a:tblGrid>
+              <a:tr h="286673">
+                <a:tc>
+                  <a:txBody>
+                    <a:bodyPr/>
+                    <a:lstStyle/>
+                    <a:p>
+                      <a:pPr marL="0" marR="0" lvl="0" indent="0" algn="ctr" rtl="0">
+                        <a:lnSpc>
+                          <a:spcPct val="100000"/>
+                        </a:lnSpc>
+                        <a:spcBef>
+                          <a:spcPts val="0"/>
+                        </a:spcBef>
+                        <a:spcAft>
+                          <a:spcPts val="0"/>
+                        </a:spcAft>
+                        <a:buClr>
+                          <a:srgbClr val="000000"/>
+                        </a:buClr>
+                        <a:buSzPts val="1500"/>
+                        <a:buFont typeface="Arial"/>
+                        <a:buNone/>
+                      </a:pPr>
+                      <a:r>
+                        <a:rPr lang="ko-KR" sz="1500" u="none" strike="noStrike" cap="none" dirty="0">
+                          <a:solidFill>
+                            <a:schemeClr val="dk1"/>
+                          </a:solidFill>
+                        </a:rPr>
+                        <a:t>#</a:t>
+                      </a:r>
+                      <a:endParaRPr sz="1500" u="none" strike="noStrike" cap="none" dirty="0">
+                        <a:solidFill>
+                          <a:schemeClr val="dk1"/>
+                        </a:solidFill>
+                      </a:endParaRPr>
+                    </a:p>
+                  </a:txBody>
+                  <a:tcPr marL="74304" marR="74304" marT="45725" marB="45725" anchor="ctr">
+                    <a:lnL w="12700" cap="flat" cmpd="sng">
+                      <a:solidFill>
+                        <a:schemeClr val="dk1"/>
+                      </a:solidFill>
+                      <a:prstDash val="solid"/>
+                      <a:round/>
+                      <a:headEnd type="none" w="sm" len="sm"/>
+                      <a:tailEnd type="none" w="sm" len="sm"/>
+                    </a:lnL>
+                    <a:lnR w="12700" cap="flat" cmpd="sng">
+                      <a:solidFill>
+                        <a:schemeClr val="dk1"/>
+                      </a:solidFill>
+                      <a:prstDash val="solid"/>
+                      <a:round/>
+                      <a:headEnd type="none" w="sm" len="sm"/>
+                      <a:tailEnd type="none" w="sm" len="sm"/>
+                    </a:lnR>
+                    <a:lnT w="12700" cap="flat" cmpd="sng">
+                      <a:solidFill>
+                        <a:schemeClr val="dk1"/>
+                      </a:solidFill>
+                      <a:prstDash val="solid"/>
+                      <a:round/>
+                      <a:headEnd type="none" w="sm" len="sm"/>
+                      <a:tailEnd type="none" w="sm" len="sm"/>
+                    </a:lnT>
+                    <a:lnB w="12700" cap="flat" cmpd="sng">
+                      <a:solidFill>
+                        <a:schemeClr val="dk1"/>
+                      </a:solidFill>
+                      <a:prstDash val="solid"/>
+                      <a:round/>
+                      <a:headEnd type="none" w="sm" len="sm"/>
+                      <a:tailEnd type="none" w="sm" len="sm"/>
+                    </a:lnB>
+                    <a:solidFill>
+                      <a:srgbClr val="D8D8D8"/>
+                    </a:solidFill>
+                  </a:tcPr>
+                </a:tc>
+                <a:tc>
+                  <a:txBody>
+                    <a:bodyPr/>
+                    <a:lstStyle/>
+                    <a:p>
+                      <a:pPr marL="0" marR="0" lvl="0" indent="0" algn="ctr" rtl="0">
+                        <a:lnSpc>
+                          <a:spcPct val="100000"/>
+                        </a:lnSpc>
+                        <a:spcBef>
+                          <a:spcPts val="0"/>
+                        </a:spcBef>
+                        <a:spcAft>
+                          <a:spcPts val="0"/>
+                        </a:spcAft>
+                        <a:buClr>
+                          <a:srgbClr val="000000"/>
+                        </a:buClr>
+                        <a:buSzPts val="1500"/>
+                        <a:buFont typeface="Arial"/>
+                        <a:buNone/>
+                      </a:pPr>
+                      <a:r>
+                        <a:rPr lang="ko-KR" sz="1500" u="none" strike="noStrike" cap="none" dirty="0" err="1">
+                          <a:solidFill>
+                            <a:schemeClr val="dk1"/>
+                          </a:solidFill>
+                        </a:rPr>
+                        <a:t>기능명</a:t>
+                      </a:r>
+                      <a:endParaRPr sz="1500" u="none" strike="noStrike" cap="none" dirty="0">
+                        <a:solidFill>
+                          <a:schemeClr val="dk1"/>
+                        </a:solidFill>
+                      </a:endParaRPr>
+                    </a:p>
+                  </a:txBody>
+                  <a:tcPr marL="74304" marR="74304" marT="45725" marB="45725" anchor="ctr">
+                    <a:lnL w="12700" cap="flat" cmpd="sng">
+                      <a:solidFill>
+                        <a:schemeClr val="dk1"/>
+                      </a:solidFill>
+                      <a:prstDash val="solid"/>
+                      <a:round/>
+                      <a:headEnd type="none" w="sm" len="sm"/>
+                      <a:tailEnd type="none" w="sm" len="sm"/>
+                    </a:lnL>
+                    <a:lnR w="12700" cap="flat" cmpd="sng">
+                      <a:solidFill>
+                        <a:schemeClr val="dk1"/>
+                      </a:solidFill>
+                      <a:prstDash val="solid"/>
+                      <a:round/>
+                      <a:headEnd type="none" w="sm" len="sm"/>
+                      <a:tailEnd type="none" w="sm" len="sm"/>
+                    </a:lnR>
+                    <a:lnT w="12700" cap="flat" cmpd="sng">
+                      <a:solidFill>
+                        <a:schemeClr val="dk1"/>
+                      </a:solidFill>
+                      <a:prstDash val="solid"/>
+                      <a:round/>
+                      <a:headEnd type="none" w="sm" len="sm"/>
+                      <a:tailEnd type="none" w="sm" len="sm"/>
+                    </a:lnT>
+                    <a:lnB w="12700" cap="flat" cmpd="sng">
+                      <a:solidFill>
+                        <a:schemeClr val="dk1"/>
+                      </a:solidFill>
+                      <a:prstDash val="solid"/>
+                      <a:round/>
+                      <a:headEnd type="none" w="sm" len="sm"/>
+                      <a:tailEnd type="none" w="sm" len="sm"/>
+                    </a:lnB>
+                    <a:solidFill>
+                      <a:srgbClr val="D8D8D8"/>
+                    </a:solidFill>
+                  </a:tcPr>
+                </a:tc>
+              </a:tr>
+              <a:tr h="328022">
+                <a:tc>
+                  <a:txBody>
+                    <a:bodyPr/>
+                    <a:lstStyle/>
+                    <a:p>
+                      <a:pPr marL="0" marR="0" lvl="0" indent="0" algn="ctr" rtl="0">
+                        <a:lnSpc>
+                          <a:spcPct val="100000"/>
+                        </a:lnSpc>
+                        <a:spcBef>
+                          <a:spcPts val="0"/>
+                        </a:spcBef>
+                        <a:spcAft>
+                          <a:spcPts val="0"/>
+                        </a:spcAft>
+                        <a:buClr>
+                          <a:srgbClr val="000000"/>
+                        </a:buClr>
+                        <a:buSzPts val="1500"/>
+                        <a:buFont typeface="Arial"/>
+                        <a:buNone/>
+                      </a:pPr>
+                      <a:r>
+                        <a:rPr lang="ko-KR" sz="1500" u="none" strike="noStrike" cap="none">
+                          <a:solidFill>
+                            <a:schemeClr val="dk1"/>
+                          </a:solidFill>
+                        </a:rPr>
+                        <a:t>1</a:t>
+                      </a:r>
+                      <a:endParaRPr sz="1500" u="none" strike="noStrike" cap="none">
+                        <a:solidFill>
+                          <a:schemeClr val="dk1"/>
+                        </a:solidFill>
+                      </a:endParaRPr>
+                    </a:p>
+                  </a:txBody>
+                  <a:tcPr marL="74304" marR="74304" marT="45725" marB="45725" anchor="ctr">
+                    <a:lnL w="12700" cap="flat" cmpd="sng">
+                      <a:solidFill>
+                        <a:schemeClr val="dk1"/>
+                      </a:solidFill>
+                      <a:prstDash val="solid"/>
+                      <a:round/>
+                      <a:headEnd type="none" w="sm" len="sm"/>
+                      <a:tailEnd type="none" w="sm" len="sm"/>
+                    </a:lnL>
+                    <a:lnR w="12700" cap="flat" cmpd="sng">
+                      <a:solidFill>
+                        <a:schemeClr val="dk1"/>
+                      </a:solidFill>
+                      <a:prstDash val="solid"/>
+                      <a:round/>
+                      <a:headEnd type="none" w="sm" len="sm"/>
+                      <a:tailEnd type="none" w="sm" len="sm"/>
+                    </a:lnR>
+                    <a:lnT w="12700" cap="flat" cmpd="sng">
+                      <a:solidFill>
+                        <a:schemeClr val="dk1"/>
+                      </a:solidFill>
+                      <a:prstDash val="solid"/>
+                      <a:round/>
+                      <a:headEnd type="none" w="sm" len="sm"/>
+                      <a:tailEnd type="none" w="sm" len="sm"/>
+                    </a:lnT>
+                    <a:lnB w="12700" cap="flat" cmpd="sng">
+                      <a:solidFill>
+                        <a:schemeClr val="dk1"/>
+                      </a:solidFill>
+                      <a:prstDash val="solid"/>
+                      <a:round/>
+                      <a:headEnd type="none" w="sm" len="sm"/>
+                      <a:tailEnd type="none" w="sm" len="sm"/>
+                    </a:lnB>
+                    <a:solidFill>
+                      <a:schemeClr val="lt1"/>
+                    </a:solidFill>
+                  </a:tcPr>
+                </a:tc>
+                <a:tc>
+                  <a:txBody>
+                    <a:bodyPr/>
+                    <a:lstStyle/>
+                    <a:p>
+                      <a:pPr marL="133350" marR="0" lvl="0" indent="0" algn="l" rtl="0">
+                        <a:lnSpc>
+                          <a:spcPct val="100000"/>
+                        </a:lnSpc>
+                        <a:spcBef>
+                          <a:spcPts val="0"/>
+                        </a:spcBef>
+                        <a:spcAft>
+                          <a:spcPts val="0"/>
+                        </a:spcAft>
+                        <a:buClr>
+                          <a:srgbClr val="000000"/>
+                        </a:buClr>
+                        <a:buSzPts val="1500"/>
+                        <a:buFont typeface="Arial"/>
+                        <a:buNone/>
+                        <a:tabLst/>
+                      </a:pPr>
+                      <a:r>
+                        <a:rPr lang="ko-KR" altLang="en-US" sz="1300" b="0" u="none" strike="noStrike" cap="none" dirty="0" smtClean="0"/>
+                        <a:t>현재 진행 상황 나타냄</a:t>
+                      </a:r>
+                      <a:endParaRPr sz="1300" b="0" u="none" strike="noStrike" cap="none" dirty="0"/>
+                    </a:p>
+                  </a:txBody>
+                  <a:tcPr marL="74304" marR="74304" marT="45725" marB="45725">
+                    <a:lnL w="12700" cap="flat" cmpd="sng">
+                      <a:solidFill>
+                        <a:schemeClr val="dk1"/>
+                      </a:solidFill>
+                      <a:prstDash val="solid"/>
+                      <a:round/>
+                      <a:headEnd type="none" w="sm" len="sm"/>
+                      <a:tailEnd type="none" w="sm" len="sm"/>
+                    </a:lnL>
+                    <a:lnR w="12700" cap="flat" cmpd="sng">
+                      <a:solidFill>
+                        <a:schemeClr val="dk1"/>
+                      </a:solidFill>
+                      <a:prstDash val="solid"/>
+                      <a:round/>
+                      <a:headEnd type="none" w="sm" len="sm"/>
+                      <a:tailEnd type="none" w="sm" len="sm"/>
+                    </a:lnR>
+                    <a:lnT w="12700" cap="flat" cmpd="sng">
+                      <a:solidFill>
+                        <a:schemeClr val="dk1"/>
+                      </a:solidFill>
+                      <a:prstDash val="solid"/>
+                      <a:round/>
+                      <a:headEnd type="none" w="sm" len="sm"/>
+                      <a:tailEnd type="none" w="sm" len="sm"/>
+                    </a:lnT>
+                    <a:lnB w="12700" cap="flat" cmpd="sng">
+                      <a:solidFill>
+                        <a:schemeClr val="dk1"/>
+                      </a:solidFill>
+                      <a:prstDash val="solid"/>
+                      <a:round/>
+                      <a:headEnd type="none" w="sm" len="sm"/>
+                      <a:tailEnd type="none" w="sm" len="sm"/>
+                    </a:lnB>
+                    <a:solidFill>
+                      <a:schemeClr val="lt1"/>
+                    </a:solidFill>
+                  </a:tcPr>
+                </a:tc>
+              </a:tr>
+              <a:tr h="819048">
+                <a:tc>
+                  <a:txBody>
+                    <a:bodyPr/>
+                    <a:lstStyle/>
+                    <a:p>
+                      <a:pPr marL="0" marR="0" lvl="0" indent="0" algn="ctr" rtl="0">
+                        <a:lnSpc>
+                          <a:spcPct val="100000"/>
+                        </a:lnSpc>
+                        <a:spcBef>
+                          <a:spcPts val="0"/>
+                        </a:spcBef>
+                        <a:spcAft>
+                          <a:spcPts val="0"/>
+                        </a:spcAft>
+                        <a:buClr>
+                          <a:srgbClr val="000000"/>
+                        </a:buClr>
+                        <a:buSzPts val="1500"/>
+                        <a:buFont typeface="Arial"/>
+                        <a:buNone/>
+                      </a:pPr>
+                      <a:r>
+                        <a:rPr lang="ko-KR" sz="1500" u="none" strike="noStrike" cap="none">
+                          <a:solidFill>
+                            <a:schemeClr val="dk1"/>
+                          </a:solidFill>
+                        </a:rPr>
+                        <a:t>2</a:t>
+                      </a:r>
+                      <a:endParaRPr sz="1500" u="none" strike="noStrike" cap="none">
+                        <a:solidFill>
+                          <a:schemeClr val="dk1"/>
+                        </a:solidFill>
+                      </a:endParaRPr>
+                    </a:p>
+                  </a:txBody>
+                  <a:tcPr marL="74304" marR="74304" marT="45725" marB="45725" anchor="ctr">
+                    <a:lnL w="12700" cap="flat" cmpd="sng">
+                      <a:solidFill>
+                        <a:schemeClr val="dk1"/>
+                      </a:solidFill>
+                      <a:prstDash val="solid"/>
+                      <a:round/>
+                      <a:headEnd type="none" w="sm" len="sm"/>
+                      <a:tailEnd type="none" w="sm" len="sm"/>
+                    </a:lnL>
+                    <a:lnR w="12700" cap="flat" cmpd="sng">
+                      <a:solidFill>
+                        <a:schemeClr val="dk1"/>
+                      </a:solidFill>
+                      <a:prstDash val="solid"/>
+                      <a:round/>
+                      <a:headEnd type="none" w="sm" len="sm"/>
+                      <a:tailEnd type="none" w="sm" len="sm"/>
+                    </a:lnR>
+                    <a:lnT w="12700" cap="flat" cmpd="sng">
+                      <a:solidFill>
+                        <a:schemeClr val="dk1"/>
+                      </a:solidFill>
+                      <a:prstDash val="solid"/>
+                      <a:round/>
+                      <a:headEnd type="none" w="sm" len="sm"/>
+                      <a:tailEnd type="none" w="sm" len="sm"/>
+                    </a:lnT>
+                    <a:lnB w="12700" cap="flat" cmpd="sng">
+                      <a:solidFill>
+                        <a:schemeClr val="dk1"/>
+                      </a:solidFill>
+                      <a:prstDash val="solid"/>
+                      <a:round/>
+                      <a:headEnd type="none" w="sm" len="sm"/>
+                      <a:tailEnd type="none" w="sm" len="sm"/>
+                    </a:lnB>
+                    <a:solidFill>
+                      <a:schemeClr val="lt1"/>
+                    </a:solidFill>
+                  </a:tcPr>
+                </a:tc>
+                <a:tc>
+                  <a:txBody>
+                    <a:bodyPr/>
+                    <a:lstStyle/>
+                    <a:p>
+                      <a:pPr marL="133350" marR="0" lvl="0" indent="0" algn="l" rtl="0">
+                        <a:lnSpc>
+                          <a:spcPct val="100000"/>
+                        </a:lnSpc>
+                        <a:spcBef>
+                          <a:spcPts val="0"/>
+                        </a:spcBef>
+                        <a:spcAft>
+                          <a:spcPts val="0"/>
+                        </a:spcAft>
+                        <a:buClr>
+                          <a:srgbClr val="000000"/>
+                        </a:buClr>
+                        <a:buSzPts val="1500"/>
+                        <a:buFont typeface="Arial"/>
+                        <a:buNone/>
+                      </a:pPr>
+                      <a:r>
+                        <a:rPr lang="ko-KR" altLang="en-US" sz="1300" b="0" u="none" strike="noStrike" cap="none" dirty="0" smtClean="0"/>
+                        <a:t>프로젝트를 만들기 위한 기본 정보를 수집</a:t>
+                      </a:r>
+                      <a:endParaRPr lang="en-US" altLang="ko-KR" sz="1300" b="0" u="none" strike="noStrike" cap="none" dirty="0" smtClean="0"/>
+                    </a:p>
+                    <a:p>
+                      <a:pPr marL="133350" marR="0" lvl="0" indent="0" algn="l" rtl="0">
+                        <a:lnSpc>
+                          <a:spcPct val="100000"/>
+                        </a:lnSpc>
+                        <a:spcBef>
+                          <a:spcPts val="0"/>
+                        </a:spcBef>
+                        <a:spcAft>
+                          <a:spcPts val="0"/>
+                        </a:spcAft>
+                        <a:buClr>
+                          <a:srgbClr val="000000"/>
+                        </a:buClr>
+                        <a:buSzPts val="1500"/>
+                        <a:buFont typeface="Arial"/>
+                        <a:buNone/>
+                      </a:pPr>
+                      <a:r>
+                        <a:rPr lang="en-US" sz="1300" b="0" u="none" strike="noStrike" cap="none" dirty="0" smtClean="0"/>
+                        <a:t>(</a:t>
+                      </a:r>
+                      <a:r>
+                        <a:rPr lang="ko-KR" altLang="en-US" sz="1300" b="0" u="none" strike="noStrike" cap="none" dirty="0" smtClean="0"/>
+                        <a:t>프로젝트 소개 영상</a:t>
+                      </a:r>
+                      <a:r>
+                        <a:rPr lang="en-US" altLang="ko-KR" sz="1300" b="0" u="none" strike="noStrike" cap="none" dirty="0" smtClean="0"/>
+                        <a:t>,</a:t>
+                      </a:r>
+                    </a:p>
+                    <a:p>
+                      <a:pPr marL="133350" marR="0" lvl="0" indent="0" algn="l" rtl="0">
+                        <a:lnSpc>
+                          <a:spcPct val="100000"/>
+                        </a:lnSpc>
+                        <a:spcBef>
+                          <a:spcPts val="0"/>
+                        </a:spcBef>
+                        <a:spcAft>
+                          <a:spcPts val="0"/>
+                        </a:spcAft>
+                        <a:buClr>
+                          <a:srgbClr val="000000"/>
+                        </a:buClr>
+                        <a:buSzPts val="1500"/>
+                        <a:buFont typeface="Arial"/>
+                        <a:buNone/>
+                      </a:pPr>
+                      <a:r>
+                        <a:rPr lang="ko-KR" altLang="en-US" sz="1300" b="0" u="none" strike="noStrike" cap="none" dirty="0" smtClean="0"/>
+                        <a:t>이미지</a:t>
+                      </a:r>
+                      <a:r>
+                        <a:rPr lang="en-US" altLang="ko-KR" sz="1300" b="0" u="none" strike="noStrike" cap="none" dirty="0" smtClean="0"/>
+                        <a:t>,</a:t>
+                      </a:r>
+                    </a:p>
+                    <a:p>
+                      <a:pPr marL="133350" marR="0" lvl="0" indent="0" algn="l" rtl="0">
+                        <a:lnSpc>
+                          <a:spcPct val="100000"/>
+                        </a:lnSpc>
+                        <a:spcBef>
+                          <a:spcPts val="0"/>
+                        </a:spcBef>
+                        <a:spcAft>
+                          <a:spcPts val="0"/>
+                        </a:spcAft>
+                        <a:buClr>
+                          <a:srgbClr val="000000"/>
+                        </a:buClr>
+                        <a:buSzPts val="1500"/>
+                        <a:buFont typeface="Arial"/>
+                        <a:buNone/>
+                      </a:pPr>
+                      <a:r>
+                        <a:rPr lang="ko-KR" altLang="en-US" sz="1300" b="0" u="none" strike="noStrike" cap="none" dirty="0" smtClean="0"/>
+                        <a:t>프로젝트의 스토리</a:t>
+                      </a:r>
+                      <a:r>
+                        <a:rPr lang="en-US" altLang="ko-KR" sz="1300" b="0" u="none" strike="noStrike" cap="none" dirty="0" smtClean="0"/>
+                        <a:t>)</a:t>
+                      </a:r>
+                    </a:p>
+                  </a:txBody>
+                  <a:tcPr marL="74304" marR="74304" marT="45725" marB="45725">
+                    <a:lnL w="12700" cap="flat" cmpd="sng">
+                      <a:solidFill>
+                        <a:schemeClr val="dk1"/>
+                      </a:solidFill>
+                      <a:prstDash val="solid"/>
+                      <a:round/>
+                      <a:headEnd type="none" w="sm" len="sm"/>
+                      <a:tailEnd type="none" w="sm" len="sm"/>
+                    </a:lnL>
+                    <a:lnR w="12700" cap="flat" cmpd="sng">
+                      <a:solidFill>
+                        <a:schemeClr val="dk1"/>
+                      </a:solidFill>
+                      <a:prstDash val="solid"/>
+                      <a:round/>
+                      <a:headEnd type="none" w="sm" len="sm"/>
+                      <a:tailEnd type="none" w="sm" len="sm"/>
+                    </a:lnR>
+                    <a:lnT w="12700" cap="flat" cmpd="sng">
+                      <a:solidFill>
+                        <a:schemeClr val="dk1"/>
+                      </a:solidFill>
+                      <a:prstDash val="solid"/>
+                      <a:round/>
+                      <a:headEnd type="none" w="sm" len="sm"/>
+                      <a:tailEnd type="none" w="sm" len="sm"/>
+                    </a:lnT>
+                    <a:lnB w="12700" cap="flat" cmpd="sng">
+                      <a:solidFill>
+                        <a:schemeClr val="dk1"/>
+                      </a:solidFill>
+                      <a:prstDash val="solid"/>
+                      <a:round/>
+                      <a:headEnd type="none" w="sm" len="sm"/>
+                      <a:tailEnd type="none" w="sm" len="sm"/>
+                    </a:lnB>
+                    <a:solidFill>
+                      <a:schemeClr val="lt1"/>
+                    </a:solidFill>
+                  </a:tcPr>
+                </a:tc>
+              </a:tr>
+            </a:tbl>
+          </a:graphicData>
+        </a:graphic>
+      </p:graphicFrame>
+      <p:cxnSp>
+        <p:nvCxnSpPr>
+          <p:cNvPr id="5" name="직선 연결선 4"/>
+          <p:cNvCxnSpPr/>
+          <p:nvPr/>
+        </p:nvCxnSpPr>
+        <p:spPr>
+          <a:xfrm>
+            <a:off x="2432720" y="1628800"/>
+            <a:ext cx="0" cy="4824536"/>
+          </a:xfrm>
+          <a:prstGeom prst="line">
+            <a:avLst/>
+          </a:prstGeom>
+        </p:spPr>
+        <p:style>
+          <a:lnRef idx="1">
+            <a:schemeClr val="accent1"/>
+          </a:lnRef>
+          <a:fillRef idx="0">
+            <a:schemeClr val="accent1"/>
+          </a:fillRef>
+          <a:effectRef idx="0">
+            <a:schemeClr val="accent1"/>
+          </a:effectRef>
+          <a:fontRef idx="minor">
+            <a:schemeClr val="tx1"/>
+          </a:fontRef>
+        </p:style>
+      </p:cxnSp>
+      <p:sp>
+        <p:nvSpPr>
+          <p:cNvPr id="2" name="TextBox 1"/>
+          <p:cNvSpPr txBox="1"/>
+          <p:nvPr/>
+        </p:nvSpPr>
+        <p:spPr>
+          <a:xfrm>
+            <a:off x="827512" y="1766410"/>
+            <a:ext cx="1080120" cy="246221"/>
+          </a:xfrm>
+          <a:prstGeom prst="rect">
+            <a:avLst/>
+          </a:prstGeom>
+          <a:noFill/>
+        </p:spPr>
+        <p:txBody>
+          <a:bodyPr wrap="square" rtlCol="0">
+            <a:spAutoFit/>
+          </a:bodyPr>
+          <a:lstStyle/>
+          <a:p>
+            <a:r>
+              <a:rPr lang="ko-KR" altLang="en-US" sz="1000" dirty="0" err="1" smtClean="0"/>
+              <a:t>프로젝트만들기</a:t>
+            </a:r>
+            <a:endParaRPr lang="ko-KR" altLang="en-US" sz="1000" dirty="0"/>
+          </a:p>
+        </p:txBody>
+      </p:sp>
+      <p:sp>
+        <p:nvSpPr>
+          <p:cNvPr id="3" name="TextBox 2"/>
+          <p:cNvSpPr txBox="1"/>
+          <p:nvPr/>
+        </p:nvSpPr>
+        <p:spPr>
+          <a:xfrm>
+            <a:off x="1064568" y="2130189"/>
+            <a:ext cx="936104" cy="261610"/>
+          </a:xfrm>
+          <a:prstGeom prst="rect">
+            <a:avLst/>
+          </a:prstGeom>
+          <a:noFill/>
+        </p:spPr>
+        <p:txBody>
+          <a:bodyPr wrap="square" rtlCol="0">
+            <a:spAutoFit/>
+          </a:bodyPr>
+          <a:lstStyle/>
+          <a:p>
+            <a:r>
+              <a:rPr lang="en-US" altLang="ko-KR" sz="1100" dirty="0" smtClean="0"/>
+              <a:t>1. </a:t>
+            </a:r>
+            <a:r>
+              <a:rPr lang="ko-KR" altLang="en-US" sz="1100" dirty="0" smtClean="0"/>
+              <a:t>기본정보</a:t>
+            </a:r>
+            <a:endParaRPr lang="ko-KR" altLang="en-US" sz="1100" dirty="0"/>
+          </a:p>
+        </p:txBody>
+      </p:sp>
+      <p:sp>
+        <p:nvSpPr>
+          <p:cNvPr id="9" name="TextBox 8"/>
+          <p:cNvSpPr txBox="1"/>
+          <p:nvPr/>
+        </p:nvSpPr>
+        <p:spPr>
+          <a:xfrm>
+            <a:off x="1064568" y="2391799"/>
+            <a:ext cx="936104" cy="261610"/>
+          </a:xfrm>
+          <a:prstGeom prst="rect">
+            <a:avLst/>
+          </a:prstGeom>
+          <a:noFill/>
+        </p:spPr>
+        <p:txBody>
+          <a:bodyPr wrap="square" rtlCol="0">
+            <a:spAutoFit/>
+          </a:bodyPr>
+          <a:lstStyle/>
+          <a:p>
+            <a:r>
+              <a:rPr lang="en-US" altLang="ko-KR" sz="1100" dirty="0" smtClean="0">
+                <a:solidFill>
+                  <a:srgbClr val="FF0000"/>
+                </a:solidFill>
+              </a:rPr>
+              <a:t>2. </a:t>
+            </a:r>
+            <a:r>
+              <a:rPr lang="ko-KR" altLang="en-US" sz="1100" dirty="0" smtClean="0">
+                <a:solidFill>
+                  <a:srgbClr val="FF0000"/>
+                </a:solidFill>
+              </a:rPr>
+              <a:t>스토리</a:t>
+            </a:r>
+            <a:endParaRPr lang="ko-KR" altLang="en-US" sz="1100" dirty="0">
+              <a:solidFill>
+                <a:srgbClr val="FF0000"/>
+              </a:solidFill>
+            </a:endParaRPr>
+          </a:p>
+        </p:txBody>
+      </p:sp>
+      <p:sp>
+        <p:nvSpPr>
+          <p:cNvPr id="10" name="TextBox 9"/>
+          <p:cNvSpPr txBox="1"/>
+          <p:nvPr/>
+        </p:nvSpPr>
+        <p:spPr>
+          <a:xfrm>
+            <a:off x="1064568" y="2645242"/>
+            <a:ext cx="936104" cy="261610"/>
+          </a:xfrm>
+          <a:prstGeom prst="rect">
+            <a:avLst/>
+          </a:prstGeom>
+          <a:noFill/>
+        </p:spPr>
+        <p:txBody>
+          <a:bodyPr wrap="square" rtlCol="0">
+            <a:spAutoFit/>
+          </a:bodyPr>
+          <a:lstStyle/>
+          <a:p>
+            <a:r>
+              <a:rPr lang="en-US" altLang="ko-KR" sz="1100" dirty="0" smtClean="0"/>
+              <a:t>3. </a:t>
+            </a:r>
+            <a:r>
+              <a:rPr lang="ko-KR" altLang="en-US" sz="1100" dirty="0" err="1" smtClean="0"/>
+              <a:t>리워</a:t>
+            </a:r>
+            <a:r>
+              <a:rPr lang="ko-KR" altLang="en-US" sz="1100" dirty="0" err="1"/>
+              <a:t>드</a:t>
+            </a:r>
+            <a:endParaRPr lang="ko-KR" altLang="en-US" sz="1100" dirty="0"/>
+          </a:p>
+        </p:txBody>
+      </p:sp>
+      <p:sp>
+        <p:nvSpPr>
+          <p:cNvPr id="11" name="TextBox 10"/>
+          <p:cNvSpPr txBox="1"/>
+          <p:nvPr/>
+        </p:nvSpPr>
+        <p:spPr>
+          <a:xfrm>
+            <a:off x="1062336" y="2924437"/>
+            <a:ext cx="1586408" cy="261610"/>
+          </a:xfrm>
+          <a:prstGeom prst="rect">
+            <a:avLst/>
+          </a:prstGeom>
+          <a:noFill/>
+        </p:spPr>
+        <p:txBody>
+          <a:bodyPr wrap="square" rtlCol="0">
+            <a:spAutoFit/>
+          </a:bodyPr>
+          <a:lstStyle/>
+          <a:p>
+            <a:r>
+              <a:rPr lang="en-US" altLang="ko-KR" sz="1100" dirty="0"/>
+              <a:t>4</a:t>
+            </a:r>
+            <a:r>
+              <a:rPr lang="en-US" altLang="ko-KR" sz="1100" dirty="0" smtClean="0"/>
+              <a:t>. </a:t>
+            </a:r>
+            <a:r>
+              <a:rPr lang="ko-KR" altLang="en-US" sz="1100" dirty="0" smtClean="0"/>
+              <a:t>제작자</a:t>
+            </a:r>
+            <a:r>
+              <a:rPr lang="en-US" altLang="ko-KR" sz="1100" dirty="0" smtClean="0"/>
+              <a:t>/</a:t>
+            </a:r>
+            <a:r>
+              <a:rPr lang="ko-KR" altLang="en-US" sz="1100" dirty="0" smtClean="0"/>
+              <a:t>부가정보</a:t>
+            </a:r>
+            <a:endParaRPr lang="ko-KR" altLang="en-US" sz="1100" dirty="0"/>
+          </a:p>
+        </p:txBody>
+      </p:sp>
+      <p:sp>
+        <p:nvSpPr>
+          <p:cNvPr id="4" name="직사각형 3"/>
+          <p:cNvSpPr/>
+          <p:nvPr/>
+        </p:nvSpPr>
+        <p:spPr>
+          <a:xfrm>
+            <a:off x="827512" y="1766410"/>
+            <a:ext cx="1533200" cy="1419637"/>
+          </a:xfrm>
+          <a:prstGeom prst="rect">
+            <a:avLst/>
+          </a:prstGeom>
+          <a:noFill/>
+          <a:ln>
+            <a:solidFill>
+              <a:schemeClr val="tx1"/>
+            </a:solidFill>
+          </a:ln>
+        </p:spPr>
+        <p:style>
+          <a:lnRef idx="2">
+            <a:schemeClr val="accent1">
+              <a:shade val="50000"/>
+            </a:schemeClr>
+          </a:lnRef>
+          <a:fillRef idx="1">
+            <a:schemeClr val="accent1"/>
+          </a:fillRef>
+          <a:effectRef idx="0">
+            <a:schemeClr val="accent1"/>
+          </a:effectRef>
+          <a:fontRef idx="minor">
+            <a:schemeClr val="lt1"/>
+          </a:fontRef>
+        </p:style>
+        <p:txBody>
+          <a:bodyPr rtlCol="0" anchor="ctr"/>
+          <a:lstStyle/>
+          <a:p>
+            <a:pPr algn="ctr"/>
+            <a:endParaRPr lang="ko-KR" altLang="en-US"/>
+          </a:p>
+        </p:txBody>
+      </p:sp>
+      <p:sp>
+        <p:nvSpPr>
+          <p:cNvPr id="6" name="직사각형 5"/>
+          <p:cNvSpPr/>
+          <p:nvPr/>
+        </p:nvSpPr>
+        <p:spPr>
+          <a:xfrm>
+            <a:off x="711988" y="1520570"/>
+            <a:ext cx="234824" cy="216024"/>
+          </a:xfrm>
+          <a:prstGeom prst="rect">
+            <a:avLst/>
+          </a:prstGeom>
+          <a:solidFill>
+            <a:srgbClr val="FF0000"/>
+          </a:solidFill>
+          <a:ln>
+            <a:solidFill>
+              <a:schemeClr val="tx1"/>
+            </a:solidFill>
+          </a:ln>
+        </p:spPr>
+        <p:style>
+          <a:lnRef idx="2">
+            <a:schemeClr val="accent1">
+              <a:shade val="50000"/>
+            </a:schemeClr>
+          </a:lnRef>
+          <a:fillRef idx="1">
+            <a:schemeClr val="accent1"/>
+          </a:fillRef>
+          <a:effectRef idx="0">
+            <a:schemeClr val="accent1"/>
+          </a:effectRef>
+          <a:fontRef idx="minor">
+            <a:schemeClr val="lt1"/>
+          </a:fontRef>
+        </p:style>
+        <p:txBody>
+          <a:bodyPr rtlCol="0" anchor="ctr"/>
+          <a:lstStyle/>
+          <a:p>
+            <a:pPr algn="ctr"/>
+            <a:r>
+              <a:rPr lang="en-US" altLang="ko-KR" sz="1200" dirty="0" smtClean="0">
+                <a:solidFill>
+                  <a:schemeClr val="tx1"/>
+                </a:solidFill>
+              </a:rPr>
+              <a:t>1</a:t>
+            </a:r>
+            <a:endParaRPr lang="ko-KR" altLang="en-US" sz="1200" dirty="0">
+              <a:solidFill>
+                <a:schemeClr val="tx1"/>
+              </a:solidFill>
+            </a:endParaRPr>
+          </a:p>
+        </p:txBody>
+      </p:sp>
+      <p:sp>
+        <p:nvSpPr>
+          <p:cNvPr id="7" name="TextBox 6"/>
+          <p:cNvSpPr txBox="1"/>
+          <p:nvPr/>
+        </p:nvSpPr>
+        <p:spPr>
+          <a:xfrm>
+            <a:off x="2936776" y="1704854"/>
+            <a:ext cx="3384376" cy="415498"/>
+          </a:xfrm>
+          <a:prstGeom prst="rect">
+            <a:avLst/>
+          </a:prstGeom>
+          <a:noFill/>
+        </p:spPr>
+        <p:txBody>
+          <a:bodyPr wrap="square" rtlCol="0">
+            <a:spAutoFit/>
+          </a:bodyPr>
+          <a:lstStyle/>
+          <a:p>
+            <a:r>
+              <a:rPr lang="ko-KR" altLang="en-US" sz="1200" dirty="0" smtClean="0"/>
+              <a:t>프로젝트 소개 영상과 이미지를 등록해주세요</a:t>
+            </a:r>
+            <a:endParaRPr lang="en-US" altLang="ko-KR" sz="1200" dirty="0" smtClean="0"/>
+          </a:p>
+          <a:p>
+            <a:r>
+              <a:rPr lang="ko-KR" altLang="en-US" sz="900" dirty="0" smtClean="0"/>
+              <a:t>영상과 이미지를 함께 등록할 경우</a:t>
+            </a:r>
+            <a:r>
+              <a:rPr lang="en-US" altLang="ko-KR" sz="900" dirty="0" smtClean="0"/>
+              <a:t>, </a:t>
+            </a:r>
+            <a:r>
+              <a:rPr lang="ko-KR" altLang="en-US" sz="900" dirty="0" smtClean="0"/>
+              <a:t>영상이 먼저 보여집니다</a:t>
+            </a:r>
+            <a:r>
+              <a:rPr lang="en-US" altLang="ko-KR" sz="900" dirty="0" smtClean="0"/>
+              <a:t>.</a:t>
+            </a:r>
+            <a:endParaRPr lang="ko-KR" altLang="en-US" sz="900" dirty="0"/>
+          </a:p>
+        </p:txBody>
+      </p:sp>
+      <p:sp>
+        <p:nvSpPr>
+          <p:cNvPr id="16" name="TextBox 15"/>
+          <p:cNvSpPr txBox="1"/>
+          <p:nvPr/>
+        </p:nvSpPr>
+        <p:spPr>
+          <a:xfrm>
+            <a:off x="3008784" y="2199229"/>
+            <a:ext cx="3384376" cy="276999"/>
+          </a:xfrm>
+          <a:prstGeom prst="rect">
+            <a:avLst/>
+          </a:prstGeom>
+          <a:noFill/>
+        </p:spPr>
+        <p:txBody>
+          <a:bodyPr wrap="square" rtlCol="0">
+            <a:spAutoFit/>
+          </a:bodyPr>
+          <a:lstStyle/>
+          <a:p>
+            <a:r>
+              <a:rPr lang="ko-KR" altLang="en-US" sz="1200" dirty="0" smtClean="0"/>
+              <a:t>동영상 주소를 적어주세요</a:t>
+            </a:r>
+            <a:endParaRPr lang="ko-KR" altLang="en-US" sz="1200" dirty="0"/>
+          </a:p>
+        </p:txBody>
+      </p:sp>
+      <p:sp>
+        <p:nvSpPr>
+          <p:cNvPr id="17" name="직사각형 16"/>
+          <p:cNvSpPr/>
+          <p:nvPr/>
+        </p:nvSpPr>
+        <p:spPr>
+          <a:xfrm>
+            <a:off x="3009492" y="2482181"/>
+            <a:ext cx="2375556" cy="317612"/>
+          </a:xfrm>
+          <a:prstGeom prst="rect">
+            <a:avLst/>
+          </a:prstGeom>
+          <a:noFill/>
+          <a:ln>
+            <a:solidFill>
+              <a:schemeClr val="tx1"/>
+            </a:solidFill>
+          </a:ln>
+        </p:spPr>
+        <p:style>
+          <a:lnRef idx="2">
+            <a:schemeClr val="accent1">
+              <a:shade val="50000"/>
+            </a:schemeClr>
+          </a:lnRef>
+          <a:fillRef idx="1">
+            <a:schemeClr val="accent1"/>
+          </a:fillRef>
+          <a:effectRef idx="0">
+            <a:schemeClr val="accent1"/>
+          </a:effectRef>
+          <a:fontRef idx="minor">
+            <a:schemeClr val="lt1"/>
+          </a:fontRef>
+        </p:style>
+        <p:txBody>
+          <a:bodyPr rtlCol="0" anchor="ctr"/>
+          <a:lstStyle/>
+          <a:p>
+            <a:pPr algn="ctr"/>
+            <a:r>
+              <a:rPr lang="en-US" altLang="ko-KR" sz="1000" dirty="0" smtClean="0">
+                <a:solidFill>
+                  <a:schemeClr val="tx1"/>
+                </a:solidFill>
+              </a:rPr>
+              <a:t>YouTube</a:t>
+            </a:r>
+            <a:r>
+              <a:rPr lang="ko-KR" altLang="en-US" sz="1000" dirty="0" smtClean="0">
+                <a:solidFill>
+                  <a:schemeClr val="tx1"/>
+                </a:solidFill>
+              </a:rPr>
+              <a:t>주소를 입력해주세</a:t>
+            </a:r>
+            <a:r>
+              <a:rPr lang="ko-KR" altLang="en-US" sz="1000" dirty="0">
+                <a:solidFill>
+                  <a:schemeClr val="tx1"/>
+                </a:solidFill>
+              </a:rPr>
+              <a:t>요</a:t>
+            </a:r>
+          </a:p>
+        </p:txBody>
+      </p:sp>
+      <p:sp>
+        <p:nvSpPr>
+          <p:cNvPr id="18" name="TextBox 17"/>
+          <p:cNvSpPr txBox="1"/>
+          <p:nvPr/>
+        </p:nvSpPr>
+        <p:spPr>
+          <a:xfrm>
+            <a:off x="3008784" y="2924944"/>
+            <a:ext cx="3384376" cy="276999"/>
+          </a:xfrm>
+          <a:prstGeom prst="rect">
+            <a:avLst/>
+          </a:prstGeom>
+          <a:noFill/>
+        </p:spPr>
+        <p:txBody>
+          <a:bodyPr wrap="square" rtlCol="0">
+            <a:spAutoFit/>
+          </a:bodyPr>
+          <a:lstStyle/>
+          <a:p>
+            <a:r>
+              <a:rPr lang="ko-KR" altLang="en-US" sz="1200" dirty="0" smtClean="0"/>
+              <a:t>이미지를 등록해주세요</a:t>
+            </a:r>
+            <a:endParaRPr lang="ko-KR" altLang="en-US" sz="1200" dirty="0"/>
+          </a:p>
+        </p:txBody>
+      </p:sp>
+      <p:sp>
+        <p:nvSpPr>
+          <p:cNvPr id="28" name="직사각형 27"/>
+          <p:cNvSpPr/>
+          <p:nvPr/>
+        </p:nvSpPr>
+        <p:spPr>
+          <a:xfrm>
+            <a:off x="2840034" y="1520570"/>
+            <a:ext cx="234824" cy="216024"/>
+          </a:xfrm>
+          <a:prstGeom prst="rect">
+            <a:avLst/>
+          </a:prstGeom>
+          <a:solidFill>
+            <a:srgbClr val="FF0000"/>
+          </a:solidFill>
+          <a:ln>
+            <a:solidFill>
+              <a:schemeClr val="tx1"/>
+            </a:solidFill>
+          </a:ln>
+        </p:spPr>
+        <p:style>
+          <a:lnRef idx="2">
+            <a:schemeClr val="accent1">
+              <a:shade val="50000"/>
+            </a:schemeClr>
+          </a:lnRef>
+          <a:fillRef idx="1">
+            <a:schemeClr val="accent1"/>
+          </a:fillRef>
+          <a:effectRef idx="0">
+            <a:schemeClr val="accent1"/>
+          </a:effectRef>
+          <a:fontRef idx="minor">
+            <a:schemeClr val="lt1"/>
+          </a:fontRef>
+        </p:style>
+        <p:txBody>
+          <a:bodyPr rtlCol="0" anchor="ctr"/>
+          <a:lstStyle/>
+          <a:p>
+            <a:pPr algn="ctr"/>
+            <a:r>
+              <a:rPr lang="en-US" altLang="ko-KR" sz="1200" dirty="0">
+                <a:solidFill>
+                  <a:schemeClr val="tx1"/>
+                </a:solidFill>
+              </a:rPr>
+              <a:t>2</a:t>
+            </a:r>
+            <a:endParaRPr lang="ko-KR" altLang="en-US" sz="1200" dirty="0">
+              <a:solidFill>
+                <a:schemeClr val="tx1"/>
+              </a:solidFill>
+            </a:endParaRPr>
+          </a:p>
+        </p:txBody>
+      </p:sp>
+      <p:sp>
+        <p:nvSpPr>
+          <p:cNvPr id="12" name="직사각형 11"/>
+          <p:cNvSpPr/>
+          <p:nvPr/>
+        </p:nvSpPr>
+        <p:spPr>
+          <a:xfrm>
+            <a:off x="648072" y="1412776"/>
+            <a:ext cx="6105128" cy="5184576"/>
+          </a:xfrm>
+          <a:prstGeom prst="rect">
+            <a:avLst/>
+          </a:prstGeom>
+          <a:noFill/>
+          <a:ln>
+            <a:solidFill>
+              <a:schemeClr val="tx1"/>
+            </a:solidFill>
+          </a:ln>
+        </p:spPr>
+        <p:style>
+          <a:lnRef idx="2">
+            <a:schemeClr val="accent1">
+              <a:shade val="50000"/>
+            </a:schemeClr>
+          </a:lnRef>
+          <a:fillRef idx="1">
+            <a:schemeClr val="accent1"/>
+          </a:fillRef>
+          <a:effectRef idx="0">
+            <a:schemeClr val="accent1"/>
+          </a:effectRef>
+          <a:fontRef idx="minor">
+            <a:schemeClr val="lt1"/>
+          </a:fontRef>
+        </p:style>
+        <p:txBody>
+          <a:bodyPr rtlCol="0" anchor="ctr"/>
+          <a:lstStyle/>
+          <a:p>
+            <a:pPr algn="ctr"/>
+            <a:endParaRPr lang="ko-KR" altLang="en-US"/>
+          </a:p>
+        </p:txBody>
+      </p:sp>
+      <p:pic>
+        <p:nvPicPr>
+          <p:cNvPr id="2050" name="Picture 2" descr="C:\Users\ezen-033\Desktop\캡처.PNG"/>
+          <p:cNvPicPr>
+            <a:picLocks noChangeAspect="1" noChangeArrowheads="1"/>
+          </p:cNvPicPr>
+          <p:nvPr/>
+        </p:nvPicPr>
+        <p:blipFill>
+          <a:blip r:embed="rId3">
+            <a:extLst>
+              <a:ext uri="{28A0092B-C50C-407E-A947-70E740481C1C}">
+                <a14:useLocalDpi xmlns:a14="http://schemas.microsoft.com/office/drawing/2010/main" val="0"/>
+              </a:ext>
+            </a:extLst>
+          </a:blip>
+          <a:srcRect/>
+          <a:stretch>
+            <a:fillRect/>
+          </a:stretch>
+        </p:blipFill>
+        <p:spPr bwMode="auto">
+          <a:xfrm>
+            <a:off x="5452398" y="2473179"/>
+            <a:ext cx="265437" cy="301633"/>
+          </a:xfrm>
+          <a:prstGeom prst="rect">
+            <a:avLst/>
+          </a:prstGeom>
+          <a:noFill/>
+          <a:extLst>
+            <a:ext uri="{909E8E84-426E-40DD-AFC4-6F175D3DCCD1}">
+              <a14:hiddenFill xmlns:a14="http://schemas.microsoft.com/office/drawing/2010/main">
+                <a:solidFill>
+                  <a:srgbClr val="FFFFFF"/>
+                </a:solidFill>
+              </a14:hiddenFill>
+            </a:ext>
+          </a:extLst>
+        </p:spPr>
+      </p:pic>
+      <p:sp>
+        <p:nvSpPr>
+          <p:cNvPr id="30" name="직사각형 29"/>
+          <p:cNvSpPr/>
+          <p:nvPr/>
+        </p:nvSpPr>
+        <p:spPr>
+          <a:xfrm>
+            <a:off x="3009492" y="3284984"/>
+            <a:ext cx="1187778" cy="936104"/>
+          </a:xfrm>
+          <a:prstGeom prst="rect">
+            <a:avLst/>
+          </a:prstGeom>
+          <a:noFill/>
+          <a:ln>
+            <a:solidFill>
+              <a:schemeClr val="tx1"/>
+            </a:solidFill>
+          </a:ln>
+        </p:spPr>
+        <p:style>
+          <a:lnRef idx="2">
+            <a:schemeClr val="accent1">
+              <a:shade val="50000"/>
+            </a:schemeClr>
+          </a:lnRef>
+          <a:fillRef idx="1">
+            <a:schemeClr val="accent1"/>
+          </a:fillRef>
+          <a:effectRef idx="0">
+            <a:schemeClr val="accent1"/>
+          </a:effectRef>
+          <a:fontRef idx="minor">
+            <a:schemeClr val="lt1"/>
+          </a:fontRef>
+        </p:style>
+        <p:txBody>
+          <a:bodyPr rtlCol="0" anchor="ctr"/>
+          <a:lstStyle/>
+          <a:p>
+            <a:pPr algn="ctr"/>
+            <a:endParaRPr lang="ko-KR" altLang="en-US" sz="1000" dirty="0">
+              <a:solidFill>
+                <a:schemeClr val="tx1"/>
+              </a:solidFill>
+            </a:endParaRPr>
+          </a:p>
+        </p:txBody>
+      </p:sp>
+      <p:sp>
+        <p:nvSpPr>
+          <p:cNvPr id="31" name="직사각형 30"/>
+          <p:cNvSpPr/>
+          <p:nvPr/>
+        </p:nvSpPr>
+        <p:spPr>
+          <a:xfrm>
+            <a:off x="4426020" y="3284984"/>
+            <a:ext cx="1187778" cy="936104"/>
+          </a:xfrm>
+          <a:prstGeom prst="rect">
+            <a:avLst/>
+          </a:prstGeom>
+          <a:noFill/>
+          <a:ln>
+            <a:solidFill>
+              <a:schemeClr val="tx1"/>
+            </a:solidFill>
+          </a:ln>
+        </p:spPr>
+        <p:style>
+          <a:lnRef idx="2">
+            <a:schemeClr val="accent1">
+              <a:shade val="50000"/>
+            </a:schemeClr>
+          </a:lnRef>
+          <a:fillRef idx="1">
+            <a:schemeClr val="accent1"/>
+          </a:fillRef>
+          <a:effectRef idx="0">
+            <a:schemeClr val="accent1"/>
+          </a:effectRef>
+          <a:fontRef idx="minor">
+            <a:schemeClr val="lt1"/>
+          </a:fontRef>
+        </p:style>
+        <p:txBody>
+          <a:bodyPr rtlCol="0" anchor="ctr"/>
+          <a:lstStyle/>
+          <a:p>
+            <a:pPr algn="ctr"/>
+            <a:endParaRPr lang="ko-KR" altLang="en-US" sz="1000" dirty="0">
+              <a:solidFill>
+                <a:schemeClr val="tx1"/>
+              </a:solidFill>
+            </a:endParaRPr>
+          </a:p>
+        </p:txBody>
+      </p:sp>
+      <p:pic>
+        <p:nvPicPr>
+          <p:cNvPr id="2051" name="Picture 3" descr="C:\Users\ezen-033\Desktop\캡처.PNG"/>
+          <p:cNvPicPr>
+            <a:picLocks noChangeAspect="1" noChangeArrowheads="1"/>
+          </p:cNvPicPr>
+          <p:nvPr/>
+        </p:nvPicPr>
+        <p:blipFill>
+          <a:blip r:embed="rId4">
+            <a:extLst>
+              <a:ext uri="{28A0092B-C50C-407E-A947-70E740481C1C}">
+                <a14:useLocalDpi xmlns:a14="http://schemas.microsoft.com/office/drawing/2010/main" val="0"/>
+              </a:ext>
+            </a:extLst>
+          </a:blip>
+          <a:srcRect/>
+          <a:stretch>
+            <a:fillRect/>
+          </a:stretch>
+        </p:blipFill>
+        <p:spPr bwMode="auto">
+          <a:xfrm>
+            <a:off x="3190422" y="3452998"/>
+            <a:ext cx="825918" cy="600075"/>
+          </a:xfrm>
+          <a:prstGeom prst="rect">
+            <a:avLst/>
+          </a:prstGeom>
+          <a:noFill/>
+          <a:extLst>
+            <a:ext uri="{909E8E84-426E-40DD-AFC4-6F175D3DCCD1}">
+              <a14:hiddenFill xmlns:a14="http://schemas.microsoft.com/office/drawing/2010/main">
+                <a:solidFill>
+                  <a:srgbClr val="FFFFFF"/>
+                </a:solidFill>
+              </a14:hiddenFill>
+            </a:ext>
+          </a:extLst>
+        </p:spPr>
+      </p:pic>
+      <p:pic>
+        <p:nvPicPr>
+          <p:cNvPr id="2052" name="Picture 4" descr="C:\Users\ezen-033\Desktop\캡처.PNG"/>
+          <p:cNvPicPr>
+            <a:picLocks noChangeAspect="1" noChangeArrowheads="1"/>
+          </p:cNvPicPr>
+          <p:nvPr/>
+        </p:nvPicPr>
+        <p:blipFill>
+          <a:blip r:embed="rId5">
+            <a:extLst>
+              <a:ext uri="{28A0092B-C50C-407E-A947-70E740481C1C}">
+                <a14:useLocalDpi xmlns:a14="http://schemas.microsoft.com/office/drawing/2010/main" val="0"/>
+              </a:ext>
+            </a:extLst>
+          </a:blip>
+          <a:srcRect/>
+          <a:stretch>
+            <a:fillRect/>
+          </a:stretch>
+        </p:blipFill>
+        <p:spPr bwMode="auto">
+          <a:xfrm>
+            <a:off x="4691863" y="3514164"/>
+            <a:ext cx="542925" cy="447675"/>
+          </a:xfrm>
+          <a:prstGeom prst="rect">
+            <a:avLst/>
+          </a:prstGeom>
+          <a:noFill/>
+          <a:extLst>
+            <a:ext uri="{909E8E84-426E-40DD-AFC4-6F175D3DCCD1}">
+              <a14:hiddenFill xmlns:a14="http://schemas.microsoft.com/office/drawing/2010/main">
+                <a:solidFill>
+                  <a:srgbClr val="FFFFFF"/>
+                </a:solidFill>
+              </a14:hiddenFill>
+            </a:ext>
+          </a:extLst>
+        </p:spPr>
+      </p:pic>
+      <p:sp>
+        <p:nvSpPr>
+          <p:cNvPr id="34" name="직사각형 33"/>
+          <p:cNvSpPr/>
+          <p:nvPr/>
+        </p:nvSpPr>
+        <p:spPr>
+          <a:xfrm>
+            <a:off x="3008783" y="4653136"/>
+            <a:ext cx="2709051" cy="1368152"/>
+          </a:xfrm>
+          <a:prstGeom prst="rect">
+            <a:avLst/>
+          </a:prstGeom>
+          <a:noFill/>
+          <a:ln>
+            <a:solidFill>
+              <a:schemeClr val="tx1"/>
+            </a:solidFill>
+          </a:ln>
+        </p:spPr>
+        <p:style>
+          <a:lnRef idx="2">
+            <a:schemeClr val="accent1">
+              <a:shade val="50000"/>
+            </a:schemeClr>
+          </a:lnRef>
+          <a:fillRef idx="1">
+            <a:schemeClr val="accent1"/>
+          </a:fillRef>
+          <a:effectRef idx="0">
+            <a:schemeClr val="accent1"/>
+          </a:effectRef>
+          <a:fontRef idx="minor">
+            <a:schemeClr val="lt1"/>
+          </a:fontRef>
+        </p:style>
+        <p:txBody>
+          <a:bodyPr rtlCol="0" anchor="ctr"/>
+          <a:lstStyle/>
+          <a:p>
+            <a:pPr algn="ctr"/>
+            <a:endParaRPr lang="ko-KR" altLang="en-US" sz="1000" dirty="0">
+              <a:solidFill>
+                <a:schemeClr val="tx1"/>
+              </a:solidFill>
+            </a:endParaRPr>
+          </a:p>
+        </p:txBody>
+      </p:sp>
+      <p:sp>
+        <p:nvSpPr>
+          <p:cNvPr id="35" name="TextBox 34"/>
+          <p:cNvSpPr txBox="1"/>
+          <p:nvPr/>
+        </p:nvSpPr>
+        <p:spPr>
+          <a:xfrm>
+            <a:off x="3008784" y="4304129"/>
+            <a:ext cx="3384376" cy="276999"/>
+          </a:xfrm>
+          <a:prstGeom prst="rect">
+            <a:avLst/>
+          </a:prstGeom>
+          <a:noFill/>
+        </p:spPr>
+        <p:txBody>
+          <a:bodyPr wrap="square" rtlCol="0">
+            <a:spAutoFit/>
+          </a:bodyPr>
+          <a:lstStyle/>
+          <a:p>
+            <a:r>
+              <a:rPr lang="ko-KR" altLang="en-US" sz="1200" dirty="0" smtClean="0"/>
+              <a:t>프로젝트 스토리를 적어주세요</a:t>
+            </a:r>
+            <a:endParaRPr lang="ko-KR" altLang="en-US" sz="1200" dirty="0"/>
+          </a:p>
+        </p:txBody>
+      </p:sp>
+      <p:pic>
+        <p:nvPicPr>
+          <p:cNvPr id="2053" name="Picture 5" descr="C:\Users\ezen-033\Desktop\캡처.PNG"/>
+          <p:cNvPicPr>
+            <a:picLocks noChangeAspect="1" noChangeArrowheads="1"/>
+          </p:cNvPicPr>
+          <p:nvPr/>
+        </p:nvPicPr>
+        <p:blipFill>
+          <a:blip r:embed="rId6">
+            <a:extLst>
+              <a:ext uri="{28A0092B-C50C-407E-A947-70E740481C1C}">
+                <a14:useLocalDpi xmlns:a14="http://schemas.microsoft.com/office/drawing/2010/main" val="0"/>
+              </a:ext>
+            </a:extLst>
+          </a:blip>
+          <a:srcRect/>
+          <a:stretch>
+            <a:fillRect/>
+          </a:stretch>
+        </p:blipFill>
+        <p:spPr bwMode="auto">
+          <a:xfrm>
+            <a:off x="3008783" y="4653136"/>
+            <a:ext cx="2709051" cy="323850"/>
+          </a:xfrm>
+          <a:prstGeom prst="rect">
+            <a:avLst/>
+          </a:prstGeom>
+          <a:noFill/>
+          <a:extLst>
+            <a:ext uri="{909E8E84-426E-40DD-AFC4-6F175D3DCCD1}">
+              <a14:hiddenFill xmlns:a14="http://schemas.microsoft.com/office/drawing/2010/main">
+                <a:solidFill>
+                  <a:srgbClr val="FFFFFF"/>
+                </a:solidFill>
+              </a14:hiddenFill>
+            </a:ext>
+          </a:extLst>
+        </p:spPr>
+      </p:pic>
+    </p:spTree>
+    <p:extLst>
+      <p:ext uri="{BB962C8B-B14F-4D97-AF65-F5344CB8AC3E}">
+        <p14:creationId xmlns:p14="http://schemas.microsoft.com/office/powerpoint/2010/main" val="294868588"/>
+      </p:ext>
+    </p:extLst>
+  </p:cSld>
+  <p:clrMapOvr>
+    <a:masterClrMapping/>
+  </p:clrMapOvr>
+  <p:timing>
+    <p:tnLst>
+      <p:par>
+        <p:cTn id="1" dur="indefinite" restart="never" nodeType="tmRoot"/>
+      </p:par>
+    </p:tnLst>
+  </p:timing>
+</p:sld>
+</file>
+
+<file path=ppt/slides/slide4.xml><?xml version="1.0" encoding="utf-8"?>
+<p:sld xmlns:a="http://schemas.openxmlformats.org/drawingml/2006/main" xmlns:r="http://schemas.openxmlformats.org/officeDocument/2006/relationships" xmlns:p="http://schemas.openxmlformats.org/presentationml/2006/main">
+  <p:cSld>
+    <p:spTree>
+      <p:nvGrpSpPr>
+        <p:cNvPr id="1" name="Shape 90"/>
+        <p:cNvGrpSpPr/>
+        <p:nvPr/>
+      </p:nvGrpSpPr>
+      <p:grpSpPr>
+        <a:xfrm>
+          <a:off x="0" y="0"/>
+          <a:ext cx="0" cy="0"/>
+          <a:chOff x="0" y="0"/>
+          <a:chExt cx="0" cy="0"/>
+        </a:xfrm>
+      </p:grpSpPr>
+      <p:graphicFrame>
+        <p:nvGraphicFramePr>
+          <p:cNvPr id="92" name="Google Shape;92;g7c553259d1_0_3"/>
+          <p:cNvGraphicFramePr/>
+          <p:nvPr>
+            <p:extLst>
+              <p:ext uri="{D42A27DB-BD31-4B8C-83A1-F6EECF244321}">
+                <p14:modId xmlns:p14="http://schemas.microsoft.com/office/powerpoint/2010/main" val="3291220153"/>
+              </p:ext>
+            </p:extLst>
+          </p:nvPr>
+        </p:nvGraphicFramePr>
+        <p:xfrm>
+          <a:off x="106928" y="115759"/>
+          <a:ext cx="3001131" cy="1188750"/>
+        </p:xfrm>
+        <a:graphic>
+          <a:graphicData uri="http://schemas.openxmlformats.org/drawingml/2006/table">
+            <a:tbl>
+              <a:tblPr firstRow="1" bandRow="1">
+                <a:noFill/>
+              </a:tblPr>
+              <a:tblGrid>
+                <a:gridCol w="1258583"/>
+                <a:gridCol w="1742548"/>
+              </a:tblGrid>
+              <a:tr h="271225">
+                <a:tc>
+                  <a:txBody>
+                    <a:bodyPr/>
+                    <a:lstStyle/>
+                    <a:p>
+                      <a:pPr marL="0" marR="0" lvl="0" indent="0" algn="ctr" rtl="0">
+                        <a:lnSpc>
+                          <a:spcPct val="100000"/>
+                        </a:lnSpc>
+                        <a:spcBef>
+                          <a:spcPts val="0"/>
+                        </a:spcBef>
+                        <a:spcAft>
+                          <a:spcPts val="0"/>
+                        </a:spcAft>
+                        <a:buClr>
+                          <a:srgbClr val="000000"/>
+                        </a:buClr>
+                        <a:buSzPts val="1500"/>
+                        <a:buFont typeface="Arial"/>
+                        <a:buNone/>
+                      </a:pPr>
+                      <a:r>
+                        <a:rPr lang="ko-KR" sz="1500" b="0" u="none" strike="noStrike" cap="none" dirty="0">
+                          <a:solidFill>
+                            <a:schemeClr val="dk1"/>
+                          </a:solidFill>
+                        </a:rPr>
+                        <a:t>화면코드</a:t>
+                      </a:r>
+                      <a:endParaRPr sz="1500" b="0" u="none" strike="noStrike" cap="none" dirty="0">
+                        <a:solidFill>
+                          <a:schemeClr val="dk1"/>
+                        </a:solidFill>
+                      </a:endParaRPr>
+                    </a:p>
+                  </a:txBody>
+                  <a:tcPr marL="74304" marR="74304" marT="45725" marB="45725" anchor="ctr">
+                    <a:lnL w="12700" cap="flat" cmpd="sng">
+                      <a:solidFill>
+                        <a:schemeClr val="dk1"/>
+                      </a:solidFill>
+                      <a:prstDash val="solid"/>
+                      <a:round/>
+                      <a:headEnd type="none" w="sm" len="sm"/>
+                      <a:tailEnd type="none" w="sm" len="sm"/>
+                    </a:lnL>
+                    <a:lnR w="12700" cap="flat" cmpd="sng">
+                      <a:solidFill>
+                        <a:schemeClr val="dk1"/>
+                      </a:solidFill>
+                      <a:prstDash val="solid"/>
+                      <a:round/>
+                      <a:headEnd type="none" w="sm" len="sm"/>
+                      <a:tailEnd type="none" w="sm" len="sm"/>
+                    </a:lnR>
+                    <a:lnT w="12700" cap="flat" cmpd="sng">
+                      <a:solidFill>
+                        <a:schemeClr val="dk1"/>
+                      </a:solidFill>
+                      <a:prstDash val="solid"/>
+                      <a:round/>
+                      <a:headEnd type="none" w="sm" len="sm"/>
+                      <a:tailEnd type="none" w="sm" len="sm"/>
+                    </a:lnT>
+                    <a:lnB w="12700" cap="flat" cmpd="sng">
+                      <a:solidFill>
+                        <a:schemeClr val="dk1"/>
+                      </a:solidFill>
+                      <a:prstDash val="solid"/>
+                      <a:round/>
+                      <a:headEnd type="none" w="sm" len="sm"/>
+                      <a:tailEnd type="none" w="sm" len="sm"/>
+                    </a:lnB>
+                    <a:solidFill>
+                      <a:srgbClr val="D8D8D8"/>
+                    </a:solidFill>
+                  </a:tcPr>
+                </a:tc>
+                <a:tc>
+                  <a:txBody>
+                    <a:bodyPr/>
+                    <a:lstStyle/>
+                    <a:p>
+                      <a:pPr marL="0" marR="0" lvl="0" indent="0" algn="ctr" rtl="0">
+                        <a:lnSpc>
+                          <a:spcPct val="100000"/>
+                        </a:lnSpc>
+                        <a:spcBef>
+                          <a:spcPts val="0"/>
+                        </a:spcBef>
+                        <a:spcAft>
+                          <a:spcPts val="0"/>
+                        </a:spcAft>
+                        <a:buClr>
+                          <a:srgbClr val="000000"/>
+                        </a:buClr>
+                        <a:buSzPts val="1500"/>
+                        <a:buFont typeface="Arial"/>
+                        <a:buNone/>
+                      </a:pPr>
+                      <a:r>
+                        <a:rPr lang="en-US" altLang="ko-KR" sz="1500" b="0" u="none" strike="noStrike" cap="none" baseline="0" dirty="0" smtClean="0">
+                          <a:solidFill>
+                            <a:schemeClr val="dk1"/>
+                          </a:solidFill>
+                        </a:rPr>
+                        <a:t> HJ - </a:t>
+                      </a:r>
+                      <a:r>
+                        <a:rPr lang="en-US" sz="1500" b="0" u="none" strike="noStrike" cap="none" dirty="0" smtClean="0">
+                          <a:solidFill>
+                            <a:schemeClr val="dk1"/>
+                          </a:solidFill>
+                        </a:rPr>
+                        <a:t>P</a:t>
+                      </a:r>
+                      <a:r>
+                        <a:rPr lang="en-US" sz="1500" b="0" u="none" strike="noStrike" cap="none" baseline="0" dirty="0" smtClean="0">
+                          <a:solidFill>
+                            <a:schemeClr val="dk1"/>
+                          </a:solidFill>
+                        </a:rPr>
+                        <a:t> - 001</a:t>
+                      </a:r>
+                      <a:endParaRPr sz="1500" b="0" u="none" strike="noStrike" cap="none" dirty="0">
+                        <a:solidFill>
+                          <a:schemeClr val="dk1"/>
+                        </a:solidFill>
+                      </a:endParaRPr>
+                    </a:p>
+                  </a:txBody>
+                  <a:tcPr marL="74304" marR="74304" marT="45725" marB="45725" anchor="ctr">
+                    <a:lnL w="12700" cap="flat" cmpd="sng">
+                      <a:solidFill>
+                        <a:schemeClr val="dk1"/>
+                      </a:solidFill>
+                      <a:prstDash val="solid"/>
+                      <a:round/>
+                      <a:headEnd type="none" w="sm" len="sm"/>
+                      <a:tailEnd type="none" w="sm" len="sm"/>
+                    </a:lnL>
+                    <a:lnR w="12700" cap="flat" cmpd="sng">
+                      <a:solidFill>
+                        <a:schemeClr val="dk1"/>
+                      </a:solidFill>
+                      <a:prstDash val="solid"/>
+                      <a:round/>
+                      <a:headEnd type="none" w="sm" len="sm"/>
+                      <a:tailEnd type="none" w="sm" len="sm"/>
+                    </a:lnR>
+                    <a:lnT w="12700" cap="flat" cmpd="sng">
+                      <a:solidFill>
+                        <a:schemeClr val="dk1"/>
+                      </a:solidFill>
+                      <a:prstDash val="solid"/>
+                      <a:round/>
+                      <a:headEnd type="none" w="sm" len="sm"/>
+                      <a:tailEnd type="none" w="sm" len="sm"/>
+                    </a:lnT>
+                    <a:lnB w="12700" cap="flat" cmpd="sng">
+                      <a:solidFill>
+                        <a:schemeClr val="dk1"/>
+                      </a:solidFill>
+                      <a:prstDash val="solid"/>
+                      <a:round/>
+                      <a:headEnd type="none" w="sm" len="sm"/>
+                      <a:tailEnd type="none" w="sm" len="sm"/>
+                    </a:lnB>
+                    <a:solidFill>
+                      <a:schemeClr val="lt1"/>
+                    </a:solidFill>
+                  </a:tcPr>
+                </a:tc>
+              </a:tr>
+              <a:tr h="271225">
+                <a:tc rowSpan="2">
+                  <a:txBody>
+                    <a:bodyPr/>
+                    <a:lstStyle/>
+                    <a:p>
+                      <a:pPr marL="0" marR="0" lvl="0" indent="0" algn="ctr" rtl="0">
+                        <a:lnSpc>
+                          <a:spcPct val="100000"/>
+                        </a:lnSpc>
+                        <a:spcBef>
+                          <a:spcPts val="0"/>
+                        </a:spcBef>
+                        <a:spcAft>
+                          <a:spcPts val="0"/>
+                        </a:spcAft>
+                        <a:buClr>
+                          <a:srgbClr val="000000"/>
+                        </a:buClr>
+                        <a:buSzPts val="1500"/>
+                        <a:buFont typeface="Arial"/>
+                        <a:buNone/>
+                      </a:pPr>
+                      <a:r>
+                        <a:rPr lang="ko-KR" sz="1500" b="0" u="none" strike="noStrike" cap="none">
+                          <a:solidFill>
+                            <a:schemeClr val="dk1"/>
+                          </a:solidFill>
+                        </a:rPr>
+                        <a:t>화면명</a:t>
+                      </a:r>
+                      <a:endParaRPr sz="1500" b="0" u="none" strike="noStrike" cap="none">
+                        <a:solidFill>
+                          <a:schemeClr val="dk1"/>
+                        </a:solidFill>
+                      </a:endParaRPr>
+                    </a:p>
+                  </a:txBody>
+                  <a:tcPr marL="74304" marR="74304" marT="45725" marB="45725" anchor="ctr">
+                    <a:lnL w="12700" cap="flat" cmpd="sng">
+                      <a:solidFill>
+                        <a:schemeClr val="dk1"/>
+                      </a:solidFill>
+                      <a:prstDash val="solid"/>
+                      <a:round/>
+                      <a:headEnd type="none" w="sm" len="sm"/>
+                      <a:tailEnd type="none" w="sm" len="sm"/>
+                    </a:lnL>
+                    <a:lnR w="12700" cap="flat" cmpd="sng">
+                      <a:solidFill>
+                        <a:schemeClr val="dk1"/>
+                      </a:solidFill>
+                      <a:prstDash val="solid"/>
+                      <a:round/>
+                      <a:headEnd type="none" w="sm" len="sm"/>
+                      <a:tailEnd type="none" w="sm" len="sm"/>
+                    </a:lnR>
+                    <a:lnT w="12700" cap="flat" cmpd="sng">
+                      <a:solidFill>
+                        <a:schemeClr val="dk1"/>
+                      </a:solidFill>
+                      <a:prstDash val="solid"/>
+                      <a:round/>
+                      <a:headEnd type="none" w="sm" len="sm"/>
+                      <a:tailEnd type="none" w="sm" len="sm"/>
+                    </a:lnT>
+                    <a:lnB w="12700" cap="flat" cmpd="sng">
+                      <a:solidFill>
+                        <a:schemeClr val="dk1"/>
+                      </a:solidFill>
+                      <a:prstDash val="solid"/>
+                      <a:round/>
+                      <a:headEnd type="none" w="sm" len="sm"/>
+                      <a:tailEnd type="none" w="sm" len="sm"/>
+                    </a:lnB>
+                    <a:solidFill>
+                      <a:srgbClr val="D8D8D8"/>
+                    </a:solidFill>
+                  </a:tcPr>
+                </a:tc>
+                <a:tc>
+                  <a:txBody>
+                    <a:bodyPr/>
+                    <a:lstStyle/>
+                    <a:p>
+                      <a:pPr marL="0" marR="0" lvl="0" indent="0" algn="ctr" rtl="0">
+                        <a:lnSpc>
+                          <a:spcPct val="100000"/>
+                        </a:lnSpc>
+                        <a:spcBef>
+                          <a:spcPts val="0"/>
+                        </a:spcBef>
+                        <a:spcAft>
+                          <a:spcPts val="0"/>
+                        </a:spcAft>
+                        <a:buClr>
+                          <a:srgbClr val="000000"/>
+                        </a:buClr>
+                        <a:buSzPts val="1500"/>
+                        <a:buFont typeface="Arial"/>
+                        <a:buNone/>
+                      </a:pPr>
+                      <a:r>
+                        <a:rPr lang="ko-KR" altLang="en-US" sz="1500" b="0" u="none" strike="noStrike" cap="none" dirty="0" err="1" smtClean="0">
+                          <a:solidFill>
+                            <a:schemeClr val="dk1"/>
+                          </a:solidFill>
+                        </a:rPr>
+                        <a:t>메인화면</a:t>
+                      </a:r>
+                      <a:r>
+                        <a:rPr lang="en-US" altLang="ko-KR" sz="1500" b="0" u="none" strike="noStrike" cap="none" dirty="0" smtClean="0">
+                          <a:solidFill>
+                            <a:schemeClr val="dk1"/>
+                          </a:solidFill>
+                        </a:rPr>
+                        <a:t>(</a:t>
+                      </a:r>
+                      <a:r>
+                        <a:rPr lang="ko-KR" altLang="en-US" sz="1500" b="0" u="none" strike="noStrike" cap="none" dirty="0" smtClean="0">
+                          <a:solidFill>
+                            <a:schemeClr val="dk1"/>
+                          </a:solidFill>
+                        </a:rPr>
+                        <a:t>로그인 전</a:t>
+                      </a:r>
+                      <a:r>
+                        <a:rPr lang="en-US" altLang="ko-KR" sz="1500" b="0" u="none" strike="noStrike" cap="none" dirty="0" smtClean="0">
+                          <a:solidFill>
+                            <a:schemeClr val="dk1"/>
+                          </a:solidFill>
+                        </a:rPr>
+                        <a:t>)</a:t>
+                      </a:r>
+                      <a:endParaRPr sz="1500" b="0" u="none" strike="noStrike" cap="none" dirty="0">
+                        <a:solidFill>
+                          <a:schemeClr val="dk1"/>
+                        </a:solidFill>
+                      </a:endParaRPr>
+                    </a:p>
+                  </a:txBody>
+                  <a:tcPr marL="74304" marR="74304" marT="45725" marB="45725" anchor="ctr">
+                    <a:lnL w="12700" cap="flat" cmpd="sng">
+                      <a:solidFill>
+                        <a:schemeClr val="dk1"/>
+                      </a:solidFill>
+                      <a:prstDash val="solid"/>
+                      <a:round/>
+                      <a:headEnd type="none" w="sm" len="sm"/>
+                      <a:tailEnd type="none" w="sm" len="sm"/>
+                    </a:lnL>
+                    <a:lnR w="12700" cap="flat" cmpd="sng">
+                      <a:solidFill>
+                        <a:schemeClr val="dk1"/>
+                      </a:solidFill>
+                      <a:prstDash val="solid"/>
+                      <a:round/>
+                      <a:headEnd type="none" w="sm" len="sm"/>
+                      <a:tailEnd type="none" w="sm" len="sm"/>
+                    </a:lnR>
+                    <a:lnT w="12700" cap="flat" cmpd="sng">
+                      <a:solidFill>
+                        <a:schemeClr val="dk1"/>
+                      </a:solidFill>
+                      <a:prstDash val="solid"/>
+                      <a:round/>
+                      <a:headEnd type="none" w="sm" len="sm"/>
+                      <a:tailEnd type="none" w="sm" len="sm"/>
+                    </a:lnT>
+                    <a:lnB w="12700" cap="flat" cmpd="sng">
+                      <a:solidFill>
+                        <a:schemeClr val="dk1"/>
+                      </a:solidFill>
+                      <a:prstDash val="solid"/>
+                      <a:round/>
+                      <a:headEnd type="none" w="sm" len="sm"/>
+                      <a:tailEnd type="none" w="sm" len="sm"/>
+                    </a:lnB>
+                    <a:solidFill>
+                      <a:schemeClr val="lt1"/>
+                    </a:solidFill>
+                  </a:tcPr>
+                </a:tc>
+              </a:tr>
+              <a:tr h="271225">
+                <a:tc vMerge="1">
+                  <a:txBody>
+                    <a:bodyPr/>
+                    <a:lstStyle/>
+                    <a:p>
+                      <a:endParaRPr lang="ko-KR"/>
+                    </a:p>
+                  </a:txBody>
+                  <a:tcPr/>
+                </a:tc>
+                <a:tc>
+                  <a:txBody>
+                    <a:bodyPr/>
+                    <a:lstStyle/>
+                    <a:p>
+                      <a:pPr marL="0" marR="0" lvl="0" indent="0" algn="ctr" rtl="0">
+                        <a:lnSpc>
+                          <a:spcPct val="100000"/>
+                        </a:lnSpc>
+                        <a:spcBef>
+                          <a:spcPts val="0"/>
+                        </a:spcBef>
+                        <a:spcAft>
+                          <a:spcPts val="0"/>
+                        </a:spcAft>
+                        <a:buClr>
+                          <a:srgbClr val="000000"/>
+                        </a:buClr>
+                        <a:buSzPts val="1500"/>
+                        <a:buFont typeface="Arial"/>
+                        <a:buNone/>
+                      </a:pPr>
+                      <a:r>
+                        <a:rPr lang="ko-KR" altLang="en-US" sz="1500" b="0" u="none" strike="noStrike" cap="none" dirty="0" smtClean="0">
+                          <a:solidFill>
+                            <a:schemeClr val="dk1"/>
+                          </a:solidFill>
+                        </a:rPr>
+                        <a:t>데스크톱</a:t>
+                      </a:r>
+                      <a:endParaRPr sz="1500" b="0" u="none" strike="noStrike" cap="none" dirty="0">
+                        <a:solidFill>
+                          <a:schemeClr val="dk1"/>
+                        </a:solidFill>
+                      </a:endParaRPr>
+                    </a:p>
+                  </a:txBody>
+                  <a:tcPr marL="74304" marR="74304" marT="45725" marB="45725" anchor="ctr">
+                    <a:lnL w="12700" cap="flat" cmpd="sng">
+                      <a:solidFill>
+                        <a:schemeClr val="dk1"/>
+                      </a:solidFill>
+                      <a:prstDash val="solid"/>
+                      <a:round/>
+                      <a:headEnd type="none" w="sm" len="sm"/>
+                      <a:tailEnd type="none" w="sm" len="sm"/>
+                    </a:lnL>
+                    <a:lnR w="12700" cap="flat" cmpd="sng">
+                      <a:solidFill>
+                        <a:schemeClr val="dk1"/>
+                      </a:solidFill>
+                      <a:prstDash val="solid"/>
+                      <a:round/>
+                      <a:headEnd type="none" w="sm" len="sm"/>
+                      <a:tailEnd type="none" w="sm" len="sm"/>
+                    </a:lnR>
+                    <a:lnT w="12700" cap="flat" cmpd="sng">
+                      <a:solidFill>
+                        <a:schemeClr val="dk1"/>
+                      </a:solidFill>
+                      <a:prstDash val="solid"/>
+                      <a:round/>
+                      <a:headEnd type="none" w="sm" len="sm"/>
+                      <a:tailEnd type="none" w="sm" len="sm"/>
+                    </a:lnT>
+                    <a:lnB w="12700" cap="flat" cmpd="sng">
+                      <a:solidFill>
+                        <a:schemeClr val="dk1"/>
+                      </a:solidFill>
+                      <a:prstDash val="solid"/>
+                      <a:round/>
+                      <a:headEnd type="none" w="sm" len="sm"/>
+                      <a:tailEnd type="none" w="sm" len="sm"/>
+                    </a:lnB>
+                    <a:solidFill>
+                      <a:schemeClr val="lt1"/>
+                    </a:solidFill>
+                  </a:tcPr>
+                </a:tc>
+              </a:tr>
+            </a:tbl>
+          </a:graphicData>
+        </a:graphic>
+      </p:graphicFrame>
+      <p:graphicFrame>
+        <p:nvGraphicFramePr>
+          <p:cNvPr id="93" name="Google Shape;93;g7c553259d1_0_3"/>
+          <p:cNvGraphicFramePr/>
+          <p:nvPr/>
+        </p:nvGraphicFramePr>
+        <p:xfrm>
+          <a:off x="7563600" y="197403"/>
+          <a:ext cx="2287594" cy="320050"/>
+        </p:xfrm>
+        <a:graphic>
+          <a:graphicData uri="http://schemas.openxmlformats.org/drawingml/2006/table">
+            <a:tbl>
+              <a:tblPr firstRow="1" bandRow="1">
+                <a:noFill/>
+              </a:tblPr>
+              <a:tblGrid>
+                <a:gridCol w="1143797"/>
+                <a:gridCol w="1143797"/>
+              </a:tblGrid>
+              <a:tr h="265075">
+                <a:tc>
+                  <a:txBody>
+                    <a:bodyPr/>
+                    <a:lstStyle/>
+                    <a:p>
+                      <a:pPr marL="0" marR="0" lvl="0" indent="0" algn="ctr" rtl="0">
+                        <a:lnSpc>
+                          <a:spcPct val="100000"/>
+                        </a:lnSpc>
+                        <a:spcBef>
+                          <a:spcPts val="0"/>
+                        </a:spcBef>
+                        <a:spcAft>
+                          <a:spcPts val="0"/>
+                        </a:spcAft>
+                        <a:buClr>
+                          <a:srgbClr val="000000"/>
+                        </a:buClr>
+                        <a:buSzPts val="1500"/>
+                        <a:buFont typeface="Arial"/>
+                        <a:buNone/>
+                      </a:pPr>
+                      <a:r>
+                        <a:rPr lang="ko-KR" sz="1500" b="0" u="none" strike="noStrike" cap="none">
+                          <a:solidFill>
+                            <a:schemeClr val="dk1"/>
+                          </a:solidFill>
+                        </a:rPr>
+                        <a:t>화면 번호</a:t>
+                      </a:r>
+                      <a:endParaRPr sz="1500" b="0" u="none" strike="noStrike" cap="none">
+                        <a:solidFill>
+                          <a:schemeClr val="dk1"/>
+                        </a:solidFill>
+                      </a:endParaRPr>
+                    </a:p>
+                  </a:txBody>
+                  <a:tcPr marL="74304" marR="74304" marT="45725" marB="45725" anchor="ctr">
+                    <a:lnL w="12700" cap="flat" cmpd="sng">
+                      <a:solidFill>
+                        <a:schemeClr val="dk1"/>
+                      </a:solidFill>
+                      <a:prstDash val="solid"/>
+                      <a:round/>
+                      <a:headEnd type="none" w="sm" len="sm"/>
+                      <a:tailEnd type="none" w="sm" len="sm"/>
+                    </a:lnL>
+                    <a:lnR w="12700" cap="flat" cmpd="sng">
+                      <a:solidFill>
+                        <a:schemeClr val="dk1"/>
+                      </a:solidFill>
+                      <a:prstDash val="solid"/>
+                      <a:round/>
+                      <a:headEnd type="none" w="sm" len="sm"/>
+                      <a:tailEnd type="none" w="sm" len="sm"/>
+                    </a:lnR>
+                    <a:lnT w="12700" cap="flat" cmpd="sng">
+                      <a:solidFill>
+                        <a:schemeClr val="dk1"/>
+                      </a:solidFill>
+                      <a:prstDash val="solid"/>
+                      <a:round/>
+                      <a:headEnd type="none" w="sm" len="sm"/>
+                      <a:tailEnd type="none" w="sm" len="sm"/>
+                    </a:lnT>
+                    <a:lnB w="12700" cap="flat" cmpd="sng">
+                      <a:solidFill>
+                        <a:schemeClr val="dk1"/>
+                      </a:solidFill>
+                      <a:prstDash val="solid"/>
+                      <a:round/>
+                      <a:headEnd type="none" w="sm" len="sm"/>
+                      <a:tailEnd type="none" w="sm" len="sm"/>
+                    </a:lnB>
+                    <a:solidFill>
+                      <a:srgbClr val="D8D8D8"/>
+                    </a:solidFill>
+                  </a:tcPr>
+                </a:tc>
+                <a:tc>
+                  <a:txBody>
+                    <a:bodyPr/>
+                    <a:lstStyle/>
+                    <a:p>
+                      <a:pPr marL="0" marR="0" lvl="0" indent="0" algn="ctr" rtl="0">
+                        <a:lnSpc>
+                          <a:spcPct val="100000"/>
+                        </a:lnSpc>
+                        <a:spcBef>
+                          <a:spcPts val="0"/>
+                        </a:spcBef>
+                        <a:spcAft>
+                          <a:spcPts val="0"/>
+                        </a:spcAft>
+                        <a:buClr>
+                          <a:srgbClr val="000000"/>
+                        </a:buClr>
+                        <a:buSzPts val="1500"/>
+                        <a:buFont typeface="Arial"/>
+                        <a:buNone/>
+                      </a:pPr>
+                      <a:endParaRPr sz="1500" b="0" u="none" strike="noStrike" cap="none">
+                        <a:solidFill>
+                          <a:schemeClr val="dk1"/>
+                        </a:solidFill>
+                      </a:endParaRPr>
+                    </a:p>
+                  </a:txBody>
+                  <a:tcPr marL="74304" marR="74304" marT="45725" marB="45725" anchor="ctr">
+                    <a:lnL w="12700" cap="flat" cmpd="sng">
+                      <a:solidFill>
+                        <a:schemeClr val="dk1"/>
+                      </a:solidFill>
+                      <a:prstDash val="solid"/>
+                      <a:round/>
+                      <a:headEnd type="none" w="sm" len="sm"/>
+                      <a:tailEnd type="none" w="sm" len="sm"/>
+                    </a:lnL>
+                    <a:lnR w="12700" cap="flat" cmpd="sng">
+                      <a:solidFill>
+                        <a:schemeClr val="dk1"/>
+                      </a:solidFill>
+                      <a:prstDash val="solid"/>
+                      <a:round/>
+                      <a:headEnd type="none" w="sm" len="sm"/>
+                      <a:tailEnd type="none" w="sm" len="sm"/>
+                    </a:lnR>
+                    <a:lnT w="12700" cap="flat" cmpd="sng">
+                      <a:solidFill>
+                        <a:schemeClr val="dk1"/>
+                      </a:solidFill>
+                      <a:prstDash val="solid"/>
+                      <a:round/>
+                      <a:headEnd type="none" w="sm" len="sm"/>
+                      <a:tailEnd type="none" w="sm" len="sm"/>
+                    </a:lnT>
+                    <a:lnB w="12700" cap="flat" cmpd="sng">
+                      <a:solidFill>
+                        <a:schemeClr val="dk1"/>
+                      </a:solidFill>
+                      <a:prstDash val="solid"/>
+                      <a:round/>
+                      <a:headEnd type="none" w="sm" len="sm"/>
+                      <a:tailEnd type="none" w="sm" len="sm"/>
+                    </a:lnB>
+                    <a:solidFill>
+                      <a:schemeClr val="lt1"/>
+                    </a:solidFill>
+                  </a:tcPr>
+                </a:tc>
+              </a:tr>
+            </a:tbl>
+          </a:graphicData>
+        </a:graphic>
+      </p:graphicFrame>
+      <p:graphicFrame>
+        <p:nvGraphicFramePr>
+          <p:cNvPr id="94" name="Google Shape;94;g7c553259d1_0_3"/>
+          <p:cNvGraphicFramePr/>
+          <p:nvPr/>
+        </p:nvGraphicFramePr>
+        <p:xfrm>
+          <a:off x="5037570" y="197403"/>
+          <a:ext cx="2287594" cy="320050"/>
+        </p:xfrm>
+        <a:graphic>
+          <a:graphicData uri="http://schemas.openxmlformats.org/drawingml/2006/table">
+            <a:tbl>
+              <a:tblPr firstRow="1" bandRow="1">
+                <a:noFill/>
+              </a:tblPr>
+              <a:tblGrid>
+                <a:gridCol w="1143797"/>
+                <a:gridCol w="1143797"/>
+              </a:tblGrid>
+              <a:tr h="265075">
+                <a:tc>
+                  <a:txBody>
+                    <a:bodyPr/>
+                    <a:lstStyle/>
+                    <a:p>
+                      <a:pPr marL="0" marR="0" lvl="0" indent="0" algn="ctr" rtl="0">
+                        <a:lnSpc>
+                          <a:spcPct val="100000"/>
+                        </a:lnSpc>
+                        <a:spcBef>
+                          <a:spcPts val="0"/>
+                        </a:spcBef>
+                        <a:spcAft>
+                          <a:spcPts val="0"/>
+                        </a:spcAft>
+                        <a:buClr>
+                          <a:srgbClr val="000000"/>
+                        </a:buClr>
+                        <a:buSzPts val="1500"/>
+                        <a:buFont typeface="Arial"/>
+                        <a:buNone/>
+                      </a:pPr>
+                      <a:r>
+                        <a:rPr lang="ko-KR" sz="1500" b="0" u="none" strike="noStrike" cap="none">
+                          <a:solidFill>
+                            <a:schemeClr val="dk1"/>
+                          </a:solidFill>
+                        </a:rPr>
+                        <a:t>프로젝트</a:t>
+                      </a:r>
+                      <a:endParaRPr sz="1500" b="0" u="none" strike="noStrike" cap="none">
+                        <a:solidFill>
+                          <a:schemeClr val="dk1"/>
+                        </a:solidFill>
+                      </a:endParaRPr>
+                    </a:p>
+                  </a:txBody>
+                  <a:tcPr marL="74304" marR="74304" marT="45725" marB="45725" anchor="ctr">
+                    <a:lnL w="12700" cap="flat" cmpd="sng">
+                      <a:solidFill>
+                        <a:schemeClr val="dk1"/>
+                      </a:solidFill>
+                      <a:prstDash val="solid"/>
+                      <a:round/>
+                      <a:headEnd type="none" w="sm" len="sm"/>
+                      <a:tailEnd type="none" w="sm" len="sm"/>
+                    </a:lnL>
+                    <a:lnR w="12700" cap="flat" cmpd="sng">
+                      <a:solidFill>
+                        <a:schemeClr val="dk1"/>
+                      </a:solidFill>
+                      <a:prstDash val="solid"/>
+                      <a:round/>
+                      <a:headEnd type="none" w="sm" len="sm"/>
+                      <a:tailEnd type="none" w="sm" len="sm"/>
+                    </a:lnR>
+                    <a:lnT w="12700" cap="flat" cmpd="sng">
+                      <a:solidFill>
+                        <a:schemeClr val="dk1"/>
+                      </a:solidFill>
+                      <a:prstDash val="solid"/>
+                      <a:round/>
+                      <a:headEnd type="none" w="sm" len="sm"/>
+                      <a:tailEnd type="none" w="sm" len="sm"/>
+                    </a:lnT>
+                    <a:lnB w="12700" cap="flat" cmpd="sng">
+                      <a:solidFill>
+                        <a:schemeClr val="dk1"/>
+                      </a:solidFill>
+                      <a:prstDash val="solid"/>
+                      <a:round/>
+                      <a:headEnd type="none" w="sm" len="sm"/>
+                      <a:tailEnd type="none" w="sm" len="sm"/>
+                    </a:lnB>
+                    <a:solidFill>
+                      <a:srgbClr val="D8D8D8"/>
+                    </a:solidFill>
+                  </a:tcPr>
+                </a:tc>
+                <a:tc>
+                  <a:txBody>
+                    <a:bodyPr/>
+                    <a:lstStyle/>
+                    <a:p>
+                      <a:pPr marL="0" marR="0" lvl="0" indent="0" algn="ctr" rtl="0">
+                        <a:lnSpc>
+                          <a:spcPct val="100000"/>
+                        </a:lnSpc>
+                        <a:spcBef>
+                          <a:spcPts val="0"/>
+                        </a:spcBef>
+                        <a:spcAft>
+                          <a:spcPts val="0"/>
+                        </a:spcAft>
+                        <a:buClr>
+                          <a:srgbClr val="000000"/>
+                        </a:buClr>
+                        <a:buSzPts val="1500"/>
+                        <a:buFont typeface="Arial"/>
+                        <a:buNone/>
+                      </a:pPr>
+                      <a:endParaRPr sz="1500" b="0" u="none" strike="noStrike" cap="none">
+                        <a:solidFill>
+                          <a:schemeClr val="dk1"/>
+                        </a:solidFill>
+                      </a:endParaRPr>
+                    </a:p>
+                  </a:txBody>
+                  <a:tcPr marL="74304" marR="74304" marT="45725" marB="45725" anchor="ctr">
+                    <a:lnL w="12700" cap="flat" cmpd="sng">
+                      <a:solidFill>
+                        <a:schemeClr val="dk1"/>
+                      </a:solidFill>
+                      <a:prstDash val="solid"/>
+                      <a:round/>
+                      <a:headEnd type="none" w="sm" len="sm"/>
+                      <a:tailEnd type="none" w="sm" len="sm"/>
+                    </a:lnL>
+                    <a:lnR w="12700" cap="flat" cmpd="sng">
+                      <a:solidFill>
+                        <a:schemeClr val="dk1"/>
+                      </a:solidFill>
+                      <a:prstDash val="solid"/>
+                      <a:round/>
+                      <a:headEnd type="none" w="sm" len="sm"/>
+                      <a:tailEnd type="none" w="sm" len="sm"/>
+                    </a:lnR>
+                    <a:lnT w="12700" cap="flat" cmpd="sng">
+                      <a:solidFill>
+                        <a:schemeClr val="dk1"/>
+                      </a:solidFill>
+                      <a:prstDash val="solid"/>
+                      <a:round/>
+                      <a:headEnd type="none" w="sm" len="sm"/>
+                      <a:tailEnd type="none" w="sm" len="sm"/>
+                    </a:lnT>
+                    <a:lnB w="12700" cap="flat" cmpd="sng">
+                      <a:solidFill>
+                        <a:schemeClr val="dk1"/>
+                      </a:solidFill>
+                      <a:prstDash val="solid"/>
+                      <a:round/>
+                      <a:headEnd type="none" w="sm" len="sm"/>
+                      <a:tailEnd type="none" w="sm" len="sm"/>
+                    </a:lnB>
+                    <a:solidFill>
+                      <a:schemeClr val="lt1"/>
+                    </a:solidFill>
+                  </a:tcPr>
+                </a:tc>
+              </a:tr>
+            </a:tbl>
+          </a:graphicData>
+        </a:graphic>
+      </p:graphicFrame>
+      <p:graphicFrame>
+        <p:nvGraphicFramePr>
+          <p:cNvPr id="96" name="Google Shape;96;g7c553259d1_0_3"/>
+          <p:cNvGraphicFramePr/>
+          <p:nvPr>
+            <p:extLst>
+              <p:ext uri="{D42A27DB-BD31-4B8C-83A1-F6EECF244321}">
+                <p14:modId xmlns:p14="http://schemas.microsoft.com/office/powerpoint/2010/main" val="3264156805"/>
+              </p:ext>
+            </p:extLst>
+          </p:nvPr>
+        </p:nvGraphicFramePr>
+        <p:xfrm>
+          <a:off x="7185248" y="836712"/>
+          <a:ext cx="2398768" cy="1730122"/>
+        </p:xfrm>
+        <a:graphic>
+          <a:graphicData uri="http://schemas.openxmlformats.org/drawingml/2006/table">
+            <a:tbl>
+              <a:tblPr firstRow="1" bandRow="1">
+                <a:noFill/>
+              </a:tblPr>
+              <a:tblGrid>
+                <a:gridCol w="235426"/>
+                <a:gridCol w="2163342"/>
+              </a:tblGrid>
+              <a:tr h="286673">
+                <a:tc>
+                  <a:txBody>
+                    <a:bodyPr/>
+                    <a:lstStyle/>
+                    <a:p>
+                      <a:pPr marL="0" marR="0" lvl="0" indent="0" algn="ctr" rtl="0">
+                        <a:lnSpc>
+                          <a:spcPct val="100000"/>
+                        </a:lnSpc>
+                        <a:spcBef>
+                          <a:spcPts val="0"/>
+                        </a:spcBef>
+                        <a:spcAft>
+                          <a:spcPts val="0"/>
+                        </a:spcAft>
+                        <a:buClr>
+                          <a:srgbClr val="000000"/>
+                        </a:buClr>
+                        <a:buSzPts val="1500"/>
+                        <a:buFont typeface="Arial"/>
+                        <a:buNone/>
+                      </a:pPr>
+                      <a:r>
+                        <a:rPr lang="ko-KR" sz="1500" u="none" strike="noStrike" cap="none" dirty="0">
+                          <a:solidFill>
+                            <a:schemeClr val="dk1"/>
+                          </a:solidFill>
+                        </a:rPr>
+                        <a:t>#</a:t>
+                      </a:r>
+                      <a:endParaRPr sz="1500" u="none" strike="noStrike" cap="none" dirty="0">
+                        <a:solidFill>
+                          <a:schemeClr val="dk1"/>
+                        </a:solidFill>
+                      </a:endParaRPr>
+                    </a:p>
+                  </a:txBody>
+                  <a:tcPr marL="74304" marR="74304" marT="45725" marB="45725" anchor="ctr">
+                    <a:lnL w="12700" cap="flat" cmpd="sng">
+                      <a:solidFill>
+                        <a:schemeClr val="dk1"/>
+                      </a:solidFill>
+                      <a:prstDash val="solid"/>
+                      <a:round/>
+                      <a:headEnd type="none" w="sm" len="sm"/>
+                      <a:tailEnd type="none" w="sm" len="sm"/>
+                    </a:lnL>
+                    <a:lnR w="12700" cap="flat" cmpd="sng">
+                      <a:solidFill>
+                        <a:schemeClr val="dk1"/>
+                      </a:solidFill>
+                      <a:prstDash val="solid"/>
+                      <a:round/>
+                      <a:headEnd type="none" w="sm" len="sm"/>
+                      <a:tailEnd type="none" w="sm" len="sm"/>
+                    </a:lnR>
+                    <a:lnT w="12700" cap="flat" cmpd="sng">
+                      <a:solidFill>
+                        <a:schemeClr val="dk1"/>
+                      </a:solidFill>
+                      <a:prstDash val="solid"/>
+                      <a:round/>
+                      <a:headEnd type="none" w="sm" len="sm"/>
+                      <a:tailEnd type="none" w="sm" len="sm"/>
+                    </a:lnT>
+                    <a:lnB w="12700" cap="flat" cmpd="sng">
+                      <a:solidFill>
+                        <a:schemeClr val="dk1"/>
+                      </a:solidFill>
+                      <a:prstDash val="solid"/>
+                      <a:round/>
+                      <a:headEnd type="none" w="sm" len="sm"/>
+                      <a:tailEnd type="none" w="sm" len="sm"/>
+                    </a:lnB>
+                    <a:solidFill>
+                      <a:srgbClr val="D8D8D8"/>
+                    </a:solidFill>
+                  </a:tcPr>
+                </a:tc>
+                <a:tc>
+                  <a:txBody>
+                    <a:bodyPr/>
+                    <a:lstStyle/>
+                    <a:p>
+                      <a:pPr marL="0" marR="0" lvl="0" indent="0" algn="ctr" rtl="0">
+                        <a:lnSpc>
+                          <a:spcPct val="100000"/>
+                        </a:lnSpc>
+                        <a:spcBef>
+                          <a:spcPts val="0"/>
+                        </a:spcBef>
+                        <a:spcAft>
+                          <a:spcPts val="0"/>
+                        </a:spcAft>
+                        <a:buClr>
+                          <a:srgbClr val="000000"/>
+                        </a:buClr>
+                        <a:buSzPts val="1500"/>
+                        <a:buFont typeface="Arial"/>
+                        <a:buNone/>
+                      </a:pPr>
+                      <a:r>
+                        <a:rPr lang="ko-KR" sz="1500" u="none" strike="noStrike" cap="none" dirty="0" err="1">
+                          <a:solidFill>
+                            <a:schemeClr val="dk1"/>
+                          </a:solidFill>
+                        </a:rPr>
+                        <a:t>기능명</a:t>
+                      </a:r>
+                      <a:endParaRPr sz="1500" u="none" strike="noStrike" cap="none" dirty="0">
+                        <a:solidFill>
+                          <a:schemeClr val="dk1"/>
+                        </a:solidFill>
+                      </a:endParaRPr>
+                    </a:p>
+                  </a:txBody>
+                  <a:tcPr marL="74304" marR="74304" marT="45725" marB="45725" anchor="ctr">
+                    <a:lnL w="12700" cap="flat" cmpd="sng">
+                      <a:solidFill>
+                        <a:schemeClr val="dk1"/>
+                      </a:solidFill>
+                      <a:prstDash val="solid"/>
+                      <a:round/>
+                      <a:headEnd type="none" w="sm" len="sm"/>
+                      <a:tailEnd type="none" w="sm" len="sm"/>
+                    </a:lnL>
+                    <a:lnR w="12700" cap="flat" cmpd="sng">
+                      <a:solidFill>
+                        <a:schemeClr val="dk1"/>
+                      </a:solidFill>
+                      <a:prstDash val="solid"/>
+                      <a:round/>
+                      <a:headEnd type="none" w="sm" len="sm"/>
+                      <a:tailEnd type="none" w="sm" len="sm"/>
+                    </a:lnR>
+                    <a:lnT w="12700" cap="flat" cmpd="sng">
+                      <a:solidFill>
+                        <a:schemeClr val="dk1"/>
+                      </a:solidFill>
+                      <a:prstDash val="solid"/>
+                      <a:round/>
+                      <a:headEnd type="none" w="sm" len="sm"/>
+                      <a:tailEnd type="none" w="sm" len="sm"/>
+                    </a:lnT>
+                    <a:lnB w="12700" cap="flat" cmpd="sng">
+                      <a:solidFill>
+                        <a:schemeClr val="dk1"/>
+                      </a:solidFill>
+                      <a:prstDash val="solid"/>
+                      <a:round/>
+                      <a:headEnd type="none" w="sm" len="sm"/>
+                      <a:tailEnd type="none" w="sm" len="sm"/>
+                    </a:lnB>
+                    <a:solidFill>
+                      <a:srgbClr val="D8D8D8"/>
+                    </a:solidFill>
+                  </a:tcPr>
+                </a:tc>
+              </a:tr>
+              <a:tr h="328022">
+                <a:tc>
+                  <a:txBody>
+                    <a:bodyPr/>
+                    <a:lstStyle/>
+                    <a:p>
+                      <a:pPr marL="0" marR="0" lvl="0" indent="0" algn="ctr" rtl="0">
+                        <a:lnSpc>
+                          <a:spcPct val="100000"/>
+                        </a:lnSpc>
+                        <a:spcBef>
+                          <a:spcPts val="0"/>
+                        </a:spcBef>
+                        <a:spcAft>
+                          <a:spcPts val="0"/>
+                        </a:spcAft>
+                        <a:buClr>
+                          <a:srgbClr val="000000"/>
+                        </a:buClr>
+                        <a:buSzPts val="1500"/>
+                        <a:buFont typeface="Arial"/>
+                        <a:buNone/>
+                      </a:pPr>
+                      <a:r>
+                        <a:rPr lang="ko-KR" sz="1500" u="none" strike="noStrike" cap="none">
+                          <a:solidFill>
+                            <a:schemeClr val="dk1"/>
+                          </a:solidFill>
+                        </a:rPr>
+                        <a:t>1</a:t>
+                      </a:r>
+                      <a:endParaRPr sz="1500" u="none" strike="noStrike" cap="none">
+                        <a:solidFill>
+                          <a:schemeClr val="dk1"/>
+                        </a:solidFill>
+                      </a:endParaRPr>
+                    </a:p>
+                  </a:txBody>
+                  <a:tcPr marL="74304" marR="74304" marT="45725" marB="45725" anchor="ctr">
+                    <a:lnL w="12700" cap="flat" cmpd="sng">
+                      <a:solidFill>
+                        <a:schemeClr val="dk1"/>
+                      </a:solidFill>
+                      <a:prstDash val="solid"/>
+                      <a:round/>
+                      <a:headEnd type="none" w="sm" len="sm"/>
+                      <a:tailEnd type="none" w="sm" len="sm"/>
+                    </a:lnL>
+                    <a:lnR w="12700" cap="flat" cmpd="sng">
+                      <a:solidFill>
+                        <a:schemeClr val="dk1"/>
+                      </a:solidFill>
+                      <a:prstDash val="solid"/>
+                      <a:round/>
+                      <a:headEnd type="none" w="sm" len="sm"/>
+                      <a:tailEnd type="none" w="sm" len="sm"/>
+                    </a:lnR>
+                    <a:lnT w="12700" cap="flat" cmpd="sng">
+                      <a:solidFill>
+                        <a:schemeClr val="dk1"/>
+                      </a:solidFill>
+                      <a:prstDash val="solid"/>
+                      <a:round/>
+                      <a:headEnd type="none" w="sm" len="sm"/>
+                      <a:tailEnd type="none" w="sm" len="sm"/>
+                    </a:lnT>
+                    <a:lnB w="12700" cap="flat" cmpd="sng">
+                      <a:solidFill>
+                        <a:schemeClr val="dk1"/>
+                      </a:solidFill>
+                      <a:prstDash val="solid"/>
+                      <a:round/>
+                      <a:headEnd type="none" w="sm" len="sm"/>
+                      <a:tailEnd type="none" w="sm" len="sm"/>
+                    </a:lnB>
+                    <a:solidFill>
+                      <a:schemeClr val="lt1"/>
+                    </a:solidFill>
+                  </a:tcPr>
+                </a:tc>
+                <a:tc>
+                  <a:txBody>
+                    <a:bodyPr/>
+                    <a:lstStyle/>
+                    <a:p>
+                      <a:pPr marL="133350" marR="0" lvl="0" indent="0" algn="l" rtl="0">
+                        <a:lnSpc>
+                          <a:spcPct val="100000"/>
+                        </a:lnSpc>
+                        <a:spcBef>
+                          <a:spcPts val="0"/>
+                        </a:spcBef>
+                        <a:spcAft>
+                          <a:spcPts val="0"/>
+                        </a:spcAft>
+                        <a:buClr>
+                          <a:srgbClr val="000000"/>
+                        </a:buClr>
+                        <a:buSzPts val="1500"/>
+                        <a:buFont typeface="Arial"/>
+                        <a:buNone/>
+                        <a:tabLst/>
+                      </a:pPr>
+                      <a:r>
+                        <a:rPr lang="ko-KR" altLang="en-US" sz="1300" b="0" u="none" strike="noStrike" cap="none" dirty="0" smtClean="0"/>
+                        <a:t>현재 진행 상황 나타냄</a:t>
+                      </a:r>
+                      <a:endParaRPr sz="1300" b="0" u="none" strike="noStrike" cap="none" dirty="0"/>
+                    </a:p>
+                  </a:txBody>
+                  <a:tcPr marL="74304" marR="74304" marT="45725" marB="45725">
+                    <a:lnL w="12700" cap="flat" cmpd="sng">
+                      <a:solidFill>
+                        <a:schemeClr val="dk1"/>
+                      </a:solidFill>
+                      <a:prstDash val="solid"/>
+                      <a:round/>
+                      <a:headEnd type="none" w="sm" len="sm"/>
+                      <a:tailEnd type="none" w="sm" len="sm"/>
+                    </a:lnL>
+                    <a:lnR w="12700" cap="flat" cmpd="sng">
+                      <a:solidFill>
+                        <a:schemeClr val="dk1"/>
+                      </a:solidFill>
+                      <a:prstDash val="solid"/>
+                      <a:round/>
+                      <a:headEnd type="none" w="sm" len="sm"/>
+                      <a:tailEnd type="none" w="sm" len="sm"/>
+                    </a:lnR>
+                    <a:lnT w="12700" cap="flat" cmpd="sng">
+                      <a:solidFill>
+                        <a:schemeClr val="dk1"/>
+                      </a:solidFill>
+                      <a:prstDash val="solid"/>
+                      <a:round/>
+                      <a:headEnd type="none" w="sm" len="sm"/>
+                      <a:tailEnd type="none" w="sm" len="sm"/>
+                    </a:lnT>
+                    <a:lnB w="12700" cap="flat" cmpd="sng">
+                      <a:solidFill>
+                        <a:schemeClr val="dk1"/>
+                      </a:solidFill>
+                      <a:prstDash val="solid"/>
+                      <a:round/>
+                      <a:headEnd type="none" w="sm" len="sm"/>
+                      <a:tailEnd type="none" w="sm" len="sm"/>
+                    </a:lnB>
+                    <a:solidFill>
+                      <a:schemeClr val="lt1"/>
+                    </a:solidFill>
+                  </a:tcPr>
+                </a:tc>
+              </a:tr>
+              <a:tr h="819048">
+                <a:tc>
+                  <a:txBody>
+                    <a:bodyPr/>
+                    <a:lstStyle/>
+                    <a:p>
+                      <a:pPr marL="0" marR="0" lvl="0" indent="0" algn="ctr" rtl="0">
+                        <a:lnSpc>
+                          <a:spcPct val="100000"/>
+                        </a:lnSpc>
+                        <a:spcBef>
+                          <a:spcPts val="0"/>
+                        </a:spcBef>
+                        <a:spcAft>
+                          <a:spcPts val="0"/>
+                        </a:spcAft>
+                        <a:buClr>
+                          <a:srgbClr val="000000"/>
+                        </a:buClr>
+                        <a:buSzPts val="1500"/>
+                        <a:buFont typeface="Arial"/>
+                        <a:buNone/>
+                      </a:pPr>
+                      <a:r>
+                        <a:rPr lang="ko-KR" sz="1500" u="none" strike="noStrike" cap="none">
+                          <a:solidFill>
+                            <a:schemeClr val="dk1"/>
+                          </a:solidFill>
+                        </a:rPr>
+                        <a:t>2</a:t>
+                      </a:r>
+                      <a:endParaRPr sz="1500" u="none" strike="noStrike" cap="none">
+                        <a:solidFill>
+                          <a:schemeClr val="dk1"/>
+                        </a:solidFill>
+                      </a:endParaRPr>
+                    </a:p>
+                  </a:txBody>
+                  <a:tcPr marL="74304" marR="74304" marT="45725" marB="45725" anchor="ctr">
+                    <a:lnL w="12700" cap="flat" cmpd="sng">
+                      <a:solidFill>
+                        <a:schemeClr val="dk1"/>
+                      </a:solidFill>
+                      <a:prstDash val="solid"/>
+                      <a:round/>
+                      <a:headEnd type="none" w="sm" len="sm"/>
+                      <a:tailEnd type="none" w="sm" len="sm"/>
+                    </a:lnL>
+                    <a:lnR w="12700" cap="flat" cmpd="sng">
+                      <a:solidFill>
+                        <a:schemeClr val="dk1"/>
+                      </a:solidFill>
+                      <a:prstDash val="solid"/>
+                      <a:round/>
+                      <a:headEnd type="none" w="sm" len="sm"/>
+                      <a:tailEnd type="none" w="sm" len="sm"/>
+                    </a:lnR>
+                    <a:lnT w="12700" cap="flat" cmpd="sng">
+                      <a:solidFill>
+                        <a:schemeClr val="dk1"/>
+                      </a:solidFill>
+                      <a:prstDash val="solid"/>
+                      <a:round/>
+                      <a:headEnd type="none" w="sm" len="sm"/>
+                      <a:tailEnd type="none" w="sm" len="sm"/>
+                    </a:lnT>
+                    <a:lnB w="12700" cap="flat" cmpd="sng">
+                      <a:solidFill>
+                        <a:schemeClr val="dk1"/>
+                      </a:solidFill>
+                      <a:prstDash val="solid"/>
+                      <a:round/>
+                      <a:headEnd type="none" w="sm" len="sm"/>
+                      <a:tailEnd type="none" w="sm" len="sm"/>
+                    </a:lnB>
+                    <a:solidFill>
+                      <a:schemeClr val="lt1"/>
+                    </a:solidFill>
+                  </a:tcPr>
+                </a:tc>
+                <a:tc>
+                  <a:txBody>
+                    <a:bodyPr/>
+                    <a:lstStyle/>
+                    <a:p>
+                      <a:pPr marL="133350" marR="0" lvl="0" indent="0" algn="l" rtl="0">
+                        <a:lnSpc>
+                          <a:spcPct val="100000"/>
+                        </a:lnSpc>
+                        <a:spcBef>
+                          <a:spcPts val="0"/>
+                        </a:spcBef>
+                        <a:spcAft>
+                          <a:spcPts val="0"/>
+                        </a:spcAft>
+                        <a:buClr>
+                          <a:srgbClr val="000000"/>
+                        </a:buClr>
+                        <a:buSzPts val="1500"/>
+                        <a:buFont typeface="Arial"/>
+                        <a:buNone/>
+                      </a:pPr>
+                      <a:r>
+                        <a:rPr lang="ko-KR" altLang="en-US" sz="1300" b="0" u="none" strike="noStrike" cap="none" dirty="0" smtClean="0"/>
+                        <a:t>프로젝트를 만들기 위한 기본 정보를 수집</a:t>
+                      </a:r>
+                      <a:endParaRPr lang="en-US" altLang="ko-KR" sz="1300" b="0" u="none" strike="noStrike" cap="none" dirty="0" smtClean="0"/>
+                    </a:p>
+                    <a:p>
+                      <a:pPr marL="133350" marR="0" lvl="0" indent="0" algn="l" rtl="0">
+                        <a:lnSpc>
+                          <a:spcPct val="100000"/>
+                        </a:lnSpc>
+                        <a:spcBef>
+                          <a:spcPts val="0"/>
+                        </a:spcBef>
+                        <a:spcAft>
+                          <a:spcPts val="0"/>
+                        </a:spcAft>
+                        <a:buClr>
+                          <a:srgbClr val="000000"/>
+                        </a:buClr>
+                        <a:buSzPts val="1500"/>
+                        <a:buFont typeface="Arial"/>
+                        <a:buNone/>
+                      </a:pPr>
+                      <a:r>
+                        <a:rPr lang="en-US" sz="1300" b="0" u="none" strike="noStrike" cap="none" dirty="0" smtClean="0"/>
+                        <a:t>(</a:t>
+                      </a:r>
+                      <a:r>
+                        <a:rPr lang="ko-KR" altLang="en-US" sz="1300" b="0" u="none" strike="noStrike" cap="none" dirty="0" smtClean="0"/>
+                        <a:t>프로젝트 소개 영상</a:t>
+                      </a:r>
+                      <a:r>
+                        <a:rPr lang="en-US" altLang="ko-KR" sz="1300" b="0" u="none" strike="noStrike" cap="none" dirty="0" smtClean="0"/>
+                        <a:t>,</a:t>
+                      </a:r>
+                    </a:p>
+                    <a:p>
+                      <a:pPr marL="133350" marR="0" lvl="0" indent="0" algn="l" rtl="0">
+                        <a:lnSpc>
+                          <a:spcPct val="100000"/>
+                        </a:lnSpc>
+                        <a:spcBef>
+                          <a:spcPts val="0"/>
+                        </a:spcBef>
+                        <a:spcAft>
+                          <a:spcPts val="0"/>
+                        </a:spcAft>
+                        <a:buClr>
+                          <a:srgbClr val="000000"/>
+                        </a:buClr>
+                        <a:buSzPts val="1500"/>
+                        <a:buFont typeface="Arial"/>
+                        <a:buNone/>
+                      </a:pPr>
+                      <a:r>
+                        <a:rPr lang="ko-KR" altLang="en-US" sz="1300" b="0" u="none" strike="noStrike" cap="none" dirty="0" smtClean="0"/>
+                        <a:t>이미지</a:t>
+                      </a:r>
+                      <a:r>
+                        <a:rPr lang="en-US" altLang="ko-KR" sz="1300" b="0" u="none" strike="noStrike" cap="none" dirty="0" smtClean="0"/>
+                        <a:t>,</a:t>
+                      </a:r>
+                    </a:p>
+                    <a:p>
+                      <a:pPr marL="133350" marR="0" lvl="0" indent="0" algn="l" rtl="0">
+                        <a:lnSpc>
+                          <a:spcPct val="100000"/>
+                        </a:lnSpc>
+                        <a:spcBef>
+                          <a:spcPts val="0"/>
+                        </a:spcBef>
+                        <a:spcAft>
+                          <a:spcPts val="0"/>
+                        </a:spcAft>
+                        <a:buClr>
+                          <a:srgbClr val="000000"/>
+                        </a:buClr>
+                        <a:buSzPts val="1500"/>
+                        <a:buFont typeface="Arial"/>
+                        <a:buNone/>
+                      </a:pPr>
+                      <a:r>
+                        <a:rPr lang="ko-KR" altLang="en-US" sz="1300" b="0" u="none" strike="noStrike" cap="none" dirty="0" smtClean="0"/>
+                        <a:t>프로젝트의 스토리</a:t>
+                      </a:r>
+                      <a:r>
+                        <a:rPr lang="en-US" altLang="ko-KR" sz="1300" b="0" u="none" strike="noStrike" cap="none" dirty="0" smtClean="0"/>
+                        <a:t>)</a:t>
+                      </a:r>
+                    </a:p>
+                  </a:txBody>
+                  <a:tcPr marL="74304" marR="74304" marT="45725" marB="45725">
+                    <a:lnL w="12700" cap="flat" cmpd="sng">
+                      <a:solidFill>
+                        <a:schemeClr val="dk1"/>
+                      </a:solidFill>
+                      <a:prstDash val="solid"/>
+                      <a:round/>
+                      <a:headEnd type="none" w="sm" len="sm"/>
+                      <a:tailEnd type="none" w="sm" len="sm"/>
+                    </a:lnL>
+                    <a:lnR w="12700" cap="flat" cmpd="sng">
+                      <a:solidFill>
+                        <a:schemeClr val="dk1"/>
+                      </a:solidFill>
+                      <a:prstDash val="solid"/>
+                      <a:round/>
+                      <a:headEnd type="none" w="sm" len="sm"/>
+                      <a:tailEnd type="none" w="sm" len="sm"/>
+                    </a:lnR>
+                    <a:lnT w="12700" cap="flat" cmpd="sng">
+                      <a:solidFill>
+                        <a:schemeClr val="dk1"/>
+                      </a:solidFill>
+                      <a:prstDash val="solid"/>
+                      <a:round/>
+                      <a:headEnd type="none" w="sm" len="sm"/>
+                      <a:tailEnd type="none" w="sm" len="sm"/>
+                    </a:lnT>
+                    <a:lnB w="12700" cap="flat" cmpd="sng">
+                      <a:solidFill>
+                        <a:schemeClr val="dk1"/>
+                      </a:solidFill>
+                      <a:prstDash val="solid"/>
+                      <a:round/>
+                      <a:headEnd type="none" w="sm" len="sm"/>
+                      <a:tailEnd type="none" w="sm" len="sm"/>
+                    </a:lnB>
+                    <a:solidFill>
+                      <a:schemeClr val="lt1"/>
+                    </a:solidFill>
+                  </a:tcPr>
+                </a:tc>
+              </a:tr>
+            </a:tbl>
+          </a:graphicData>
+        </a:graphic>
+      </p:graphicFrame>
+      <p:cxnSp>
+        <p:nvCxnSpPr>
+          <p:cNvPr id="5" name="직선 연결선 4"/>
+          <p:cNvCxnSpPr/>
+          <p:nvPr/>
+        </p:nvCxnSpPr>
+        <p:spPr>
+          <a:xfrm>
+            <a:off x="2432720" y="1628800"/>
+            <a:ext cx="0" cy="4824536"/>
+          </a:xfrm>
+          <a:prstGeom prst="line">
+            <a:avLst/>
+          </a:prstGeom>
+        </p:spPr>
+        <p:style>
+          <a:lnRef idx="1">
+            <a:schemeClr val="accent1"/>
+          </a:lnRef>
+          <a:fillRef idx="0">
+            <a:schemeClr val="accent1"/>
+          </a:fillRef>
+          <a:effectRef idx="0">
+            <a:schemeClr val="accent1"/>
+          </a:effectRef>
+          <a:fontRef idx="minor">
+            <a:schemeClr val="tx1"/>
+          </a:fontRef>
+        </p:style>
+      </p:cxnSp>
+      <p:sp>
+        <p:nvSpPr>
+          <p:cNvPr id="2" name="TextBox 1"/>
+          <p:cNvSpPr txBox="1"/>
+          <p:nvPr/>
+        </p:nvSpPr>
+        <p:spPr>
+          <a:xfrm>
+            <a:off x="827512" y="1766410"/>
+            <a:ext cx="1080120" cy="246221"/>
+          </a:xfrm>
+          <a:prstGeom prst="rect">
+            <a:avLst/>
+          </a:prstGeom>
+          <a:noFill/>
+        </p:spPr>
+        <p:txBody>
+          <a:bodyPr wrap="square" rtlCol="0">
+            <a:spAutoFit/>
+          </a:bodyPr>
+          <a:lstStyle/>
+          <a:p>
+            <a:r>
+              <a:rPr lang="ko-KR" altLang="en-US" sz="1000" dirty="0" err="1" smtClean="0"/>
+              <a:t>프로젝트만들기</a:t>
+            </a:r>
+            <a:endParaRPr lang="ko-KR" altLang="en-US" sz="1000" dirty="0"/>
+          </a:p>
+        </p:txBody>
+      </p:sp>
+      <p:sp>
+        <p:nvSpPr>
+          <p:cNvPr id="3" name="TextBox 2"/>
+          <p:cNvSpPr txBox="1"/>
+          <p:nvPr/>
+        </p:nvSpPr>
+        <p:spPr>
+          <a:xfrm>
+            <a:off x="1064568" y="2130189"/>
+            <a:ext cx="936104" cy="261610"/>
+          </a:xfrm>
+          <a:prstGeom prst="rect">
+            <a:avLst/>
+          </a:prstGeom>
+          <a:noFill/>
+        </p:spPr>
+        <p:txBody>
+          <a:bodyPr wrap="square" rtlCol="0">
+            <a:spAutoFit/>
+          </a:bodyPr>
+          <a:lstStyle/>
+          <a:p>
+            <a:r>
+              <a:rPr lang="en-US" altLang="ko-KR" sz="1100" dirty="0" smtClean="0"/>
+              <a:t>1. </a:t>
+            </a:r>
+            <a:r>
+              <a:rPr lang="ko-KR" altLang="en-US" sz="1100" dirty="0" smtClean="0"/>
+              <a:t>기본정보</a:t>
+            </a:r>
+            <a:endParaRPr lang="ko-KR" altLang="en-US" sz="1100" dirty="0"/>
+          </a:p>
+        </p:txBody>
+      </p:sp>
+      <p:sp>
+        <p:nvSpPr>
+          <p:cNvPr id="9" name="TextBox 8"/>
+          <p:cNvSpPr txBox="1"/>
+          <p:nvPr/>
+        </p:nvSpPr>
+        <p:spPr>
+          <a:xfrm>
+            <a:off x="1064568" y="2391799"/>
+            <a:ext cx="936104" cy="261610"/>
+          </a:xfrm>
+          <a:prstGeom prst="rect">
+            <a:avLst/>
+          </a:prstGeom>
+          <a:noFill/>
+        </p:spPr>
+        <p:txBody>
+          <a:bodyPr wrap="square" rtlCol="0">
+            <a:spAutoFit/>
+          </a:bodyPr>
+          <a:lstStyle/>
+          <a:p>
+            <a:r>
+              <a:rPr lang="en-US" altLang="ko-KR" sz="1100" dirty="0" smtClean="0">
+                <a:solidFill>
+                  <a:srgbClr val="FF0000"/>
+                </a:solidFill>
+              </a:rPr>
+              <a:t>2. </a:t>
+            </a:r>
+            <a:r>
+              <a:rPr lang="ko-KR" altLang="en-US" sz="1100" dirty="0" smtClean="0">
+                <a:solidFill>
+                  <a:srgbClr val="FF0000"/>
+                </a:solidFill>
+              </a:rPr>
+              <a:t>스토리</a:t>
+            </a:r>
+            <a:endParaRPr lang="ko-KR" altLang="en-US" sz="1100" dirty="0">
+              <a:solidFill>
+                <a:srgbClr val="FF0000"/>
+              </a:solidFill>
+            </a:endParaRPr>
+          </a:p>
+        </p:txBody>
+      </p:sp>
+      <p:sp>
+        <p:nvSpPr>
+          <p:cNvPr id="10" name="TextBox 9"/>
+          <p:cNvSpPr txBox="1"/>
+          <p:nvPr/>
+        </p:nvSpPr>
+        <p:spPr>
+          <a:xfrm>
+            <a:off x="1064568" y="2645242"/>
+            <a:ext cx="936104" cy="261610"/>
+          </a:xfrm>
+          <a:prstGeom prst="rect">
+            <a:avLst/>
+          </a:prstGeom>
+          <a:noFill/>
+        </p:spPr>
+        <p:txBody>
+          <a:bodyPr wrap="square" rtlCol="0">
+            <a:spAutoFit/>
+          </a:bodyPr>
+          <a:lstStyle/>
+          <a:p>
+            <a:r>
+              <a:rPr lang="en-US" altLang="ko-KR" sz="1100" dirty="0" smtClean="0"/>
+              <a:t>3. </a:t>
+            </a:r>
+            <a:r>
+              <a:rPr lang="ko-KR" altLang="en-US" sz="1100" dirty="0" err="1" smtClean="0"/>
+              <a:t>리워</a:t>
+            </a:r>
+            <a:r>
+              <a:rPr lang="ko-KR" altLang="en-US" sz="1100" dirty="0" err="1"/>
+              <a:t>드</a:t>
+            </a:r>
+            <a:endParaRPr lang="ko-KR" altLang="en-US" sz="1100" dirty="0"/>
+          </a:p>
+        </p:txBody>
+      </p:sp>
+      <p:sp>
+        <p:nvSpPr>
+          <p:cNvPr id="11" name="TextBox 10"/>
+          <p:cNvSpPr txBox="1"/>
+          <p:nvPr/>
+        </p:nvSpPr>
+        <p:spPr>
+          <a:xfrm>
+            <a:off x="1062336" y="2924437"/>
+            <a:ext cx="1586408" cy="261610"/>
+          </a:xfrm>
+          <a:prstGeom prst="rect">
+            <a:avLst/>
+          </a:prstGeom>
+          <a:noFill/>
+        </p:spPr>
+        <p:txBody>
+          <a:bodyPr wrap="square" rtlCol="0">
+            <a:spAutoFit/>
+          </a:bodyPr>
+          <a:lstStyle/>
+          <a:p>
+            <a:r>
+              <a:rPr lang="en-US" altLang="ko-KR" sz="1100" dirty="0"/>
+              <a:t>4</a:t>
+            </a:r>
+            <a:r>
+              <a:rPr lang="en-US" altLang="ko-KR" sz="1100" dirty="0" smtClean="0"/>
+              <a:t>. </a:t>
+            </a:r>
+            <a:r>
+              <a:rPr lang="ko-KR" altLang="en-US" sz="1100" dirty="0" smtClean="0"/>
+              <a:t>제작자</a:t>
+            </a:r>
+            <a:r>
+              <a:rPr lang="en-US" altLang="ko-KR" sz="1100" dirty="0" smtClean="0"/>
+              <a:t>/</a:t>
+            </a:r>
+            <a:r>
+              <a:rPr lang="ko-KR" altLang="en-US" sz="1100" dirty="0" smtClean="0"/>
+              <a:t>부가정보</a:t>
+            </a:r>
+            <a:endParaRPr lang="ko-KR" altLang="en-US" sz="1100" dirty="0"/>
+          </a:p>
+        </p:txBody>
+      </p:sp>
+      <p:sp>
+        <p:nvSpPr>
+          <p:cNvPr id="4" name="직사각형 3"/>
+          <p:cNvSpPr/>
+          <p:nvPr/>
+        </p:nvSpPr>
+        <p:spPr>
+          <a:xfrm>
+            <a:off x="827512" y="1766410"/>
+            <a:ext cx="1533200" cy="1419637"/>
+          </a:xfrm>
+          <a:prstGeom prst="rect">
+            <a:avLst/>
+          </a:prstGeom>
+          <a:noFill/>
+          <a:ln>
+            <a:solidFill>
+              <a:schemeClr val="tx1"/>
+            </a:solidFill>
+          </a:ln>
+        </p:spPr>
+        <p:style>
+          <a:lnRef idx="2">
+            <a:schemeClr val="accent1">
+              <a:shade val="50000"/>
+            </a:schemeClr>
+          </a:lnRef>
+          <a:fillRef idx="1">
+            <a:schemeClr val="accent1"/>
+          </a:fillRef>
+          <a:effectRef idx="0">
+            <a:schemeClr val="accent1"/>
+          </a:effectRef>
+          <a:fontRef idx="minor">
+            <a:schemeClr val="lt1"/>
+          </a:fontRef>
+        </p:style>
+        <p:txBody>
+          <a:bodyPr rtlCol="0" anchor="ctr"/>
+          <a:lstStyle/>
+          <a:p>
+            <a:pPr algn="ctr"/>
+            <a:endParaRPr lang="ko-KR" altLang="en-US"/>
+          </a:p>
+        </p:txBody>
+      </p:sp>
+      <p:sp>
+        <p:nvSpPr>
+          <p:cNvPr id="6" name="직사각형 5"/>
+          <p:cNvSpPr/>
+          <p:nvPr/>
+        </p:nvSpPr>
+        <p:spPr>
+          <a:xfrm>
+            <a:off x="711988" y="1520570"/>
+            <a:ext cx="234824" cy="216024"/>
+          </a:xfrm>
+          <a:prstGeom prst="rect">
+            <a:avLst/>
+          </a:prstGeom>
+          <a:solidFill>
+            <a:srgbClr val="FF0000"/>
+          </a:solidFill>
+          <a:ln>
+            <a:solidFill>
+              <a:schemeClr val="tx1"/>
+            </a:solidFill>
+          </a:ln>
+        </p:spPr>
+        <p:style>
+          <a:lnRef idx="2">
+            <a:schemeClr val="accent1">
+              <a:shade val="50000"/>
+            </a:schemeClr>
+          </a:lnRef>
+          <a:fillRef idx="1">
+            <a:schemeClr val="accent1"/>
+          </a:fillRef>
+          <a:effectRef idx="0">
+            <a:schemeClr val="accent1"/>
+          </a:effectRef>
+          <a:fontRef idx="minor">
+            <a:schemeClr val="lt1"/>
+          </a:fontRef>
+        </p:style>
+        <p:txBody>
+          <a:bodyPr rtlCol="0" anchor="ctr"/>
+          <a:lstStyle/>
+          <a:p>
+            <a:pPr algn="ctr"/>
+            <a:r>
+              <a:rPr lang="en-US" altLang="ko-KR" sz="1200" dirty="0" smtClean="0">
+                <a:solidFill>
+                  <a:schemeClr val="tx1"/>
+                </a:solidFill>
+              </a:rPr>
+              <a:t>1</a:t>
+            </a:r>
+            <a:endParaRPr lang="ko-KR" altLang="en-US" sz="1200" dirty="0">
+              <a:solidFill>
+                <a:schemeClr val="tx1"/>
+              </a:solidFill>
+            </a:endParaRPr>
+          </a:p>
+        </p:txBody>
+      </p:sp>
+      <p:sp>
+        <p:nvSpPr>
+          <p:cNvPr id="7" name="TextBox 6"/>
+          <p:cNvSpPr txBox="1"/>
+          <p:nvPr/>
+        </p:nvSpPr>
+        <p:spPr>
+          <a:xfrm>
+            <a:off x="2936776" y="1783849"/>
+            <a:ext cx="2448272" cy="415498"/>
+          </a:xfrm>
+          <a:prstGeom prst="rect">
+            <a:avLst/>
+          </a:prstGeom>
+          <a:noFill/>
+        </p:spPr>
+        <p:txBody>
+          <a:bodyPr wrap="square" rtlCol="0">
+            <a:spAutoFit/>
+          </a:bodyPr>
+          <a:lstStyle/>
+          <a:p>
+            <a:r>
+              <a:rPr lang="ko-KR" altLang="en-US" sz="1200" dirty="0" smtClean="0"/>
+              <a:t>환불 및 교환 정책을 적어주세요</a:t>
+            </a:r>
+            <a:endParaRPr lang="en-US" altLang="ko-KR" sz="1200" dirty="0" smtClean="0"/>
+          </a:p>
+          <a:p>
+            <a:endParaRPr lang="ko-KR" altLang="en-US" sz="900" dirty="0"/>
+          </a:p>
+        </p:txBody>
+      </p:sp>
+      <p:sp>
+        <p:nvSpPr>
+          <p:cNvPr id="17" name="직사각형 16"/>
+          <p:cNvSpPr/>
+          <p:nvPr/>
+        </p:nvSpPr>
+        <p:spPr>
+          <a:xfrm>
+            <a:off x="2957446" y="2060848"/>
+            <a:ext cx="3147682" cy="4107123"/>
+          </a:xfrm>
+          <a:prstGeom prst="rect">
+            <a:avLst/>
+          </a:prstGeom>
+          <a:noFill/>
+          <a:ln>
+            <a:solidFill>
+              <a:schemeClr val="tx1"/>
+            </a:solidFill>
+          </a:ln>
+        </p:spPr>
+        <p:style>
+          <a:lnRef idx="2">
+            <a:schemeClr val="accent1">
+              <a:shade val="50000"/>
+            </a:schemeClr>
+          </a:lnRef>
+          <a:fillRef idx="1">
+            <a:schemeClr val="accent1"/>
+          </a:fillRef>
+          <a:effectRef idx="0">
+            <a:schemeClr val="accent1"/>
+          </a:effectRef>
+          <a:fontRef idx="minor">
+            <a:schemeClr val="lt1"/>
+          </a:fontRef>
+        </p:style>
+        <p:txBody>
+          <a:bodyPr rtlCol="0" anchor="ctr"/>
+          <a:lstStyle/>
+          <a:p>
+            <a:pPr algn="ctr"/>
+            <a:endParaRPr lang="ko-KR" altLang="en-US" sz="1000" dirty="0">
+              <a:solidFill>
+                <a:schemeClr val="tx1"/>
+              </a:solidFill>
+            </a:endParaRPr>
+          </a:p>
+        </p:txBody>
+      </p:sp>
+      <p:sp>
+        <p:nvSpPr>
+          <p:cNvPr id="28" name="직사각형 27"/>
+          <p:cNvSpPr/>
+          <p:nvPr/>
+        </p:nvSpPr>
+        <p:spPr>
+          <a:xfrm>
+            <a:off x="2840034" y="1520570"/>
+            <a:ext cx="234824" cy="216024"/>
+          </a:xfrm>
+          <a:prstGeom prst="rect">
+            <a:avLst/>
+          </a:prstGeom>
+          <a:solidFill>
+            <a:srgbClr val="FF0000"/>
+          </a:solidFill>
+          <a:ln>
+            <a:solidFill>
+              <a:schemeClr val="tx1"/>
+            </a:solidFill>
+          </a:ln>
+        </p:spPr>
+        <p:style>
+          <a:lnRef idx="2">
+            <a:schemeClr val="accent1">
+              <a:shade val="50000"/>
+            </a:schemeClr>
+          </a:lnRef>
+          <a:fillRef idx="1">
+            <a:schemeClr val="accent1"/>
+          </a:fillRef>
+          <a:effectRef idx="0">
+            <a:schemeClr val="accent1"/>
+          </a:effectRef>
+          <a:fontRef idx="minor">
+            <a:schemeClr val="lt1"/>
+          </a:fontRef>
+        </p:style>
+        <p:txBody>
+          <a:bodyPr rtlCol="0" anchor="ctr"/>
+          <a:lstStyle/>
+          <a:p>
+            <a:pPr algn="ctr"/>
+            <a:r>
+              <a:rPr lang="en-US" altLang="ko-KR" sz="1200" dirty="0">
+                <a:solidFill>
+                  <a:schemeClr val="tx1"/>
+                </a:solidFill>
+              </a:rPr>
+              <a:t>2</a:t>
+            </a:r>
+            <a:endParaRPr lang="ko-KR" altLang="en-US" sz="1200" dirty="0">
+              <a:solidFill>
+                <a:schemeClr val="tx1"/>
+              </a:solidFill>
+            </a:endParaRPr>
+          </a:p>
+        </p:txBody>
+      </p:sp>
+      <p:sp>
+        <p:nvSpPr>
+          <p:cNvPr id="12" name="직사각형 11"/>
+          <p:cNvSpPr/>
+          <p:nvPr/>
+        </p:nvSpPr>
+        <p:spPr>
+          <a:xfrm>
+            <a:off x="648072" y="1412776"/>
+            <a:ext cx="6105128" cy="5184576"/>
+          </a:xfrm>
+          <a:prstGeom prst="rect">
+            <a:avLst/>
+          </a:prstGeom>
+          <a:noFill/>
+          <a:ln>
+            <a:solidFill>
+              <a:schemeClr val="tx1"/>
+            </a:solidFill>
+          </a:ln>
+        </p:spPr>
+        <p:style>
+          <a:lnRef idx="2">
+            <a:schemeClr val="accent1">
+              <a:shade val="50000"/>
+            </a:schemeClr>
+          </a:lnRef>
+          <a:fillRef idx="1">
+            <a:schemeClr val="accent1"/>
+          </a:fillRef>
+          <a:effectRef idx="0">
+            <a:schemeClr val="accent1"/>
+          </a:effectRef>
+          <a:fontRef idx="minor">
+            <a:schemeClr val="lt1"/>
+          </a:fontRef>
+        </p:style>
+        <p:txBody>
+          <a:bodyPr rtlCol="0" anchor="ctr"/>
+          <a:lstStyle/>
+          <a:p>
+            <a:pPr algn="ctr"/>
+            <a:endParaRPr lang="ko-KR" altLang="en-US"/>
+          </a:p>
+        </p:txBody>
+      </p:sp>
+      <p:sp>
+        <p:nvSpPr>
+          <p:cNvPr id="29" name="TextBox 28"/>
+          <p:cNvSpPr txBox="1"/>
+          <p:nvPr/>
+        </p:nvSpPr>
+        <p:spPr>
+          <a:xfrm>
+            <a:off x="2981600" y="2197334"/>
+            <a:ext cx="2448272" cy="230832"/>
+          </a:xfrm>
+          <a:prstGeom prst="rect">
+            <a:avLst/>
+          </a:prstGeom>
+          <a:noFill/>
+        </p:spPr>
+        <p:txBody>
+          <a:bodyPr wrap="square" rtlCol="0">
+            <a:spAutoFit/>
+          </a:bodyPr>
+          <a:lstStyle/>
+          <a:p>
+            <a:r>
+              <a:rPr lang="ko-KR" altLang="en-US" sz="900" dirty="0" smtClean="0"/>
+              <a:t>진행자의 환불 및 교환 정책</a:t>
+            </a:r>
+            <a:endParaRPr lang="ko-KR" altLang="en-US" sz="900" dirty="0"/>
+          </a:p>
+        </p:txBody>
+      </p:sp>
+      <p:sp>
+        <p:nvSpPr>
+          <p:cNvPr id="32" name="직사각형 31"/>
+          <p:cNvSpPr/>
+          <p:nvPr/>
+        </p:nvSpPr>
+        <p:spPr>
+          <a:xfrm>
+            <a:off x="3074858" y="2486871"/>
+            <a:ext cx="2814246" cy="724907"/>
+          </a:xfrm>
+          <a:prstGeom prst="rect">
+            <a:avLst/>
+          </a:prstGeom>
+          <a:noFill/>
+          <a:ln>
+            <a:solidFill>
+              <a:schemeClr val="tx1"/>
+            </a:solidFill>
+          </a:ln>
+        </p:spPr>
+        <p:style>
+          <a:lnRef idx="2">
+            <a:schemeClr val="accent1">
+              <a:shade val="50000"/>
+            </a:schemeClr>
+          </a:lnRef>
+          <a:fillRef idx="1">
+            <a:schemeClr val="accent1"/>
+          </a:fillRef>
+          <a:effectRef idx="0">
+            <a:schemeClr val="accent1"/>
+          </a:effectRef>
+          <a:fontRef idx="minor">
+            <a:schemeClr val="lt1"/>
+          </a:fontRef>
+        </p:style>
+        <p:txBody>
+          <a:bodyPr rtlCol="0" anchor="ctr"/>
+          <a:lstStyle/>
+          <a:p>
+            <a:pPr algn="ctr"/>
+            <a:endParaRPr lang="ko-KR" altLang="en-US" sz="1000" dirty="0">
+              <a:solidFill>
+                <a:schemeClr val="tx1"/>
+              </a:solidFill>
+            </a:endParaRPr>
+          </a:p>
+        </p:txBody>
+      </p:sp>
+      <p:sp>
+        <p:nvSpPr>
+          <p:cNvPr id="33" name="TextBox 32"/>
+          <p:cNvSpPr txBox="1"/>
+          <p:nvPr/>
+        </p:nvSpPr>
+        <p:spPr>
+          <a:xfrm>
+            <a:off x="3012105" y="3312386"/>
+            <a:ext cx="2448272" cy="230832"/>
+          </a:xfrm>
+          <a:prstGeom prst="rect">
+            <a:avLst/>
+          </a:prstGeom>
+          <a:noFill/>
+        </p:spPr>
+        <p:txBody>
+          <a:bodyPr wrap="square" rtlCol="0">
+            <a:spAutoFit/>
+          </a:bodyPr>
+          <a:lstStyle/>
+          <a:p>
+            <a:r>
+              <a:rPr lang="ko-KR" altLang="en-US" sz="900" dirty="0" smtClean="0"/>
+              <a:t>문의 가능한 번호</a:t>
+            </a:r>
+            <a:endParaRPr lang="ko-KR" altLang="en-US" sz="900" dirty="0"/>
+          </a:p>
+        </p:txBody>
+      </p:sp>
+      <p:sp>
+        <p:nvSpPr>
+          <p:cNvPr id="36" name="직사각형 35"/>
+          <p:cNvSpPr/>
+          <p:nvPr/>
+        </p:nvSpPr>
+        <p:spPr>
+          <a:xfrm>
+            <a:off x="3074858" y="3643827"/>
+            <a:ext cx="2814246" cy="252028"/>
+          </a:xfrm>
+          <a:prstGeom prst="rect">
+            <a:avLst/>
+          </a:prstGeom>
+          <a:noFill/>
+          <a:ln>
+            <a:solidFill>
+              <a:schemeClr val="tx1"/>
+            </a:solidFill>
+          </a:ln>
+        </p:spPr>
+        <p:style>
+          <a:lnRef idx="2">
+            <a:schemeClr val="accent1">
+              <a:shade val="50000"/>
+            </a:schemeClr>
+          </a:lnRef>
+          <a:fillRef idx="1">
+            <a:schemeClr val="accent1"/>
+          </a:fillRef>
+          <a:effectRef idx="0">
+            <a:schemeClr val="accent1"/>
+          </a:effectRef>
+          <a:fontRef idx="minor">
+            <a:schemeClr val="lt1"/>
+          </a:fontRef>
+        </p:style>
+        <p:txBody>
+          <a:bodyPr rtlCol="0" anchor="ctr"/>
+          <a:lstStyle/>
+          <a:p>
+            <a:pPr algn="ctr"/>
+            <a:endParaRPr lang="ko-KR" altLang="en-US" sz="1000" dirty="0">
+              <a:solidFill>
+                <a:schemeClr val="tx1"/>
+              </a:solidFill>
+            </a:endParaRPr>
+          </a:p>
+        </p:txBody>
+      </p:sp>
+      <p:sp>
+        <p:nvSpPr>
+          <p:cNvPr id="37" name="TextBox 36"/>
+          <p:cNvSpPr txBox="1"/>
+          <p:nvPr/>
+        </p:nvSpPr>
+        <p:spPr>
+          <a:xfrm>
+            <a:off x="3012105" y="4114409"/>
+            <a:ext cx="2448272" cy="230832"/>
+          </a:xfrm>
+          <a:prstGeom prst="rect">
+            <a:avLst/>
+          </a:prstGeom>
+          <a:noFill/>
+        </p:spPr>
+        <p:txBody>
+          <a:bodyPr wrap="square" rtlCol="0">
+            <a:spAutoFit/>
+          </a:bodyPr>
+          <a:lstStyle/>
+          <a:p>
+            <a:r>
+              <a:rPr lang="ko-KR" altLang="en-US" sz="900" dirty="0" smtClean="0"/>
+              <a:t>문의 </a:t>
+            </a:r>
+            <a:r>
+              <a:rPr lang="ko-KR" altLang="en-US" sz="900" dirty="0" err="1" smtClean="0"/>
+              <a:t>이메일</a:t>
+            </a:r>
+            <a:endParaRPr lang="ko-KR" altLang="en-US" sz="900" dirty="0"/>
+          </a:p>
+        </p:txBody>
+      </p:sp>
+      <p:sp>
+        <p:nvSpPr>
+          <p:cNvPr id="38" name="직사각형 37"/>
+          <p:cNvSpPr/>
+          <p:nvPr/>
+        </p:nvSpPr>
+        <p:spPr>
+          <a:xfrm>
+            <a:off x="3074858" y="4435914"/>
+            <a:ext cx="2814246" cy="252028"/>
+          </a:xfrm>
+          <a:prstGeom prst="rect">
+            <a:avLst/>
+          </a:prstGeom>
+          <a:noFill/>
+          <a:ln>
+            <a:solidFill>
+              <a:schemeClr val="tx1"/>
+            </a:solidFill>
+          </a:ln>
+        </p:spPr>
+        <p:style>
+          <a:lnRef idx="2">
+            <a:schemeClr val="accent1">
+              <a:shade val="50000"/>
+            </a:schemeClr>
+          </a:lnRef>
+          <a:fillRef idx="1">
+            <a:schemeClr val="accent1"/>
+          </a:fillRef>
+          <a:effectRef idx="0">
+            <a:schemeClr val="accent1"/>
+          </a:effectRef>
+          <a:fontRef idx="minor">
+            <a:schemeClr val="lt1"/>
+          </a:fontRef>
+        </p:style>
+        <p:txBody>
+          <a:bodyPr rtlCol="0" anchor="ctr"/>
+          <a:lstStyle/>
+          <a:p>
+            <a:pPr algn="ctr"/>
+            <a:endParaRPr lang="ko-KR" altLang="en-US" sz="1000" dirty="0">
+              <a:solidFill>
+                <a:schemeClr val="tx1"/>
+              </a:solidFill>
+            </a:endParaRPr>
+          </a:p>
+        </p:txBody>
+      </p:sp>
+      <p:sp>
+        <p:nvSpPr>
+          <p:cNvPr id="39" name="직사각형 38"/>
+          <p:cNvSpPr/>
+          <p:nvPr/>
+        </p:nvSpPr>
+        <p:spPr>
+          <a:xfrm>
+            <a:off x="3074858" y="5155994"/>
+            <a:ext cx="2814246" cy="792088"/>
+          </a:xfrm>
+          <a:prstGeom prst="rect">
+            <a:avLst/>
+          </a:prstGeom>
+          <a:noFill/>
+          <a:ln>
+            <a:solidFill>
+              <a:schemeClr val="tx1"/>
+            </a:solidFill>
+          </a:ln>
+        </p:spPr>
+        <p:style>
+          <a:lnRef idx="2">
+            <a:schemeClr val="accent1">
+              <a:shade val="50000"/>
+            </a:schemeClr>
+          </a:lnRef>
+          <a:fillRef idx="1">
+            <a:schemeClr val="accent1"/>
+          </a:fillRef>
+          <a:effectRef idx="0">
+            <a:schemeClr val="accent1"/>
+          </a:effectRef>
+          <a:fontRef idx="minor">
+            <a:schemeClr val="lt1"/>
+          </a:fontRef>
+        </p:style>
+        <p:txBody>
+          <a:bodyPr rtlCol="0" anchor="ctr"/>
+          <a:lstStyle/>
+          <a:p>
+            <a:pPr algn="ctr"/>
+            <a:endParaRPr lang="ko-KR" altLang="en-US" sz="1000" dirty="0">
+              <a:solidFill>
+                <a:schemeClr val="tx1"/>
+              </a:solidFill>
+            </a:endParaRPr>
+          </a:p>
+        </p:txBody>
+      </p:sp>
+      <p:sp>
+        <p:nvSpPr>
+          <p:cNvPr id="40" name="TextBox 39"/>
+          <p:cNvSpPr txBox="1"/>
+          <p:nvPr/>
+        </p:nvSpPr>
+        <p:spPr>
+          <a:xfrm>
+            <a:off x="3012105" y="4853154"/>
+            <a:ext cx="2448272" cy="230832"/>
+          </a:xfrm>
+          <a:prstGeom prst="rect">
+            <a:avLst/>
+          </a:prstGeom>
+          <a:noFill/>
+        </p:spPr>
+        <p:txBody>
+          <a:bodyPr wrap="square" rtlCol="0">
+            <a:spAutoFit/>
+          </a:bodyPr>
+          <a:lstStyle/>
+          <a:p>
+            <a:r>
+              <a:rPr lang="ko-KR" altLang="en-US" sz="900" dirty="0" smtClean="0"/>
+              <a:t>환불 및 교환정책 기본사항</a:t>
+            </a:r>
+            <a:endParaRPr lang="ko-KR" altLang="en-US" sz="900" dirty="0"/>
+          </a:p>
+        </p:txBody>
+      </p:sp>
+      <p:sp>
+        <p:nvSpPr>
+          <p:cNvPr id="41" name="직사각형 40"/>
+          <p:cNvSpPr/>
+          <p:nvPr/>
+        </p:nvSpPr>
+        <p:spPr>
+          <a:xfrm>
+            <a:off x="3944888" y="6237312"/>
+            <a:ext cx="792088" cy="288032"/>
+          </a:xfrm>
+          <a:prstGeom prst="rect">
+            <a:avLst/>
+          </a:prstGeom>
+          <a:noFill/>
+          <a:ln>
+            <a:solidFill>
+              <a:schemeClr val="tx1"/>
+            </a:solidFill>
+          </a:ln>
+        </p:spPr>
+        <p:style>
+          <a:lnRef idx="2">
+            <a:schemeClr val="accent1">
+              <a:shade val="50000"/>
+            </a:schemeClr>
+          </a:lnRef>
+          <a:fillRef idx="1">
+            <a:schemeClr val="accent1"/>
+          </a:fillRef>
+          <a:effectRef idx="0">
+            <a:schemeClr val="accent1"/>
+          </a:effectRef>
+          <a:fontRef idx="minor">
+            <a:schemeClr val="lt1"/>
+          </a:fontRef>
+        </p:style>
+        <p:txBody>
+          <a:bodyPr rtlCol="0" anchor="ctr"/>
+          <a:lstStyle/>
+          <a:p>
+            <a:pPr algn="ctr"/>
+            <a:r>
+              <a:rPr lang="ko-KR" altLang="en-US" sz="1100" smtClean="0">
+                <a:solidFill>
+                  <a:schemeClr val="tx1"/>
+                </a:solidFill>
+              </a:rPr>
+              <a:t>다음단계</a:t>
+            </a:r>
+            <a:endParaRPr lang="ko-KR" altLang="en-US" sz="1100" dirty="0">
+              <a:solidFill>
+                <a:schemeClr val="tx1"/>
+              </a:solidFill>
+            </a:endParaRPr>
+          </a:p>
+        </p:txBody>
+      </p:sp>
+    </p:spTree>
+    <p:extLst>
+      <p:ext uri="{BB962C8B-B14F-4D97-AF65-F5344CB8AC3E}">
+        <p14:creationId xmlns:p14="http://schemas.microsoft.com/office/powerpoint/2010/main" val="4210689495"/>
       </p:ext>
     </p:extLst>
   </p:cSld>
